--- a/ietf110/draft-ietf-add-dnr.pptx
+++ b/ietf110/draft-ietf-add-dnr.pptx
@@ -5,19 +5,22 @@
     <p:sldMasterId id="2147483648" r:id="rId1"/>
   </p:sldMasterIdLst>
   <p:notesMasterIdLst>
-    <p:notesMasterId r:id="rId12"/>
+    <p:notesMasterId r:id="rId15"/>
   </p:notesMasterIdLst>
   <p:sldIdLst>
     <p:sldId id="395" r:id="rId2"/>
-    <p:sldId id="494" r:id="rId3"/>
-    <p:sldId id="489" r:id="rId4"/>
-    <p:sldId id="495" r:id="rId5"/>
-    <p:sldId id="493" r:id="rId6"/>
-    <p:sldId id="485" r:id="rId7"/>
-    <p:sldId id="497" r:id="rId8"/>
-    <p:sldId id="496" r:id="rId9"/>
-    <p:sldId id="499" r:id="rId10"/>
-    <p:sldId id="403" r:id="rId11"/>
+    <p:sldId id="500" r:id="rId3"/>
+    <p:sldId id="506" r:id="rId4"/>
+    <p:sldId id="507" r:id="rId5"/>
+    <p:sldId id="508" r:id="rId6"/>
+    <p:sldId id="496" r:id="rId7"/>
+    <p:sldId id="499" r:id="rId8"/>
+    <p:sldId id="497" r:id="rId9"/>
+    <p:sldId id="403" r:id="rId10"/>
+    <p:sldId id="505" r:id="rId11"/>
+    <p:sldId id="501" r:id="rId12"/>
+    <p:sldId id="503" r:id="rId13"/>
+    <p:sldId id="509" r:id="rId14"/>
   </p:sldIdLst>
   <p:sldSz cx="9144000" cy="6858000" type="screen4x3"/>
   <p:notesSz cx="6858000" cy="9144000"/>
@@ -231,7 +234,7 @@
           <a:p>
             <a:fld id="{6BE512B3-EE07-42D7-BB92-D931EE959D3C}" type="datetimeFigureOut">
               <a:rPr lang="fr-FR" smtClean="0"/>
-              <a:t>05/03/2021</a:t>
+              <a:t>08/03/2021</a:t>
             </a:fld>
             <a:endParaRPr lang="fr-FR"/>
           </a:p>
@@ -680,7 +683,7 @@
           <a:p>
             <a:fld id="{AA309A6D-C09C-4548-B29A-6CF363A7E532}" type="datetimeFigureOut">
               <a:rPr lang="fr-FR" smtClean="0"/>
-              <a:t>05/03/2021</a:t>
+              <a:t>08/03/2021</a:t>
             </a:fld>
             <a:endParaRPr lang="fr-BE"/>
           </a:p>
@@ -1032,7 +1035,7 @@
           <a:p>
             <a:fld id="{AA309A6D-C09C-4548-B29A-6CF363A7E532}" type="datetimeFigureOut">
               <a:rPr lang="fr-FR" smtClean="0"/>
-              <a:t>05/03/2021</a:t>
+              <a:t>08/03/2021</a:t>
             </a:fld>
             <a:endParaRPr lang="fr-BE"/>
           </a:p>
@@ -1207,7 +1210,7 @@
           <a:p>
             <a:fld id="{AA309A6D-C09C-4548-B29A-6CF363A7E532}" type="datetimeFigureOut">
               <a:rPr lang="fr-FR" smtClean="0"/>
-              <a:t>05/03/2021</a:t>
+              <a:t>08/03/2021</a:t>
             </a:fld>
             <a:endParaRPr lang="fr-BE"/>
           </a:p>
@@ -1372,7 +1375,7 @@
           <a:p>
             <a:fld id="{AA309A6D-C09C-4548-B29A-6CF363A7E532}" type="datetimeFigureOut">
               <a:rPr lang="fr-FR" smtClean="0"/>
-              <a:t>05/03/2021</a:t>
+              <a:t>08/03/2021</a:t>
             </a:fld>
             <a:endParaRPr lang="fr-BE"/>
           </a:p>
@@ -1800,7 +1803,7 @@
           <a:p>
             <a:fld id="{AA309A6D-C09C-4548-B29A-6CF363A7E532}" type="datetimeFigureOut">
               <a:rPr lang="fr-FR" smtClean="0"/>
-              <a:t>05/03/2021</a:t>
+              <a:t>08/03/2021</a:t>
             </a:fld>
             <a:endParaRPr lang="fr-BE"/>
           </a:p>
@@ -2270,7 +2273,7 @@
           <a:p>
             <a:fld id="{AA309A6D-C09C-4548-B29A-6CF363A7E532}" type="datetimeFigureOut">
               <a:rPr lang="fr-FR" smtClean="0"/>
-              <a:t>05/03/2021</a:t>
+              <a:t>08/03/2021</a:t>
             </a:fld>
             <a:endParaRPr lang="fr-BE"/>
           </a:p>
@@ -2694,7 +2697,7 @@
           <a:p>
             <a:fld id="{AA309A6D-C09C-4548-B29A-6CF363A7E532}" type="datetimeFigureOut">
               <a:rPr lang="fr-FR" smtClean="0"/>
-              <a:t>05/03/2021</a:t>
+              <a:t>08/03/2021</a:t>
             </a:fld>
             <a:endParaRPr lang="fr-BE"/>
           </a:p>
@@ -2807,7 +2810,7 @@
           <a:p>
             <a:fld id="{AA309A6D-C09C-4548-B29A-6CF363A7E532}" type="datetimeFigureOut">
               <a:rPr lang="fr-FR" smtClean="0"/>
-              <a:t>05/03/2021</a:t>
+              <a:t>08/03/2021</a:t>
             </a:fld>
             <a:endParaRPr lang="fr-BE"/>
           </a:p>
@@ -2897,7 +2900,7 @@
           <a:p>
             <a:fld id="{AA309A6D-C09C-4548-B29A-6CF363A7E532}" type="datetimeFigureOut">
               <a:rPr lang="fr-FR" smtClean="0"/>
-              <a:t>05/03/2021</a:t>
+              <a:t>08/03/2021</a:t>
             </a:fld>
             <a:endParaRPr lang="fr-BE"/>
           </a:p>
@@ -3169,7 +3172,7 @@
           <a:p>
             <a:fld id="{AA309A6D-C09C-4548-B29A-6CF363A7E532}" type="datetimeFigureOut">
               <a:rPr lang="fr-FR" smtClean="0"/>
-              <a:t>05/03/2021</a:t>
+              <a:t>08/03/2021</a:t>
             </a:fld>
             <a:endParaRPr lang="fr-BE"/>
           </a:p>
@@ -3417,7 +3420,7 @@
           <a:p>
             <a:fld id="{AA309A6D-C09C-4548-B29A-6CF363A7E532}" type="datetimeFigureOut">
               <a:rPr lang="fr-FR" smtClean="0"/>
-              <a:t>05/03/2021</a:t>
+              <a:t>08/03/2021</a:t>
             </a:fld>
             <a:endParaRPr lang="fr-BE"/>
           </a:p>
@@ -3625,7 +3628,7 @@
           <a:p>
             <a:fld id="{AA309A6D-C09C-4548-B29A-6CF363A7E532}" type="datetimeFigureOut">
               <a:rPr lang="fr-FR" smtClean="0"/>
-              <a:t>05/03/2021</a:t>
+              <a:t>08/03/2021</a:t>
             </a:fld>
             <a:endParaRPr lang="fr-BE"/>
           </a:p>
@@ -4090,11 +4093,6 @@
               </a:rPr>
               <a:t>March 2021</a:t>
             </a:r>
-            <a:endParaRPr lang="en-US" dirty="0" smtClean="0">
-              <a:solidFill>
-                <a:schemeClr val="tx1"/>
-              </a:solidFill>
-            </a:endParaRPr>
           </a:p>
           <a:p>
             <a:r>
@@ -4201,24 +4199,85 @@
             <p:ph type="title"/>
           </p:nvPr>
         </p:nvSpPr>
-        <p:spPr/>
+        <p:spPr>
+          <a:xfrm>
+            <a:off x="323528" y="3068960"/>
+            <a:ext cx="8229600" cy="1143000"/>
+          </a:xfrm>
+        </p:spPr>
         <p:txBody>
           <a:bodyPr/>
           <a:lstStyle/>
           <a:p>
             <a:r>
-              <a:rPr lang="en-US" dirty="0" smtClean="0"/>
-              <a:t>Next</a:t>
-            </a:r>
-            <a:r>
               <a:rPr lang="fr-FR" dirty="0" smtClean="0"/>
-              <a:t> </a:t>
-            </a:r>
-            <a:r>
-              <a:rPr lang="en-US" dirty="0" smtClean="0"/>
-              <a:t>Steps</a:t>
-            </a:r>
-            <a:endParaRPr lang="en-US" dirty="0"/>
+              <a:t>Backup</a:t>
+            </a:r>
+            <a:endParaRPr lang="fr-FR" dirty="0"/>
+          </a:p>
+        </p:txBody>
+      </p:sp>
+    </p:spTree>
+    <p:extLst>
+      <p:ext uri="{BB962C8B-B14F-4D97-AF65-F5344CB8AC3E}">
+        <p14:creationId xmlns:p14="http://schemas.microsoft.com/office/powerpoint/2010/main" val="1823607137"/>
+      </p:ext>
+    </p:extLst>
+  </p:cSld>
+  <p:clrMapOvr>
+    <a:masterClrMapping/>
+  </p:clrMapOvr>
+  <p:timing>
+    <p:tnLst>
+      <p:par>
+        <p:cTn id="1" dur="indefinite" restart="never" nodeType="tmRoot"/>
+      </p:par>
+    </p:tnLst>
+  </p:timing>
+</p:sld>
+</file>
+
+<file path=ppt/slides/slide11.xml><?xml version="1.0" encoding="utf-8"?>
+<p:sld xmlns:a="http://schemas.openxmlformats.org/drawingml/2006/main" xmlns:r="http://schemas.openxmlformats.org/officeDocument/2006/relationships" xmlns:p="http://schemas.openxmlformats.org/presentationml/2006/main">
+  <p:cSld>
+    <p:spTree>
+      <p:nvGrpSpPr>
+        <p:cNvPr id="1" name=""/>
+        <p:cNvGrpSpPr/>
+        <p:nvPr/>
+      </p:nvGrpSpPr>
+      <p:grpSpPr>
+        <a:xfrm>
+          <a:off x="0" y="0"/>
+          <a:ext cx="0" cy="0"/>
+          <a:chOff x="0" y="0"/>
+          <a:chExt cx="0" cy="0"/>
+        </a:xfrm>
+      </p:grpSpPr>
+      <p:sp>
+        <p:nvSpPr>
+          <p:cNvPr id="2" name="Titre 1"/>
+          <p:cNvSpPr>
+            <a:spLocks noGrp="1"/>
+          </p:cNvSpPr>
+          <p:nvPr>
+            <p:ph type="title"/>
+          </p:nvPr>
+        </p:nvSpPr>
+        <p:spPr/>
+        <p:txBody>
+          <a:bodyPr/>
+          <a:lstStyle/>
+          <a:p>
+            <a:r>
+              <a:rPr lang="fr-FR" dirty="0" smtClean="0"/>
+              <a:t>DNR Design </a:t>
+            </a:r>
+            <a:r>
+              <a:rPr lang="fr-FR" dirty="0" err="1" smtClean="0"/>
+              <a:t>Assumptions</a:t>
+            </a:r>
+            <a:endParaRPr lang="fr-FR" dirty="0"/>
           </a:p>
         </p:txBody>
       </p:sp>
@@ -4234,56 +4293,98 @@
         </p:nvSpPr>
         <p:spPr/>
         <p:txBody>
-          <a:bodyPr/>
+          <a:bodyPr>
+            <a:normAutofit/>
+          </a:bodyPr>
           <a:lstStyle/>
           <a:p>
             <a:r>
+              <a:rPr lang="en-US" b="1" i="1" dirty="0" smtClean="0">
+                <a:solidFill>
+                  <a:srgbClr val="00B0F0"/>
+                </a:solidFill>
+              </a:rPr>
+              <a:t>One or more encrypted DNS servers </a:t>
+            </a:r>
+            <a:r>
               <a:rPr lang="en-US" dirty="0" smtClean="0"/>
-              <a:t>Implement the outcom</a:t>
-            </a:r>
+              <a:t>can be advertised by a network, e.g., </a:t>
+            </a:r>
+            <a:r>
+              <a:rPr lang="en-US" dirty="0" err="1" smtClean="0"/>
+              <a:t>DoT+DoQ+DoH</a:t>
+            </a:r>
+            <a:endParaRPr lang="en-US" dirty="0" smtClean="0"/>
+          </a:p>
+          <a:p>
             <a:r>
               <a:rPr lang="en-US" dirty="0" smtClean="0"/>
-              <a:t>e of the discussion</a:t>
-            </a:r>
-          </a:p>
-          <a:p>
-            <a:endParaRPr lang="en-US" dirty="0" smtClean="0"/>
-          </a:p>
-          <a:p>
+              <a:t>The </a:t>
+            </a:r>
+            <a:r>
+              <a:rPr lang="en-US" b="1" i="1" dirty="0" smtClean="0">
+                <a:solidFill>
+                  <a:srgbClr val="00B0F0"/>
+                </a:solidFill>
+              </a:rPr>
+              <a:t>same or distinct</a:t>
+            </a:r>
+            <a:r>
+              <a:rPr lang="en-US" i="1" dirty="0" smtClean="0">
+                <a:solidFill>
+                  <a:srgbClr val="00B0F0"/>
+                </a:solidFill>
+              </a:rPr>
+              <a:t> </a:t>
+            </a:r>
             <a:r>
               <a:rPr lang="en-US" dirty="0" smtClean="0"/>
-              <a:t>Edits and clarification to take into account Michael’s comments</a:t>
-            </a:r>
-          </a:p>
-          <a:p>
-            <a:pPr lvl="1"/>
-            <a:r>
-              <a:rPr lang="en-US" dirty="0">
-                <a:hlinkClick r:id="rId2"/>
-              </a:rPr>
-              <a:t>https://</a:t>
-            </a:r>
-            <a:r>
-              <a:rPr lang="en-US" dirty="0" smtClean="0">
-                <a:hlinkClick r:id="rId2"/>
-              </a:rPr>
-              <a:t>github.com/boucadair/draft-btw-add-home-network/issues/7</a:t>
+              <a:t>Authentication Domain Names may be used for DoT, DoH, </a:t>
+            </a:r>
+            <a:r>
+              <a:rPr lang="en-US" dirty="0" err="1" smtClean="0"/>
+              <a:t>DoQ</a:t>
             </a:r>
             <a:r>
               <a:rPr lang="en-US" dirty="0" smtClean="0"/>
-              <a:t> </a:t>
-            </a:r>
-            <a:endParaRPr lang="en-US" dirty="0" smtClean="0"/>
-          </a:p>
-          <a:p>
-            <a:endParaRPr lang="en-US" dirty="0" smtClean="0"/>
+              <a:t>, etc.</a:t>
+            </a:r>
           </a:p>
           <a:p>
             <a:r>
               <a:rPr lang="en-US" dirty="0" smtClean="0"/>
-              <a:t>Please review and share comments</a:t>
-            </a:r>
-            <a:endParaRPr lang="en-US" dirty="0" smtClean="0"/>
+              <a:t>Available encrypted DNS servers may run on the </a:t>
+            </a:r>
+            <a:r>
+              <a:rPr lang="en-US" b="1" i="1" dirty="0" smtClean="0">
+                <a:solidFill>
+                  <a:srgbClr val="00B0F0"/>
+                </a:solidFill>
+              </a:rPr>
+              <a:t>same or distinct IP addresses</a:t>
+            </a:r>
+          </a:p>
+          <a:p>
+            <a:r>
+              <a:rPr lang="en-US" dirty="0" smtClean="0"/>
+              <a:t>An encrypted DNS service (e.g., DoT, </a:t>
+            </a:r>
+            <a:r>
+              <a:rPr lang="en-US" dirty="0" err="1" smtClean="0"/>
+              <a:t>DoQ</a:t>
+            </a:r>
+            <a:r>
+              <a:rPr lang="en-US" dirty="0" smtClean="0"/>
+              <a:t>) may use a </a:t>
+            </a:r>
+            <a:r>
+              <a:rPr lang="en-US" b="1" i="1" dirty="0" smtClean="0">
+                <a:solidFill>
+                  <a:srgbClr val="00B0F0"/>
+                </a:solidFill>
+              </a:rPr>
+              <a:t>non default port number</a:t>
+            </a:r>
           </a:p>
           <a:p>
             <a:endParaRPr lang="en-US" dirty="0"/>
@@ -4293,7 +4394,405 @@
     </p:spTree>
     <p:extLst>
       <p:ext uri="{BB962C8B-B14F-4D97-AF65-F5344CB8AC3E}">
-        <p14:creationId xmlns:p14="http://schemas.microsoft.com/office/powerpoint/2010/main" val="230875129"/>
+        <p14:creationId xmlns:p14="http://schemas.microsoft.com/office/powerpoint/2010/main" val="2238717725"/>
+      </p:ext>
+    </p:extLst>
+  </p:cSld>
+  <p:clrMapOvr>
+    <a:masterClrMapping/>
+  </p:clrMapOvr>
+  <p:timing>
+    <p:tnLst>
+      <p:par>
+        <p:cTn id="1" dur="indefinite" restart="never" nodeType="tmRoot"/>
+      </p:par>
+    </p:tnLst>
+  </p:timing>
+</p:sld>
+</file>
+
+<file path=ppt/slides/slide12.xml><?xml version="1.0" encoding="utf-8"?>
+<p:sld xmlns:a="http://schemas.openxmlformats.org/drawingml/2006/main" xmlns:r="http://schemas.openxmlformats.org/officeDocument/2006/relationships" xmlns:p="http://schemas.openxmlformats.org/presentationml/2006/main">
+  <p:cSld>
+    <p:spTree>
+      <p:nvGrpSpPr>
+        <p:cNvPr id="1" name=""/>
+        <p:cNvGrpSpPr/>
+        <p:nvPr/>
+      </p:nvGrpSpPr>
+      <p:grpSpPr>
+        <a:xfrm>
+          <a:off x="0" y="0"/>
+          <a:ext cx="0" cy="0"/>
+          <a:chOff x="0" y="0"/>
+          <a:chExt cx="0" cy="0"/>
+        </a:xfrm>
+      </p:grpSpPr>
+      <p:sp>
+        <p:nvSpPr>
+          <p:cNvPr id="2" name="Titre 1"/>
+          <p:cNvSpPr>
+            <a:spLocks noGrp="1"/>
+          </p:cNvSpPr>
+          <p:nvPr>
+            <p:ph type="title"/>
+          </p:nvPr>
+        </p:nvSpPr>
+        <p:spPr/>
+        <p:txBody>
+          <a:bodyPr/>
+          <a:lstStyle/>
+          <a:p>
+            <a:r>
+              <a:rPr lang="en-US" dirty="0"/>
+              <a:t>Typical </a:t>
+            </a:r>
+            <a:r>
+              <a:rPr lang="en-US" dirty="0" smtClean="0"/>
+              <a:t>Communication Flow</a:t>
+            </a:r>
+            <a:endParaRPr lang="en-US" dirty="0"/>
+          </a:p>
+        </p:txBody>
+      </p:sp>
+      <p:sp>
+        <p:nvSpPr>
+          <p:cNvPr id="3" name="Espace réservé du contenu 2"/>
+          <p:cNvSpPr>
+            <a:spLocks noGrp="1"/>
+          </p:cNvSpPr>
+          <p:nvPr>
+            <p:ph idx="1"/>
+          </p:nvPr>
+        </p:nvSpPr>
+        <p:spPr/>
+        <p:txBody>
+          <a:bodyPr>
+            <a:noAutofit/>
+          </a:bodyPr>
+          <a:lstStyle/>
+          <a:p>
+            <a:r>
+              <a:rPr lang="en-US" sz="2400" dirty="0" smtClean="0"/>
+              <a:t>Clients ask for one or more encrypted DNS (e.g., DoT, DoH) by </a:t>
+            </a:r>
+            <a:r>
+              <a:rPr lang="en-US" sz="2400" b="1" i="1" dirty="0" smtClean="0">
+                <a:solidFill>
+                  <a:srgbClr val="00B0F0"/>
+                </a:solidFill>
+              </a:rPr>
+              <a:t>setting dedicated flags</a:t>
+            </a:r>
+            <a:r>
+              <a:rPr lang="en-US" sz="2400" dirty="0" smtClean="0"/>
+              <a:t> in the options</a:t>
+            </a:r>
+          </a:p>
+          <a:p>
+            <a:pPr lvl="1"/>
+            <a:r>
+              <a:rPr lang="en-US" sz="2000" dirty="0" smtClean="0"/>
+              <a:t>A client that is interested in any encrypted DNS will set all the flags</a:t>
+            </a:r>
+          </a:p>
+          <a:p>
+            <a:r>
+              <a:rPr lang="en-US" sz="2400" dirty="0" smtClean="0"/>
+              <a:t>Servers reply with ADN(s), a list of IP addresses, and a port number, if the requested encrypted DNS is supported</a:t>
+            </a:r>
+          </a:p>
+          <a:p>
+            <a:pPr lvl="1"/>
+            <a:r>
+              <a:rPr lang="en-US" sz="2000" dirty="0" smtClean="0"/>
+              <a:t>It is </a:t>
+            </a:r>
+            <a:r>
+              <a:rPr lang="en-US" sz="2000" b="1" i="1" dirty="0" smtClean="0">
+                <a:solidFill>
+                  <a:srgbClr val="00B0F0"/>
+                </a:solidFill>
+              </a:rPr>
+              <a:t>RECOMMENDED to return both an ADN + a list of IP addresses</a:t>
+            </a:r>
+          </a:p>
+          <a:p>
+            <a:pPr lvl="1"/>
+            <a:r>
+              <a:rPr lang="en-US" sz="2000" b="1" i="1" dirty="0" smtClean="0">
+                <a:solidFill>
+                  <a:srgbClr val="00B0F0"/>
+                </a:solidFill>
+              </a:rPr>
+              <a:t>One or more </a:t>
+            </a:r>
+            <a:r>
+              <a:rPr lang="en-US" sz="2000" dirty="0" smtClean="0"/>
+              <a:t>encrypted DNS types may be returned</a:t>
+            </a:r>
+          </a:p>
+          <a:p>
+            <a:pPr lvl="1"/>
+            <a:r>
+              <a:rPr lang="en-US" sz="2000" dirty="0" smtClean="0"/>
+              <a:t>These services may be bound to the </a:t>
+            </a:r>
+            <a:r>
+              <a:rPr lang="en-US" sz="2000" b="1" i="1" dirty="0" smtClean="0">
+                <a:solidFill>
+                  <a:srgbClr val="00B0F0"/>
+                </a:solidFill>
+              </a:rPr>
+              <a:t>same or distinct IP addresses</a:t>
+            </a:r>
+          </a:p>
+          <a:p>
+            <a:pPr lvl="1"/>
+            <a:r>
+              <a:rPr lang="en-US" sz="2000" b="1" i="1" dirty="0" smtClean="0">
+                <a:solidFill>
+                  <a:srgbClr val="00B0F0"/>
+                </a:solidFill>
+              </a:rPr>
+              <a:t>Alternate port numbers </a:t>
+            </a:r>
+            <a:r>
+              <a:rPr lang="en-US" sz="2000" dirty="0" smtClean="0"/>
+              <a:t>can be returned when default port number are not in use</a:t>
+            </a:r>
+          </a:p>
+          <a:p>
+            <a:pPr lvl="1"/>
+            <a:r>
+              <a:rPr lang="en-US" sz="2000" dirty="0" smtClean="0"/>
+              <a:t>If a list of IP addresses is returned, that list is </a:t>
+            </a:r>
+            <a:r>
+              <a:rPr lang="en-US" sz="2000" b="1" i="1" dirty="0" smtClean="0">
+                <a:solidFill>
+                  <a:srgbClr val="00B0F0"/>
+                </a:solidFill>
+              </a:rPr>
+              <a:t>ordered</a:t>
+            </a:r>
+          </a:p>
+          <a:p>
+            <a:pPr lvl="1"/>
+            <a:r>
+              <a:rPr lang="en-US" sz="2000" dirty="0" smtClean="0"/>
+              <a:t>Some recommendations to </a:t>
+            </a:r>
+            <a:r>
+              <a:rPr lang="en-US" sz="2000" b="1" i="1" dirty="0" smtClean="0">
+                <a:solidFill>
+                  <a:srgbClr val="00B0F0"/>
+                </a:solidFill>
+              </a:rPr>
+              <a:t>optimize</a:t>
+            </a:r>
+            <a:r>
+              <a:rPr lang="en-US" sz="2000" dirty="0" smtClean="0">
+                <a:solidFill>
+                  <a:srgbClr val="00B0F0"/>
+                </a:solidFill>
+              </a:rPr>
+              <a:t> </a:t>
+            </a:r>
+            <a:r>
+              <a:rPr lang="en-US" sz="2000" dirty="0" smtClean="0"/>
+              <a:t>the message size are included</a:t>
+            </a:r>
+          </a:p>
+        </p:txBody>
+      </p:sp>
+    </p:spTree>
+    <p:extLst>
+      <p:ext uri="{BB962C8B-B14F-4D97-AF65-F5344CB8AC3E}">
+        <p14:creationId xmlns:p14="http://schemas.microsoft.com/office/powerpoint/2010/main" val="3588801019"/>
+      </p:ext>
+    </p:extLst>
+  </p:cSld>
+  <p:clrMapOvr>
+    <a:masterClrMapping/>
+  </p:clrMapOvr>
+  <p:timing>
+    <p:tnLst>
+      <p:par>
+        <p:cTn id="1" dur="indefinite" restart="never" nodeType="tmRoot"/>
+      </p:par>
+    </p:tnLst>
+  </p:timing>
+</p:sld>
+</file>
+
+<file path=ppt/slides/slide13.xml><?xml version="1.0" encoding="utf-8"?>
+<p:sld xmlns:a="http://schemas.openxmlformats.org/drawingml/2006/main" xmlns:r="http://schemas.openxmlformats.org/officeDocument/2006/relationships" xmlns:p="http://schemas.openxmlformats.org/presentationml/2006/main">
+  <p:cSld>
+    <p:spTree>
+      <p:nvGrpSpPr>
+        <p:cNvPr id="1" name=""/>
+        <p:cNvGrpSpPr/>
+        <p:nvPr/>
+      </p:nvGrpSpPr>
+      <p:grpSpPr>
+        <a:xfrm>
+          <a:off x="0" y="0"/>
+          <a:ext cx="0" cy="0"/>
+          <a:chOff x="0" y="0"/>
+          <a:chExt cx="0" cy="0"/>
+        </a:xfrm>
+      </p:grpSpPr>
+      <p:sp>
+        <p:nvSpPr>
+          <p:cNvPr id="2" name="Titre 1"/>
+          <p:cNvSpPr>
+            <a:spLocks noGrp="1"/>
+          </p:cNvSpPr>
+          <p:nvPr>
+            <p:ph type="title"/>
+          </p:nvPr>
+        </p:nvSpPr>
+        <p:spPr/>
+        <p:txBody>
+          <a:bodyPr/>
+          <a:lstStyle/>
+          <a:p>
+            <a:r>
+              <a:rPr lang="fr-FR" dirty="0" err="1" smtClean="0"/>
+              <a:t>Sync</a:t>
+            </a:r>
+            <a:r>
+              <a:rPr lang="fr-FR" dirty="0" smtClean="0"/>
+              <a:t> DDR and DNR</a:t>
+            </a:r>
+            <a:endParaRPr lang="fr-FR" dirty="0"/>
+          </a:p>
+        </p:txBody>
+      </p:sp>
+      <p:sp>
+        <p:nvSpPr>
+          <p:cNvPr id="3" name="Espace réservé du contenu 2"/>
+          <p:cNvSpPr>
+            <a:spLocks noGrp="1"/>
+          </p:cNvSpPr>
+          <p:nvPr>
+            <p:ph idx="1"/>
+          </p:nvPr>
+        </p:nvSpPr>
+        <p:spPr/>
+        <p:txBody>
+          <a:bodyPr>
+            <a:normAutofit fontScale="92500" lnSpcReduction="10000"/>
+          </a:bodyPr>
+          <a:lstStyle/>
+          <a:p>
+            <a:r>
+              <a:rPr lang="fr-FR" dirty="0" smtClean="0"/>
+              <a:t>DHCP servers </a:t>
+            </a:r>
+            <a:r>
+              <a:rPr lang="fr-FR" dirty="0" err="1" smtClean="0"/>
+              <a:t>can</a:t>
+            </a:r>
+            <a:r>
+              <a:rPr lang="fr-FR" dirty="0" smtClean="0"/>
+              <a:t> issue SVCB </a:t>
+            </a:r>
+            <a:r>
+              <a:rPr lang="fr-FR" dirty="0" err="1" smtClean="0"/>
+              <a:t>queries</a:t>
+            </a:r>
+            <a:r>
+              <a:rPr lang="fr-FR" dirty="0" smtClean="0"/>
+              <a:t> and cache the </a:t>
+            </a:r>
+            <a:r>
+              <a:rPr lang="fr-FR" dirty="0" err="1" smtClean="0"/>
+              <a:t>result</a:t>
+            </a:r>
+            <a:r>
+              <a:rPr lang="fr-FR" dirty="0" err="1"/>
+              <a:t>s</a:t>
+            </a:r>
+            <a:endParaRPr lang="fr-FR" dirty="0" smtClean="0"/>
+          </a:p>
+          <a:p>
+            <a:endParaRPr lang="fr-FR" dirty="0"/>
+          </a:p>
+          <a:p>
+            <a:r>
+              <a:rPr lang="fr-FR" dirty="0" err="1" smtClean="0"/>
+              <a:t>See</a:t>
+            </a:r>
+            <a:r>
+              <a:rPr lang="fr-FR" dirty="0" smtClean="0"/>
+              <a:t>,  for </a:t>
+            </a:r>
+            <a:r>
+              <a:rPr lang="fr-FR" dirty="0" err="1" smtClean="0"/>
+              <a:t>example</a:t>
+            </a:r>
+            <a:r>
+              <a:rPr lang="fr-FR" dirty="0" smtClean="0"/>
+              <a:t>, </a:t>
+            </a:r>
+            <a:r>
+              <a:rPr lang="fr-FR" b="1" dirty="0">
+                <a:hlinkClick r:id="rId2"/>
+              </a:rPr>
+              <a:t>RFC 7969</a:t>
+            </a:r>
+            <a:endParaRPr lang="fr-FR" b="1" dirty="0"/>
+          </a:p>
+          <a:p>
+            <a:pPr marL="0" indent="0" algn="ctr">
+              <a:buNone/>
+            </a:pPr>
+            <a:r>
+              <a:rPr lang="fr-FR" dirty="0" smtClean="0"/>
+              <a:t>"</a:t>
+            </a:r>
+            <a:r>
+              <a:rPr lang="en-US" dirty="0"/>
+              <a:t> Depending on the server capability and configuration, it may </a:t>
+            </a:r>
+            <a:r>
+              <a:rPr lang="en-US" dirty="0" smtClean="0"/>
+              <a:t>cache resolved </a:t>
+            </a:r>
+            <a:r>
+              <a:rPr lang="en-US" dirty="0"/>
+              <a:t>responses for a specific period of time, repeat </a:t>
+            </a:r>
+            <a:r>
+              <a:rPr lang="en-US" dirty="0" smtClean="0"/>
+              <a:t>queries every </a:t>
+            </a:r>
+            <a:r>
+              <a:rPr lang="en-US" dirty="0"/>
+              <a:t>time, or even keep the response until reconfiguration </a:t>
+            </a:r>
+            <a:r>
+              <a:rPr lang="en-US" dirty="0" smtClean="0"/>
+              <a:t>or shutdown</a:t>
+            </a:r>
+            <a:r>
+              <a:rPr lang="en-US" dirty="0"/>
+              <a:t>.  For more detailed discussion, see Section 7 of [RFC7227</a:t>
+            </a:r>
+            <a:r>
+              <a:rPr lang="en-US" dirty="0" smtClean="0"/>
+              <a:t>].”</a:t>
+            </a:r>
+            <a:endParaRPr lang="fr-FR" dirty="0"/>
+          </a:p>
+        </p:txBody>
+      </p:sp>
+    </p:spTree>
+    <p:extLst>
+      <p:ext uri="{BB962C8B-B14F-4D97-AF65-F5344CB8AC3E}">
+        <p14:creationId xmlns:p14="http://schemas.microsoft.com/office/powerpoint/2010/main" val="918184122"/>
       </p:ext>
     </p:extLst>
   </p:cSld>
@@ -4344,11 +4843,7 @@
           <a:p>
             <a:r>
               <a:rPr lang="fr-FR" dirty="0" smtClean="0"/>
-              <a:t>DNR Design </a:t>
-            </a:r>
-            <a:r>
-              <a:rPr lang="fr-FR" dirty="0" err="1" smtClean="0"/>
-              <a:t>Assumptions</a:t>
+              <a:t>Active Issues</a:t>
             </a:r>
             <a:endParaRPr lang="fr-FR" dirty="0"/>
           </a:p>
@@ -4367,107 +4862,151 @@
         <p:spPr/>
         <p:txBody>
           <a:bodyPr>
-            <a:normAutofit/>
+            <a:normAutofit fontScale="92500" lnSpcReduction="10000"/>
           </a:bodyPr>
           <a:lstStyle/>
           <a:p>
             <a:r>
+              <a:rPr lang="fr-FR" dirty="0" smtClean="0">
+                <a:hlinkClick r:id="rId2"/>
+              </a:rPr>
+              <a:t>https</a:t>
+            </a:r>
+            <a:r>
+              <a:rPr lang="fr-FR" dirty="0">
+                <a:hlinkClick r:id="rId2"/>
+              </a:rPr>
+              <a:t>://</a:t>
+            </a:r>
+            <a:r>
+              <a:rPr lang="fr-FR" dirty="0" smtClean="0">
+                <a:hlinkClick r:id="rId2"/>
+              </a:rPr>
+              <a:t>github.com/ietf-wg-add/draft-ietf-add-dnr/issues (3</a:t>
+            </a:r>
+            <a:r>
+              <a:rPr lang="fr-FR" dirty="0" smtClean="0"/>
+              <a:t> open)</a:t>
+            </a:r>
+          </a:p>
+          <a:p>
+            <a:pPr lvl="1"/>
+            <a:r>
+              <a:rPr lang="fr-FR" dirty="0" smtClean="0"/>
+              <a:t>Source </a:t>
+            </a:r>
+            <a:r>
+              <a:rPr lang="fr-FR" dirty="0" err="1" smtClean="0"/>
+              <a:t>xml</a:t>
+            </a:r>
+            <a:r>
+              <a:rPr lang="fr-FR" dirty="0" smtClean="0"/>
+              <a:t>, but </a:t>
+            </a:r>
+            <a:r>
+              <a:rPr lang="fr-FR" dirty="0" err="1" smtClean="0"/>
+              <a:t>will</a:t>
+            </a:r>
+            <a:r>
+              <a:rPr lang="fr-FR" dirty="0" smtClean="0"/>
+              <a:t> </a:t>
+            </a:r>
+            <a:r>
+              <a:rPr lang="fr-FR" dirty="0" err="1" smtClean="0"/>
+              <a:t>prepare</a:t>
+            </a:r>
+            <a:r>
+              <a:rPr lang="fr-FR" dirty="0" smtClean="0"/>
+              <a:t> a source md file </a:t>
+            </a:r>
+            <a:r>
+              <a:rPr lang="fr-FR" dirty="0" err="1" smtClean="0"/>
+              <a:t>soon</a:t>
+            </a:r>
+            <a:endParaRPr lang="fr-FR" dirty="0" smtClean="0"/>
+          </a:p>
+          <a:p>
+            <a:endParaRPr lang="fr-FR" dirty="0" smtClean="0"/>
+          </a:p>
+          <a:p>
+            <a:r>
+              <a:rPr lang="fr-FR" dirty="0" smtClean="0"/>
+              <a:t>Will focus on </a:t>
+            </a:r>
+            <a:r>
+              <a:rPr lang="fr-FR" dirty="0" err="1" smtClean="0"/>
+              <a:t>this</a:t>
+            </a:r>
+            <a:r>
+              <a:rPr lang="fr-FR" dirty="0" smtClean="0"/>
+              <a:t> issue:</a:t>
+            </a:r>
+          </a:p>
+          <a:p>
+            <a:pPr marL="0" indent="0" algn="ctr">
+              <a:buNone/>
+            </a:pPr>
+            <a:r>
+              <a:rPr lang="fr-FR" i="1" dirty="0" smtClean="0"/>
+              <a:t>"</a:t>
+            </a:r>
+            <a:r>
+              <a:rPr lang="en-US" i="1" dirty="0"/>
+              <a:t>Most of the draft seems to concern the </a:t>
+            </a:r>
+            <a:r>
+              <a:rPr lang="en-US" b="1" i="1" dirty="0">
+                <a:solidFill>
+                  <a:srgbClr val="00B0F0"/>
+                </a:solidFill>
+              </a:rPr>
+              <a:t>exact formats of how to deliver resolver information</a:t>
+            </a:r>
+            <a:r>
+              <a:rPr lang="en-US" i="1" dirty="0">
+                <a:solidFill>
+                  <a:srgbClr val="00B0F0"/>
+                </a:solidFill>
+              </a:rPr>
+              <a:t> </a:t>
+            </a:r>
+            <a:r>
+              <a:rPr lang="en-US" i="1" dirty="0"/>
+              <a:t>over DHCP/RA, and I think these formats </a:t>
+            </a:r>
+            <a:r>
+              <a:rPr lang="en-US" b="1" i="1" dirty="0">
+                <a:solidFill>
+                  <a:srgbClr val="00B0F0"/>
+                </a:solidFill>
+              </a:rPr>
+              <a:t>should largely be rewritten to harmonize with </a:t>
+            </a:r>
+            <a:r>
               <a:rPr lang="en-US" b="1" i="1" dirty="0" smtClean="0">
                 <a:solidFill>
                   <a:srgbClr val="00B0F0"/>
                 </a:solidFill>
               </a:rPr>
-              <a:t>One or more encrypted DNS servers </a:t>
-            </a:r>
-            <a:r>
-              <a:rPr lang="en-US" dirty="0" smtClean="0"/>
-              <a:t>can be advertised by a network, e.g., </a:t>
-            </a:r>
-            <a:r>
-              <a:rPr lang="en-US" dirty="0" err="1" smtClean="0"/>
-              <a:t>DoT+DoQ+DoH</a:t>
-            </a:r>
-            <a:endParaRPr lang="en-US" dirty="0" smtClean="0"/>
-          </a:p>
-          <a:p>
-            <a:r>
-              <a:rPr lang="en-US" dirty="0" smtClean="0"/>
-              <a:t>The </a:t>
-            </a:r>
-            <a:r>
-              <a:rPr lang="en-US" b="1" i="1" dirty="0" smtClean="0">
-                <a:solidFill>
-                  <a:srgbClr val="00B0F0"/>
-                </a:solidFill>
-              </a:rPr>
-              <a:t>same or distinct</a:t>
-            </a:r>
-            <a:r>
-              <a:rPr lang="en-US" i="1" dirty="0" smtClean="0">
-                <a:solidFill>
-                  <a:srgbClr val="00B0F0"/>
-                </a:solidFill>
-              </a:rPr>
-              <a:t> </a:t>
-            </a:r>
-            <a:r>
-              <a:rPr lang="en-US" dirty="0" smtClean="0"/>
-              <a:t>Authentication Domain Names may be used for DoT, DoH, </a:t>
-            </a:r>
-            <a:r>
-              <a:rPr lang="en-US" dirty="0" err="1" smtClean="0"/>
-              <a:t>DoQ</a:t>
-            </a:r>
-            <a:r>
-              <a:rPr lang="en-US" dirty="0" smtClean="0"/>
-              <a:t>, etc.</a:t>
-            </a:r>
-          </a:p>
-          <a:p>
-            <a:r>
-              <a:rPr lang="en-US" dirty="0" smtClean="0"/>
-              <a:t>Available encrypted DNS servers may run on the </a:t>
-            </a:r>
-            <a:r>
-              <a:rPr lang="en-US" b="1" i="1" dirty="0" smtClean="0">
-                <a:solidFill>
-                  <a:srgbClr val="00B0F0"/>
-                </a:solidFill>
-              </a:rPr>
-              <a:t>same or distinct IP addresses</a:t>
-            </a:r>
-          </a:p>
-          <a:p>
-            <a:r>
-              <a:rPr lang="en-US" dirty="0" smtClean="0"/>
-              <a:t>An encrypted DNS service (e.g., DoT, </a:t>
-            </a:r>
-            <a:r>
-              <a:rPr lang="en-US" dirty="0" err="1" smtClean="0"/>
-              <a:t>DoQ</a:t>
-            </a:r>
-            <a:r>
-              <a:rPr lang="en-US" dirty="0" smtClean="0"/>
-              <a:t>) may use a </a:t>
-            </a:r>
-            <a:r>
-              <a:rPr lang="en-US" b="1" i="1" dirty="0" smtClean="0">
-                <a:solidFill>
-                  <a:srgbClr val="00B0F0"/>
-                </a:solidFill>
-              </a:rPr>
-              <a:t>non default port number</a:t>
-            </a:r>
-          </a:p>
-          <a:p>
-            <a:endParaRPr lang="en-US" dirty="0"/>
+              <a:t>DEER</a:t>
+            </a:r>
+            <a:r>
+              <a:rPr lang="en-US" i="1" dirty="0" smtClean="0"/>
+              <a:t>.” (Ben Schwarz)</a:t>
+            </a:r>
+          </a:p>
+          <a:p>
+            <a:pPr marL="0" indent="0" algn="ctr">
+              <a:buNone/>
+            </a:pPr>
+            <a:endParaRPr lang="fr-FR" i="1" dirty="0"/>
           </a:p>
         </p:txBody>
       </p:sp>
     </p:spTree>
     <p:extLst>
       <p:ext uri="{BB962C8B-B14F-4D97-AF65-F5344CB8AC3E}">
-        <p14:creationId xmlns:p14="http://schemas.microsoft.com/office/powerpoint/2010/main" val="2801219069"/>
+        <p14:creationId xmlns:p14="http://schemas.microsoft.com/office/powerpoint/2010/main" val="4227856902"/>
       </p:ext>
     </p:extLst>
   </p:cSld>
@@ -4518,7 +5057,7 @@
           <a:p>
             <a:r>
               <a:rPr lang="en-US" dirty="0" smtClean="0"/>
-              <a:t>Overall Approach</a:t>
+              <a:t>Which Information is Discovered?</a:t>
             </a:r>
             <a:endParaRPr lang="en-US" dirty="0"/>
           </a:p>
@@ -4542,37 +5081,15 @@
           <a:lstStyle/>
           <a:p>
             <a:r>
-              <a:rPr lang="en-US" sz="2800" dirty="0"/>
-              <a:t>Rely upon existing mechanisms to distribute </a:t>
-            </a:r>
-            <a:r>
-              <a:rPr lang="en-US" sz="2800" dirty="0" smtClean="0"/>
-              <a:t>the DNS </a:t>
-            </a:r>
-            <a:r>
-              <a:rPr lang="en-US" sz="2800" dirty="0"/>
-              <a:t>server </a:t>
-            </a:r>
-            <a:r>
-              <a:rPr lang="en-US" sz="2800" dirty="0" smtClean="0"/>
-              <a:t>information: </a:t>
-            </a:r>
-            <a:r>
-              <a:rPr lang="en-US" sz="2000" dirty="0" smtClean="0"/>
-              <a:t>DHCP</a:t>
-            </a:r>
-            <a:r>
-              <a:rPr lang="en-US" sz="2000" dirty="0"/>
-              <a:t>, DHCPv6, and RA</a:t>
-            </a:r>
-          </a:p>
-          <a:p>
-            <a:r>
-              <a:rPr lang="en-US" sz="2800" dirty="0" smtClean="0"/>
-              <a:t>Return the </a:t>
-            </a:r>
-            <a:r>
-              <a:rPr lang="en-US" sz="2800" b="1" i="1" dirty="0" smtClean="0">
+              <a:rPr lang="en-US" dirty="0" smtClean="0"/>
+              <a:t>Return </a:t>
+            </a:r>
+            <a:r>
+              <a:rPr lang="en-US" dirty="0" smtClean="0"/>
+              <a:t>the </a:t>
+            </a:r>
+            <a:r>
+              <a:rPr lang="en-US" b="1" i="1" dirty="0" smtClean="0">
                 <a:solidFill>
                   <a:srgbClr val="00B0F0"/>
                 </a:solidFill>
@@ -4580,17 +5097,33 @@
               <a:t>minimal information</a:t>
             </a:r>
             <a:r>
-              <a:rPr lang="en-US" sz="2800" dirty="0" smtClean="0"/>
-              <a:t> to establish a connection with an encrypted DNS server</a:t>
-            </a:r>
-            <a:endParaRPr lang="en-US" sz="2000" dirty="0" smtClean="0"/>
-          </a:p>
-          <a:p>
-            <a:r>
-              <a:rPr lang="en-US" sz="2800" dirty="0" smtClean="0"/>
-              <a:t>Two options are defined</a:t>
-            </a:r>
-            <a:endParaRPr lang="en-US" sz="3200" dirty="0" smtClean="0"/>
+              <a:rPr lang="en-US" dirty="0" smtClean="0"/>
+              <a:t> to establish </a:t>
+            </a:r>
+            <a:r>
+              <a:rPr lang="en-US" dirty="0" smtClean="0"/>
+              <a:t>an authenticated </a:t>
+            </a:r>
+            <a:r>
+              <a:rPr lang="en-US" dirty="0" smtClean="0"/>
+              <a:t>connection </a:t>
+            </a:r>
+            <a:r>
+              <a:rPr lang="en-US" dirty="0" smtClean="0"/>
+              <a:t>with a DNS resolver</a:t>
+            </a:r>
+            <a:endParaRPr lang="en-US" sz="2400" dirty="0" smtClean="0"/>
+          </a:p>
+          <a:p>
+            <a:r>
+              <a:rPr lang="en-US" dirty="0" smtClean="0"/>
+              <a:t>Two options are </a:t>
+            </a:r>
+            <a:r>
+              <a:rPr lang="en-US" dirty="0" smtClean="0"/>
+              <a:t>defined</a:t>
+            </a:r>
+            <a:endParaRPr lang="en-US" sz="3600" dirty="0" smtClean="0"/>
           </a:p>
         </p:txBody>
       </p:sp>
@@ -4602,7 +5135,7 @@
         </p:nvSpPr>
         <p:spPr>
           <a:xfrm>
-            <a:off x="-396552" y="3789040"/>
+            <a:off x="-396552" y="3645024"/>
             <a:ext cx="10081120" cy="1615827"/>
           </a:xfrm>
           <a:prstGeom prst="rect">
@@ -4762,7 +5295,7 @@
         </p:nvSpPr>
         <p:spPr>
           <a:xfrm>
-            <a:off x="4211960" y="3940021"/>
+            <a:off x="4211960" y="3796005"/>
             <a:ext cx="7110536" cy="2585323"/>
           </a:xfrm>
           <a:prstGeom prst="rect">
@@ -5016,7 +5549,7 @@
         </p:nvGrpSpPr>
         <p:grpSpPr>
           <a:xfrm>
-            <a:off x="926232" y="5588645"/>
+            <a:off x="926232" y="5444629"/>
             <a:ext cx="2816696" cy="720675"/>
             <a:chOff x="926232" y="5588645"/>
             <a:chExt cx="2816696" cy="720675"/>
@@ -5144,7 +5677,7 @@
     </p:spTree>
     <p:extLst>
       <p:ext uri="{BB962C8B-B14F-4D97-AF65-F5344CB8AC3E}">
-        <p14:creationId xmlns:p14="http://schemas.microsoft.com/office/powerpoint/2010/main" val="1982795991"/>
+        <p14:creationId xmlns:p14="http://schemas.microsoft.com/office/powerpoint/2010/main" val="1257857941"/>
       </p:ext>
     </p:extLst>
   </p:cSld>
@@ -5190,185 +5723,1414 @@
         </p:nvSpPr>
         <p:spPr/>
         <p:txBody>
-          <a:bodyPr/>
-          <a:lstStyle/>
-          <a:p>
-            <a:r>
-              <a:rPr lang="en-US" dirty="0"/>
-              <a:t>Typical </a:t>
-            </a:r>
-            <a:r>
-              <a:rPr lang="en-US" dirty="0" smtClean="0"/>
-              <a:t>Communication Flow</a:t>
-            </a:r>
-            <a:endParaRPr lang="en-US" dirty="0"/>
-          </a:p>
-        </p:txBody>
-      </p:sp>
-      <p:sp>
-        <p:nvSpPr>
-          <p:cNvPr id="3" name="Espace réservé du contenu 2"/>
-          <p:cNvSpPr>
-            <a:spLocks noGrp="1"/>
-          </p:cNvSpPr>
-          <p:nvPr>
-            <p:ph idx="1"/>
-          </p:nvPr>
-        </p:nvSpPr>
-        <p:spPr/>
-        <p:txBody>
           <a:bodyPr>
-            <a:noAutofit/>
+            <a:normAutofit/>
           </a:bodyPr>
           <a:lstStyle/>
           <a:p>
             <a:r>
-              <a:rPr lang="en-US" sz="2400" dirty="0" smtClean="0"/>
-              <a:t>Clients </a:t>
-            </a:r>
-            <a:r>
-              <a:rPr lang="en-US" sz="2400" dirty="0" smtClean="0"/>
-              <a:t>ask for one or more encrypted DNS (e.g., DoT, DoH) by </a:t>
-            </a:r>
-            <a:r>
-              <a:rPr lang="en-US" sz="2400" b="1" i="1" dirty="0" smtClean="0">
+              <a:rPr lang="fr-FR" dirty="0" smtClean="0"/>
+              <a:t>Relationship </a:t>
+            </a:r>
+            <a:r>
+              <a:rPr lang="fr-FR" dirty="0" err="1"/>
+              <a:t>with</a:t>
+            </a:r>
+            <a:r>
+              <a:rPr lang="fr-FR" dirty="0"/>
+              <a:t> </a:t>
+            </a:r>
+            <a:r>
+              <a:rPr lang="fr-FR" dirty="0" smtClean="0"/>
+              <a:t>DDR</a:t>
+            </a:r>
+            <a:endParaRPr lang="fr-FR" dirty="0"/>
+          </a:p>
+        </p:txBody>
+      </p:sp>
+      <p:sp>
+        <p:nvSpPr>
+          <p:cNvPr id="5" name="Rectangle 1"/>
+          <p:cNvSpPr>
+            <a:spLocks noChangeArrowheads="1"/>
+          </p:cNvSpPr>
+          <p:nvPr/>
+        </p:nvSpPr>
+        <p:spPr bwMode="auto">
+          <a:xfrm>
+            <a:off x="251520" y="1600339"/>
+            <a:ext cx="8712968" cy="4524315"/>
+          </a:xfrm>
+          <a:prstGeom prst="rect">
+            <a:avLst/>
+          </a:prstGeom>
+          <a:noFill/>
+          <a:ln>
+            <a:noFill/>
+          </a:ln>
+          <a:effectLst/>
+          <a:extLst>
+            <a:ext uri="{909E8E84-426E-40DD-AFC4-6F175D3DCCD1}">
+              <a14:hiddenFill xmlns:a14="http://schemas.microsoft.com/office/drawing/2010/main">
+                <a:solidFill>
+                  <a:schemeClr val="accent1"/>
+                </a:solidFill>
+              </a14:hiddenFill>
+            </a:ext>
+            <a:ext uri="{91240B29-F687-4F45-9708-019B960494DF}">
+              <a14:hiddenLine xmlns:a14="http://schemas.microsoft.com/office/drawing/2010/main" w="9525">
+                <a:solidFill>
+                  <a:schemeClr val="tx1"/>
+                </a:solidFill>
+                <a:miter lim="800000"/>
+                <a:headEnd/>
+                <a:tailEnd/>
+              </a14:hiddenLine>
+            </a:ext>
+            <a:ext uri="{AF507438-7753-43E0-B8FC-AC1667EBCBE1}">
+              <a14:hiddenEffects xmlns:a14="http://schemas.microsoft.com/office/drawing/2010/main">
+                <a:effectLst>
+                  <a:outerShdw dist="35921" dir="2700000" algn="ctr" rotWithShape="0">
+                    <a:schemeClr val="bg2"/>
+                  </a:outerShdw>
+                </a:effectLst>
+              </a14:hiddenEffects>
+            </a:ext>
+          </a:extLst>
+        </p:spPr>
+        <p:txBody>
+          <a:bodyPr vert="horz" wrap="square" lIns="91440" tIns="45720" rIns="91440" bIns="45720" numCol="1" anchor="ctr" anchorCtr="0" compatLnSpc="1">
+            <a:prstTxWarp prst="textNoShape">
+              <a:avLst/>
+            </a:prstTxWarp>
+            <a:spAutoFit/>
+          </a:bodyPr>
+          <a:lstStyle/>
+          <a:p>
+            <a:pPr marL="0" marR="0" lvl="0" indent="0" algn="ctr" defTabSz="914400" rtl="0" eaLnBrk="0" fontAlgn="base" latinLnBrk="0" hangingPunct="0">
+              <a:lnSpc>
+                <a:spcPct val="100000"/>
+              </a:lnSpc>
+              <a:spcBef>
+                <a:spcPct val="0"/>
+              </a:spcBef>
+              <a:spcAft>
+                <a:spcPct val="0"/>
+              </a:spcAft>
+              <a:buClrTx/>
+              <a:buSzTx/>
+              <a:buFontTx/>
+              <a:buNone/>
+              <a:tabLst/>
+            </a:pPr>
+            <a:r>
+              <a:rPr kumimoji="0" lang="fr-FR" altLang="fr-FR" sz="2400" b="0" i="1" u="none" strike="noStrike" cap="none" normalizeH="0" baseline="0" dirty="0" smtClean="0">
+                <a:ln>
+                  <a:noFill/>
+                </a:ln>
+                <a:solidFill>
+                  <a:schemeClr val="tx1"/>
+                </a:solidFill>
+                <a:effectLst/>
+                <a:latin typeface="Courier New" panose="02070309020205020404" pitchFamily="49" charset="0"/>
+                <a:cs typeface="Courier New" panose="02070309020205020404" pitchFamily="49" charset="0"/>
+              </a:rPr>
+              <a:t>"</a:t>
+            </a:r>
+            <a:r>
+              <a:rPr kumimoji="0" lang="fr-FR" altLang="fr-FR" sz="2400" b="0" i="1" u="none" strike="noStrike" cap="none" normalizeH="0" baseline="0" dirty="0" err="1" smtClean="0">
+                <a:ln>
+                  <a:noFill/>
+                </a:ln>
+                <a:solidFill>
+                  <a:schemeClr val="tx1"/>
+                </a:solidFill>
+                <a:effectLst/>
+                <a:latin typeface="Courier New" panose="02070309020205020404" pitchFamily="49" charset="0"/>
+                <a:cs typeface="Courier New" panose="02070309020205020404" pitchFamily="49" charset="0"/>
+              </a:rPr>
+              <a:t>Upon</a:t>
+            </a:r>
+            <a:r>
+              <a:rPr kumimoji="0" lang="fr-FR" altLang="fr-FR" sz="2400" b="0" i="1" u="none" strike="noStrike" cap="none" normalizeH="0" baseline="0" dirty="0" smtClean="0">
+                <a:ln>
+                  <a:noFill/>
+                </a:ln>
+                <a:solidFill>
+                  <a:schemeClr val="tx1"/>
+                </a:solidFill>
+                <a:effectLst/>
+                <a:latin typeface="Courier New" panose="02070309020205020404" pitchFamily="49" charset="0"/>
+                <a:cs typeface="Courier New" panose="02070309020205020404" pitchFamily="49" charset="0"/>
+              </a:rPr>
+              <a:t> </a:t>
+            </a:r>
+            <a:r>
+              <a:rPr kumimoji="0" lang="fr-FR" altLang="fr-FR" sz="2400" b="0" i="1" u="none" strike="noStrike" cap="none" normalizeH="0" baseline="0" dirty="0" err="1" smtClean="0">
+                <a:ln>
+                  <a:noFill/>
+                </a:ln>
+                <a:solidFill>
+                  <a:schemeClr val="tx1"/>
+                </a:solidFill>
+                <a:effectLst/>
+                <a:latin typeface="Courier New" panose="02070309020205020404" pitchFamily="49" charset="0"/>
+                <a:cs typeface="Courier New" panose="02070309020205020404" pitchFamily="49" charset="0"/>
+              </a:rPr>
+              <a:t>discovery</a:t>
+            </a:r>
+            <a:r>
+              <a:rPr kumimoji="0" lang="fr-FR" altLang="fr-FR" sz="2400" b="0" i="1" u="none" strike="noStrike" cap="none" normalizeH="0" baseline="0" dirty="0" smtClean="0">
+                <a:ln>
+                  <a:noFill/>
+                </a:ln>
+                <a:solidFill>
+                  <a:schemeClr val="tx1"/>
+                </a:solidFill>
+                <a:effectLst/>
+                <a:latin typeface="Courier New" panose="02070309020205020404" pitchFamily="49" charset="0"/>
+                <a:cs typeface="Courier New" panose="02070309020205020404" pitchFamily="49" charset="0"/>
+              </a:rPr>
+              <a:t> of a DoH </a:t>
+            </a:r>
+            <a:r>
+              <a:rPr kumimoji="0" lang="fr-FR" altLang="fr-FR" sz="2400" b="0" i="1" u="none" strike="noStrike" cap="none" normalizeH="0" baseline="0" dirty="0" err="1" smtClean="0">
+                <a:ln>
+                  <a:noFill/>
+                </a:ln>
+                <a:solidFill>
+                  <a:schemeClr val="tx1"/>
+                </a:solidFill>
+                <a:effectLst/>
+                <a:latin typeface="Courier New" panose="02070309020205020404" pitchFamily="49" charset="0"/>
+                <a:cs typeface="Courier New" panose="02070309020205020404" pitchFamily="49" charset="0"/>
+              </a:rPr>
+              <a:t>resolver</a:t>
+            </a:r>
+            <a:r>
+              <a:rPr kumimoji="0" lang="fr-FR" altLang="fr-FR" sz="2400" b="0" i="1" u="none" strike="noStrike" cap="none" normalizeH="0" baseline="0" dirty="0" smtClean="0">
+                <a:ln>
+                  <a:noFill/>
+                </a:ln>
+                <a:solidFill>
+                  <a:schemeClr val="tx1"/>
+                </a:solidFill>
+                <a:effectLst/>
+                <a:latin typeface="Courier New" panose="02070309020205020404" pitchFamily="49" charset="0"/>
+                <a:cs typeface="Courier New" panose="02070309020205020404" pitchFamily="49" charset="0"/>
+              </a:rPr>
+              <a:t> (Sections </a:t>
+            </a:r>
+            <a:r>
+              <a:rPr kumimoji="0" lang="fr-FR" altLang="fr-FR" sz="2400" b="0" i="1" u="none" strike="noStrike" cap="none" normalizeH="0" baseline="0" dirty="0" smtClean="0">
+                <a:ln>
+                  <a:noFill/>
+                </a:ln>
+                <a:solidFill>
+                  <a:schemeClr val="tx1"/>
+                </a:solidFill>
+                <a:effectLst/>
+                <a:latin typeface="Courier New" panose="02070309020205020404" pitchFamily="49" charset="0"/>
+                <a:cs typeface="Courier New" panose="02070309020205020404" pitchFamily="49" charset="0"/>
+                <a:hlinkClick r:id="rId2"/>
+              </a:rPr>
+              <a:t>4</a:t>
+            </a:r>
+            <a:r>
+              <a:rPr kumimoji="0" lang="fr-FR" altLang="fr-FR" sz="2400" b="0" i="1" u="none" strike="noStrike" cap="none" normalizeH="0" baseline="0" dirty="0" smtClean="0">
+                <a:ln>
+                  <a:noFill/>
+                </a:ln>
+                <a:solidFill>
+                  <a:schemeClr val="tx1"/>
+                </a:solidFill>
+                <a:effectLst/>
+                <a:latin typeface="Courier New" panose="02070309020205020404" pitchFamily="49" charset="0"/>
+                <a:cs typeface="Courier New" panose="02070309020205020404" pitchFamily="49" charset="0"/>
+              </a:rPr>
+              <a:t>, </a:t>
+            </a:r>
+            <a:r>
+              <a:rPr kumimoji="0" lang="fr-FR" altLang="fr-FR" sz="2400" b="0" i="1" u="none" strike="noStrike" cap="none" normalizeH="0" baseline="0" dirty="0" smtClean="0">
+                <a:ln>
+                  <a:noFill/>
+                </a:ln>
+                <a:solidFill>
+                  <a:schemeClr val="tx1"/>
+                </a:solidFill>
+                <a:effectLst/>
+                <a:latin typeface="Courier New" panose="02070309020205020404" pitchFamily="49" charset="0"/>
+                <a:cs typeface="Courier New" panose="02070309020205020404" pitchFamily="49" charset="0"/>
+                <a:hlinkClick r:id="rId3"/>
+              </a:rPr>
+              <a:t>5</a:t>
+            </a:r>
+            <a:r>
+              <a:rPr kumimoji="0" lang="fr-FR" altLang="fr-FR" sz="2400" b="0" i="1" u="none" strike="noStrike" cap="none" normalizeH="0" baseline="0" dirty="0" smtClean="0">
+                <a:ln>
+                  <a:noFill/>
+                </a:ln>
+                <a:solidFill>
+                  <a:schemeClr val="tx1"/>
+                </a:solidFill>
+                <a:effectLst/>
+                <a:latin typeface="Courier New" panose="02070309020205020404" pitchFamily="49" charset="0"/>
+                <a:cs typeface="Courier New" panose="02070309020205020404" pitchFamily="49" charset="0"/>
+              </a:rPr>
+              <a:t>, and </a:t>
+            </a:r>
+            <a:r>
+              <a:rPr kumimoji="0" lang="fr-FR" altLang="fr-FR" sz="2400" b="0" i="1" u="none" strike="noStrike" cap="none" normalizeH="0" baseline="0" dirty="0" smtClean="0">
+                <a:ln>
+                  <a:noFill/>
+                </a:ln>
+                <a:solidFill>
+                  <a:schemeClr val="tx1"/>
+                </a:solidFill>
+                <a:effectLst/>
+                <a:latin typeface="Courier New" panose="02070309020205020404" pitchFamily="49" charset="0"/>
+                <a:cs typeface="Courier New" panose="02070309020205020404" pitchFamily="49" charset="0"/>
+                <a:hlinkClick r:id="rId4"/>
+              </a:rPr>
+              <a:t>6</a:t>
+            </a:r>
+            <a:r>
+              <a:rPr kumimoji="0" lang="fr-FR" altLang="fr-FR" sz="2400" b="0" i="1" u="none" strike="noStrike" cap="none" normalizeH="0" baseline="0" dirty="0" smtClean="0">
+                <a:ln>
+                  <a:noFill/>
+                </a:ln>
+                <a:solidFill>
+                  <a:schemeClr val="tx1"/>
+                </a:solidFill>
+                <a:effectLst/>
+                <a:latin typeface="Courier New" panose="02070309020205020404" pitchFamily="49" charset="0"/>
+                <a:cs typeface="Courier New" panose="02070309020205020404" pitchFamily="49" charset="0"/>
+              </a:rPr>
+              <a:t>), </a:t>
+            </a:r>
+            <a:r>
+              <a:rPr kumimoji="0" lang="fr-FR" altLang="fr-FR" sz="2400" b="1" i="1" u="none" strike="noStrike" cap="none" normalizeH="0" baseline="0" dirty="0" smtClean="0">
+                <a:ln>
+                  <a:noFill/>
+                </a:ln>
                 <a:solidFill>
                   <a:srgbClr val="00B0F0"/>
                 </a:solidFill>
-              </a:rPr>
-              <a:t>setting dedicated flags</a:t>
-            </a:r>
-            <a:r>
-              <a:rPr lang="en-US" sz="2400" dirty="0" smtClean="0"/>
-              <a:t> in the </a:t>
-            </a:r>
-            <a:r>
-              <a:rPr lang="en-US" sz="2400" dirty="0" smtClean="0"/>
-              <a:t>options</a:t>
-            </a:r>
-          </a:p>
-          <a:p>
-            <a:pPr lvl="1"/>
-            <a:r>
-              <a:rPr lang="en-US" sz="2000" dirty="0" smtClean="0"/>
-              <a:t>A client that is interested in any encrypted DNS will set all the flags</a:t>
-            </a:r>
-            <a:endParaRPr lang="en-US" sz="2000" dirty="0" smtClean="0"/>
-          </a:p>
-          <a:p>
-            <a:r>
-              <a:rPr lang="en-US" sz="2400" dirty="0" smtClean="0"/>
-              <a:t>Servers reply with ADN(s), a list of IP addresses, and a port number, if the requested encrypted DNS is supported</a:t>
-            </a:r>
-          </a:p>
-          <a:p>
-            <a:pPr lvl="1"/>
-            <a:r>
-              <a:rPr lang="en-US" sz="2000" dirty="0" smtClean="0"/>
-              <a:t>It is </a:t>
-            </a:r>
-            <a:r>
-              <a:rPr lang="en-US" sz="2000" b="1" i="1" dirty="0" smtClean="0">
+                <a:effectLst/>
+                <a:latin typeface="Courier New" panose="02070309020205020404" pitchFamily="49" charset="0"/>
+                <a:cs typeface="Courier New" panose="02070309020205020404" pitchFamily="49" charset="0"/>
+              </a:rPr>
+              <a:t>the DoH client </a:t>
+            </a:r>
+            <a:r>
+              <a:rPr kumimoji="0" lang="fr-FR" altLang="fr-FR" sz="2400" b="1" i="1" u="none" strike="noStrike" cap="none" normalizeH="0" baseline="0" dirty="0" err="1" smtClean="0">
+                <a:ln>
+                  <a:noFill/>
+                </a:ln>
                 <a:solidFill>
                   <a:srgbClr val="00B0F0"/>
                 </a:solidFill>
-              </a:rPr>
-              <a:t>RECOMMENDED to return both an ADN + a list of IP addresses</a:t>
-            </a:r>
-          </a:p>
-          <a:p>
-            <a:pPr lvl="1"/>
-            <a:r>
-              <a:rPr lang="en-US" sz="2000" b="1" i="1" dirty="0" smtClean="0">
+                <a:effectLst/>
+                <a:latin typeface="Courier New" panose="02070309020205020404" pitchFamily="49" charset="0"/>
+                <a:cs typeface="Courier New" panose="02070309020205020404" pitchFamily="49" charset="0"/>
+              </a:rPr>
+              <a:t>may</a:t>
+            </a:r>
+            <a:r>
+              <a:rPr kumimoji="0" lang="fr-FR" altLang="fr-FR" sz="2400" b="1" i="1" u="none" strike="noStrike" cap="none" normalizeH="0" baseline="0" dirty="0" smtClean="0">
+                <a:ln>
+                  <a:noFill/>
+                </a:ln>
                 <a:solidFill>
                   <a:srgbClr val="00B0F0"/>
                 </a:solidFill>
-              </a:rPr>
-              <a:t>One or more </a:t>
-            </a:r>
-            <a:r>
-              <a:rPr lang="en-US" sz="2000" dirty="0" smtClean="0"/>
-              <a:t>encrypted DNS types may be returned</a:t>
-            </a:r>
-          </a:p>
-          <a:p>
-            <a:pPr lvl="1"/>
-            <a:r>
-              <a:rPr lang="en-US" sz="2000" dirty="0" smtClean="0"/>
-              <a:t>These services may be bound to the </a:t>
-            </a:r>
-            <a:r>
-              <a:rPr lang="en-US" sz="2000" b="1" i="1" dirty="0" smtClean="0">
+                <a:effectLst/>
+                <a:latin typeface="Courier New" panose="02070309020205020404" pitchFamily="49" charset="0"/>
+                <a:cs typeface="Courier New" panose="02070309020205020404" pitchFamily="49" charset="0"/>
+              </a:rPr>
+              <a:t> contact </a:t>
+            </a:r>
+            <a:r>
+              <a:rPr kumimoji="0" lang="fr-FR" altLang="fr-FR" sz="2400" b="1" i="1" u="none" strike="noStrike" cap="none" normalizeH="0" baseline="0" dirty="0" err="1" smtClean="0">
+                <a:ln>
+                  <a:noFill/>
+                </a:ln>
                 <a:solidFill>
                   <a:srgbClr val="00B0F0"/>
                 </a:solidFill>
-              </a:rPr>
-              <a:t>same or distinct IP addresses</a:t>
-            </a:r>
-          </a:p>
-          <a:p>
-            <a:pPr lvl="1"/>
-            <a:r>
-              <a:rPr lang="en-US" sz="2000" b="1" i="1" dirty="0" smtClean="0">
+                <a:effectLst/>
+                <a:latin typeface="Courier New" panose="02070309020205020404" pitchFamily="49" charset="0"/>
+                <a:cs typeface="Courier New" panose="02070309020205020404" pitchFamily="49" charset="0"/>
+              </a:rPr>
+              <a:t>that</a:t>
+            </a:r>
+            <a:r>
+              <a:rPr kumimoji="0" lang="fr-FR" altLang="fr-FR" sz="2400" b="1" i="1" u="none" strike="noStrike" cap="none" normalizeH="0" baseline="0" dirty="0" smtClean="0">
+                <a:ln>
+                  <a:noFill/>
+                </a:ln>
                 <a:solidFill>
                   <a:srgbClr val="00B0F0"/>
                 </a:solidFill>
-              </a:rPr>
-              <a:t>Alternate port numbers </a:t>
-            </a:r>
-            <a:r>
-              <a:rPr lang="en-US" sz="2000" dirty="0" smtClean="0"/>
-              <a:t>can be returned when default port number are not in use</a:t>
-            </a:r>
-          </a:p>
-          <a:p>
-            <a:pPr lvl="1"/>
-            <a:r>
-              <a:rPr lang="en-US" sz="2000" dirty="0" smtClean="0"/>
-              <a:t>If a list of IP addresses is returned, that list is </a:t>
-            </a:r>
-            <a:r>
-              <a:rPr lang="en-US" sz="2000" b="1" i="1" dirty="0" smtClean="0">
+                <a:effectLst/>
+                <a:latin typeface="Courier New" panose="02070309020205020404" pitchFamily="49" charset="0"/>
+                <a:cs typeface="Courier New" panose="02070309020205020404" pitchFamily="49" charset="0"/>
+              </a:rPr>
+              <a:t> DoH </a:t>
+            </a:r>
+            <a:r>
+              <a:rPr kumimoji="0" lang="fr-FR" altLang="fr-FR" sz="2400" b="1" i="1" u="none" strike="noStrike" cap="none" normalizeH="0" baseline="0" dirty="0" err="1" smtClean="0">
+                <a:ln>
+                  <a:noFill/>
+                </a:ln>
                 <a:solidFill>
                   <a:srgbClr val="00B0F0"/>
                 </a:solidFill>
-              </a:rPr>
-              <a:t>ordered</a:t>
-            </a:r>
-          </a:p>
-          <a:p>
-            <a:pPr lvl="1"/>
-            <a:r>
-              <a:rPr lang="en-US" sz="2000" dirty="0" smtClean="0"/>
-              <a:t>Some recommendations to </a:t>
-            </a:r>
-            <a:r>
-              <a:rPr lang="en-US" sz="2000" b="1" i="1" dirty="0" smtClean="0">
+                <a:effectLst/>
+                <a:latin typeface="Courier New" panose="02070309020205020404" pitchFamily="49" charset="0"/>
+                <a:cs typeface="Courier New" panose="02070309020205020404" pitchFamily="49" charset="0"/>
+              </a:rPr>
+              <a:t>resolver</a:t>
+            </a:r>
+            <a:r>
+              <a:rPr kumimoji="0" lang="fr-FR" altLang="fr-FR" sz="2400" b="1" i="1" u="none" strike="noStrike" cap="none" normalizeH="0" baseline="0" dirty="0" smtClean="0">
+                <a:ln>
+                  <a:noFill/>
+                </a:ln>
                 <a:solidFill>
                   <a:srgbClr val="00B0F0"/>
                 </a:solidFill>
-              </a:rPr>
-              <a:t>optimize</a:t>
-            </a:r>
-            <a:r>
-              <a:rPr lang="en-US" sz="2000" dirty="0" smtClean="0">
+                <a:effectLst/>
+                <a:latin typeface="Courier New" panose="02070309020205020404" pitchFamily="49" charset="0"/>
+                <a:cs typeface="Courier New" panose="02070309020205020404" pitchFamily="49" charset="0"/>
+              </a:rPr>
+              <a:t> to </a:t>
+            </a:r>
+            <a:r>
+              <a:rPr kumimoji="0" lang="fr-FR" altLang="fr-FR" sz="2400" b="1" i="1" u="none" strike="noStrike" cap="none" normalizeH="0" baseline="0" dirty="0" err="1" smtClean="0">
+                <a:ln>
+                  <a:noFill/>
+                </a:ln>
                 <a:solidFill>
                   <a:srgbClr val="00B0F0"/>
                 </a:solidFill>
+                <a:effectLst/>
+                <a:latin typeface="Courier New" panose="02070309020205020404" pitchFamily="49" charset="0"/>
+                <a:cs typeface="Courier New" panose="02070309020205020404" pitchFamily="49" charset="0"/>
+              </a:rPr>
+              <a:t>retrieve</a:t>
+            </a:r>
+            <a:r>
+              <a:rPr kumimoji="0" lang="fr-FR" altLang="fr-FR" sz="2400" b="1" i="1" u="none" strike="noStrike" cap="none" normalizeH="0" baseline="0" dirty="0" smtClean="0">
+                <a:ln>
+                  <a:noFill/>
+                </a:ln>
+                <a:solidFill>
+                  <a:srgbClr val="00B0F0"/>
+                </a:solidFill>
+                <a:effectLst/>
+                <a:latin typeface="Courier New" panose="02070309020205020404" pitchFamily="49" charset="0"/>
+                <a:cs typeface="Courier New" panose="02070309020205020404" pitchFamily="49" charset="0"/>
+              </a:rPr>
+              <a:t> the list of </a:t>
+            </a:r>
+            <a:r>
+              <a:rPr kumimoji="0" lang="fr-FR" altLang="fr-FR" sz="2400" b="1" i="1" u="none" strike="noStrike" cap="none" normalizeH="0" baseline="0" dirty="0" err="1" smtClean="0">
+                <a:ln>
+                  <a:noFill/>
+                </a:ln>
+                <a:solidFill>
+                  <a:srgbClr val="00B0F0"/>
+                </a:solidFill>
+                <a:effectLst/>
+                <a:latin typeface="Courier New" panose="02070309020205020404" pitchFamily="49" charset="0"/>
+                <a:cs typeface="Courier New" panose="02070309020205020404" pitchFamily="49" charset="0"/>
+              </a:rPr>
+              <a:t>supported</a:t>
+            </a:r>
+            <a:r>
+              <a:rPr kumimoji="0" lang="fr-FR" altLang="fr-FR" sz="2400" b="1" i="1" u="none" strike="noStrike" cap="none" normalizeH="0" baseline="0" dirty="0" smtClean="0">
+                <a:ln>
+                  <a:noFill/>
+                </a:ln>
+                <a:solidFill>
+                  <a:srgbClr val="00B0F0"/>
+                </a:solidFill>
+                <a:effectLst/>
+                <a:latin typeface="Courier New" panose="02070309020205020404" pitchFamily="49" charset="0"/>
+                <a:cs typeface="Courier New" panose="02070309020205020404" pitchFamily="49" charset="0"/>
+              </a:rPr>
+              <a:t> DoH services </a:t>
+            </a:r>
+            <a:r>
+              <a:rPr kumimoji="0" lang="fr-FR" altLang="fr-FR" sz="2400" b="1" i="1" u="none" strike="noStrike" cap="none" normalizeH="0" baseline="0" dirty="0" err="1" smtClean="0">
+                <a:ln>
+                  <a:noFill/>
+                </a:ln>
+                <a:solidFill>
+                  <a:srgbClr val="00B0F0"/>
+                </a:solidFill>
+                <a:effectLst/>
+                <a:latin typeface="Courier New" panose="02070309020205020404" pitchFamily="49" charset="0"/>
+                <a:cs typeface="Courier New" panose="02070309020205020404" pitchFamily="49" charset="0"/>
+              </a:rPr>
+              <a:t>using</a:t>
+            </a:r>
+            <a:r>
+              <a:rPr kumimoji="0" lang="fr-FR" altLang="fr-FR" sz="2400" b="1" i="1" u="none" strike="noStrike" cap="none" normalizeH="0" baseline="0" dirty="0" smtClean="0">
+                <a:ln>
+                  <a:noFill/>
+                </a:ln>
+                <a:solidFill>
+                  <a:srgbClr val="00B0F0"/>
+                </a:solidFill>
+                <a:effectLst/>
+                <a:latin typeface="Courier New" panose="02070309020205020404" pitchFamily="49" charset="0"/>
+                <a:cs typeface="Courier New" panose="02070309020205020404" pitchFamily="49" charset="0"/>
+              </a:rPr>
+              <a:t> DDR [</a:t>
+            </a:r>
+            <a:r>
+              <a:rPr kumimoji="0" lang="fr-FR" altLang="fr-FR" sz="2400" b="1" i="1" u="none" strike="noStrike" cap="none" normalizeH="0" baseline="0" dirty="0" smtClean="0">
+                <a:ln>
+                  <a:noFill/>
+                </a:ln>
+                <a:solidFill>
+                  <a:srgbClr val="00B0F0"/>
+                </a:solidFill>
+                <a:effectLst/>
+                <a:latin typeface="Courier New" panose="02070309020205020404" pitchFamily="49" charset="0"/>
+                <a:cs typeface="Courier New" panose="02070309020205020404" pitchFamily="49" charset="0"/>
+                <a:hlinkClick r:id="rId5"/>
+              </a:rPr>
+              <a:t>I-</a:t>
+            </a:r>
+            <a:r>
+              <a:rPr kumimoji="0" lang="fr-FR" altLang="fr-FR" sz="2400" b="1" i="1" u="none" strike="noStrike" cap="none" normalizeH="0" baseline="0" dirty="0" err="1" smtClean="0">
+                <a:ln>
+                  <a:noFill/>
+                </a:ln>
+                <a:solidFill>
+                  <a:srgbClr val="00B0F0"/>
+                </a:solidFill>
+                <a:effectLst/>
+                <a:latin typeface="Courier New" panose="02070309020205020404" pitchFamily="49" charset="0"/>
+                <a:cs typeface="Courier New" panose="02070309020205020404" pitchFamily="49" charset="0"/>
+                <a:hlinkClick r:id="rId5"/>
+              </a:rPr>
+              <a:t>D.</a:t>
+            </a:r>
+            <a:r>
+              <a:rPr kumimoji="0" lang="fr-FR" altLang="fr-FR" sz="2400" b="1" i="1" u="none" strike="noStrike" cap="none" normalizeH="0" baseline="0" dirty="0" err="1" smtClean="0">
+                <a:ln>
+                  <a:noFill/>
+                </a:ln>
+                <a:solidFill>
+                  <a:srgbClr val="00B0F0"/>
+                </a:solidFill>
+                <a:effectLst/>
+                <a:latin typeface="Courier New" panose="02070309020205020404" pitchFamily="49" charset="0"/>
+                <a:cs typeface="Courier New" panose="02070309020205020404" pitchFamily="49" charset="0"/>
+              </a:rPr>
+              <a:t>ietf</a:t>
+            </a:r>
+            <a:r>
+              <a:rPr kumimoji="0" lang="fr-FR" altLang="fr-FR" sz="2400" b="1" i="1" u="none" strike="noStrike" cap="none" normalizeH="0" baseline="0" dirty="0" smtClean="0">
+                <a:ln>
+                  <a:noFill/>
+                </a:ln>
+                <a:solidFill>
+                  <a:srgbClr val="00B0F0"/>
+                </a:solidFill>
+                <a:effectLst/>
+                <a:latin typeface="Courier New" panose="02070309020205020404" pitchFamily="49" charset="0"/>
+                <a:cs typeface="Courier New" panose="02070309020205020404" pitchFamily="49" charset="0"/>
+              </a:rPr>
+              <a:t>-</a:t>
+            </a:r>
+            <a:r>
+              <a:rPr kumimoji="0" lang="fr-FR" altLang="fr-FR" sz="2400" b="1" i="1" u="none" strike="noStrike" cap="none" normalizeH="0" baseline="0" dirty="0" err="1" smtClean="0">
+                <a:ln>
+                  <a:noFill/>
+                </a:ln>
+                <a:solidFill>
+                  <a:srgbClr val="00B0F0"/>
+                </a:solidFill>
+                <a:effectLst/>
+                <a:latin typeface="Courier New" panose="02070309020205020404" pitchFamily="49" charset="0"/>
+                <a:cs typeface="Courier New" panose="02070309020205020404" pitchFamily="49" charset="0"/>
+              </a:rPr>
+              <a:t>add-ddr</a:t>
+            </a:r>
+            <a:r>
+              <a:rPr kumimoji="0" lang="fr-FR" altLang="fr-FR" sz="2400" b="1" i="1" u="none" strike="noStrike" cap="none" normalizeH="0" baseline="0" dirty="0" smtClean="0">
+                <a:ln>
+                  <a:noFill/>
+                </a:ln>
+                <a:solidFill>
+                  <a:srgbClr val="00B0F0"/>
+                </a:solidFill>
+                <a:effectLst/>
+                <a:latin typeface="Courier New" panose="02070309020205020404" pitchFamily="49" charset="0"/>
+                <a:cs typeface="Courier New" panose="02070309020205020404" pitchFamily="49" charset="0"/>
+              </a:rPr>
+              <a:t>]</a:t>
+            </a:r>
+            <a:r>
+              <a:rPr kumimoji="0" lang="fr-FR" altLang="fr-FR" sz="2400" b="0" i="1" u="none" strike="noStrike" cap="none" normalizeH="0" baseline="0" dirty="0" smtClean="0">
+                <a:ln>
+                  <a:noFill/>
+                </a:ln>
+                <a:solidFill>
+                  <a:schemeClr val="tx1"/>
+                </a:solidFill>
+                <a:effectLst/>
+                <a:latin typeface="Courier New" panose="02070309020205020404" pitchFamily="49" charset="0"/>
+                <a:cs typeface="Courier New" panose="02070309020205020404" pitchFamily="49" charset="0"/>
+              </a:rPr>
+              <a:t>. </a:t>
+            </a:r>
+            <a:r>
+              <a:rPr kumimoji="0" lang="fr-FR" altLang="fr-FR" sz="2400" i="1" u="none" strike="noStrike" cap="none" normalizeH="0" baseline="0" dirty="0" smtClean="0">
+                <a:ln>
+                  <a:noFill/>
+                </a:ln>
+                <a:effectLst/>
+                <a:latin typeface="Courier New" panose="02070309020205020404" pitchFamily="49" charset="0"/>
+                <a:cs typeface="Courier New" panose="02070309020205020404" pitchFamily="49" charset="0"/>
+              </a:rPr>
+              <a:t>This </a:t>
+            </a:r>
+            <a:r>
+              <a:rPr kumimoji="0" lang="fr-FR" altLang="fr-FR" sz="2400" i="1" u="none" strike="noStrike" cap="none" normalizeH="0" baseline="0" dirty="0" err="1" smtClean="0">
+                <a:ln>
+                  <a:noFill/>
+                </a:ln>
+                <a:effectLst/>
+                <a:latin typeface="Courier New" panose="02070309020205020404" pitchFamily="49" charset="0"/>
+                <a:cs typeface="Courier New" panose="02070309020205020404" pitchFamily="49" charset="0"/>
+              </a:rPr>
+              <a:t>will</a:t>
+            </a:r>
+            <a:r>
+              <a:rPr kumimoji="0" lang="fr-FR" altLang="fr-FR" sz="2400" i="1" u="none" strike="noStrike" cap="none" normalizeH="0" baseline="0" dirty="0" smtClean="0">
+                <a:ln>
+                  <a:noFill/>
+                </a:ln>
+                <a:effectLst/>
+                <a:latin typeface="Courier New" panose="02070309020205020404" pitchFamily="49" charset="0"/>
+                <a:cs typeface="Courier New" panose="02070309020205020404" pitchFamily="49" charset="0"/>
               </a:rPr>
               <a:t> </a:t>
             </a:r>
             <a:r>
-              <a:rPr lang="en-US" sz="2000" dirty="0" smtClean="0"/>
-              <a:t>the message size are included</a:t>
-            </a:r>
+              <a:rPr kumimoji="0" lang="fr-FR" altLang="fr-FR" sz="2400" i="1" u="none" strike="noStrike" cap="none" normalizeH="0" baseline="0" dirty="0" err="1" smtClean="0">
+                <a:ln>
+                  <a:noFill/>
+                </a:ln>
+                <a:effectLst/>
+                <a:latin typeface="Courier New" panose="02070309020205020404" pitchFamily="49" charset="0"/>
+                <a:cs typeface="Courier New" panose="02070309020205020404" pitchFamily="49" charset="0"/>
+              </a:rPr>
+              <a:t>allow</a:t>
+            </a:r>
+            <a:r>
+              <a:rPr kumimoji="0" lang="fr-FR" altLang="fr-FR" sz="2400" i="1" u="none" strike="noStrike" cap="none" normalizeH="0" baseline="0" dirty="0" smtClean="0">
+                <a:ln>
+                  <a:noFill/>
+                </a:ln>
+                <a:effectLst/>
+                <a:latin typeface="Courier New" panose="02070309020205020404" pitchFamily="49" charset="0"/>
+                <a:cs typeface="Courier New" panose="02070309020205020404" pitchFamily="49" charset="0"/>
+              </a:rPr>
+              <a:t> the client to </a:t>
+            </a:r>
+            <a:r>
+              <a:rPr kumimoji="0" lang="fr-FR" altLang="fr-FR" sz="2400" i="1" u="none" strike="noStrike" cap="none" normalizeH="0" baseline="0" dirty="0" err="1" smtClean="0">
+                <a:ln>
+                  <a:noFill/>
+                </a:ln>
+                <a:effectLst/>
+                <a:latin typeface="Courier New" panose="02070309020205020404" pitchFamily="49" charset="0"/>
+                <a:cs typeface="Courier New" panose="02070309020205020404" pitchFamily="49" charset="0"/>
+              </a:rPr>
+              <a:t>discover</a:t>
+            </a:r>
+            <a:r>
+              <a:rPr kumimoji="0" lang="fr-FR" altLang="fr-FR" sz="2400" i="1" u="none" strike="noStrike" cap="none" normalizeH="0" baseline="0" dirty="0" smtClean="0">
+                <a:ln>
+                  <a:noFill/>
+                </a:ln>
+                <a:effectLst/>
+                <a:latin typeface="Courier New" panose="02070309020205020404" pitchFamily="49" charset="0"/>
+                <a:cs typeface="Courier New" panose="02070309020205020404" pitchFamily="49" charset="0"/>
+              </a:rPr>
+              <a:t> the </a:t>
+            </a:r>
+            <a:r>
+              <a:rPr kumimoji="0" lang="fr-FR" altLang="fr-FR" sz="2400" b="1" i="1" u="none" strike="noStrike" cap="none" normalizeH="0" baseline="0" dirty="0" err="1" smtClean="0">
+                <a:ln>
+                  <a:noFill/>
+                </a:ln>
+                <a:solidFill>
+                  <a:srgbClr val="00B0F0"/>
+                </a:solidFill>
+                <a:effectLst/>
+                <a:latin typeface="Courier New" panose="02070309020205020404" pitchFamily="49" charset="0"/>
+                <a:cs typeface="Courier New" panose="02070309020205020404" pitchFamily="49" charset="0"/>
+              </a:rPr>
+              <a:t>resolver's</a:t>
+            </a:r>
+            <a:r>
+              <a:rPr kumimoji="0" lang="fr-FR" altLang="fr-FR" sz="2400" b="1" i="1" u="none" strike="noStrike" cap="none" normalizeH="0" baseline="0" dirty="0" smtClean="0">
+                <a:ln>
+                  <a:noFill/>
+                </a:ln>
+                <a:solidFill>
+                  <a:srgbClr val="00B0F0"/>
+                </a:solidFill>
+                <a:effectLst/>
+                <a:latin typeface="Courier New" panose="02070309020205020404" pitchFamily="49" charset="0"/>
+                <a:cs typeface="Courier New" panose="02070309020205020404" pitchFamily="49" charset="0"/>
+              </a:rPr>
+              <a:t> </a:t>
+            </a:r>
+            <a:r>
+              <a:rPr kumimoji="0" lang="fr-FR" altLang="fr-FR" sz="2400" b="1" i="1" u="none" strike="noStrike" cap="none" normalizeH="0" baseline="0" dirty="0" err="1" smtClean="0">
+                <a:ln>
+                  <a:noFill/>
+                </a:ln>
+                <a:solidFill>
+                  <a:srgbClr val="00B0F0"/>
+                </a:solidFill>
+                <a:effectLst/>
+                <a:latin typeface="Courier New" panose="02070309020205020404" pitchFamily="49" charset="0"/>
+                <a:cs typeface="Courier New" panose="02070309020205020404" pitchFamily="49" charset="0"/>
+              </a:rPr>
+              <a:t>supported</a:t>
+            </a:r>
+            <a:r>
+              <a:rPr kumimoji="0" lang="fr-FR" altLang="fr-FR" sz="2400" b="1" i="1" u="none" strike="noStrike" cap="none" normalizeH="0" baseline="0" dirty="0" smtClean="0">
+                <a:ln>
+                  <a:noFill/>
+                </a:ln>
+                <a:solidFill>
+                  <a:srgbClr val="00B0F0"/>
+                </a:solidFill>
+                <a:effectLst/>
+                <a:latin typeface="Courier New" panose="02070309020205020404" pitchFamily="49" charset="0"/>
+                <a:cs typeface="Courier New" panose="02070309020205020404" pitchFamily="49" charset="0"/>
+              </a:rPr>
+              <a:t> DoH </a:t>
+            </a:r>
+            <a:r>
+              <a:rPr kumimoji="0" lang="fr-FR" altLang="fr-FR" sz="2400" b="1" i="1" u="none" strike="noStrike" cap="none" normalizeH="0" baseline="0" dirty="0" err="1" smtClean="0">
+                <a:ln>
+                  <a:noFill/>
+                </a:ln>
+                <a:solidFill>
+                  <a:srgbClr val="00B0F0"/>
+                </a:solidFill>
+                <a:effectLst/>
+                <a:latin typeface="Courier New" panose="02070309020205020404" pitchFamily="49" charset="0"/>
+                <a:cs typeface="Courier New" panose="02070309020205020404" pitchFamily="49" charset="0"/>
+              </a:rPr>
+              <a:t>templates</a:t>
+            </a:r>
+            <a:r>
+              <a:rPr kumimoji="0" lang="fr-FR" altLang="fr-FR" sz="2400" b="1" i="1" u="none" strike="noStrike" cap="none" normalizeH="0" baseline="0" dirty="0" smtClean="0">
+                <a:ln>
+                  <a:noFill/>
+                </a:ln>
+                <a:solidFill>
+                  <a:srgbClr val="00B0F0"/>
+                </a:solidFill>
+                <a:effectLst/>
+                <a:latin typeface="Courier New" panose="02070309020205020404" pitchFamily="49" charset="0"/>
+                <a:cs typeface="Courier New" panose="02070309020205020404" pitchFamily="49" charset="0"/>
+              </a:rPr>
+              <a:t> or DoH </a:t>
+            </a:r>
+            <a:r>
+              <a:rPr kumimoji="0" lang="fr-FR" altLang="fr-FR" sz="2400" b="1" i="1" u="none" strike="noStrike" cap="none" normalizeH="0" baseline="0" dirty="0" err="1" smtClean="0">
+                <a:ln>
+                  <a:noFill/>
+                </a:ln>
+                <a:solidFill>
+                  <a:srgbClr val="00B0F0"/>
+                </a:solidFill>
+                <a:effectLst/>
+                <a:latin typeface="Courier New" panose="02070309020205020404" pitchFamily="49" charset="0"/>
+                <a:cs typeface="Courier New" panose="02070309020205020404" pitchFamily="49" charset="0"/>
+              </a:rPr>
+              <a:t>resolvers</a:t>
+            </a:r>
+            <a:r>
+              <a:rPr kumimoji="0" lang="fr-FR" altLang="fr-FR" sz="2400" b="1" i="1" u="none" strike="noStrike" cap="none" normalizeH="0" baseline="0" dirty="0" smtClean="0">
+                <a:ln>
+                  <a:noFill/>
+                </a:ln>
+                <a:solidFill>
+                  <a:srgbClr val="00B0F0"/>
+                </a:solidFill>
+                <a:effectLst/>
+                <a:latin typeface="Courier New" panose="02070309020205020404" pitchFamily="49" charset="0"/>
+                <a:cs typeface="Courier New" panose="02070309020205020404" pitchFamily="49" charset="0"/>
+              </a:rPr>
+              <a:t> </a:t>
+            </a:r>
+            <a:r>
+              <a:rPr kumimoji="0" lang="fr-FR" altLang="fr-FR" sz="2400" b="1" i="1" u="none" strike="noStrike" cap="none" normalizeH="0" baseline="0" dirty="0" err="1" smtClean="0">
+                <a:ln>
+                  <a:noFill/>
+                </a:ln>
+                <a:solidFill>
+                  <a:srgbClr val="00B0F0"/>
+                </a:solidFill>
+                <a:effectLst/>
+                <a:latin typeface="Courier New" panose="02070309020205020404" pitchFamily="49" charset="0"/>
+                <a:cs typeface="Courier New" panose="02070309020205020404" pitchFamily="49" charset="0"/>
+              </a:rPr>
+              <a:t>that</a:t>
+            </a:r>
+            <a:r>
+              <a:rPr kumimoji="0" lang="fr-FR" altLang="fr-FR" sz="2400" b="1" i="1" u="none" strike="noStrike" cap="none" normalizeH="0" baseline="0" dirty="0" smtClean="0">
+                <a:ln>
+                  <a:noFill/>
+                </a:ln>
+                <a:solidFill>
+                  <a:srgbClr val="00B0F0"/>
+                </a:solidFill>
+                <a:effectLst/>
+                <a:latin typeface="Courier New" panose="02070309020205020404" pitchFamily="49" charset="0"/>
+                <a:cs typeface="Courier New" panose="02070309020205020404" pitchFamily="49" charset="0"/>
+              </a:rPr>
+              <a:t> the </a:t>
+            </a:r>
+            <a:r>
+              <a:rPr kumimoji="0" lang="fr-FR" altLang="fr-FR" sz="2400" b="1" i="1" u="none" strike="noStrike" cap="none" normalizeH="0" baseline="0" dirty="0" err="1" smtClean="0">
+                <a:ln>
+                  <a:noFill/>
+                </a:ln>
+                <a:solidFill>
+                  <a:srgbClr val="00B0F0"/>
+                </a:solidFill>
+                <a:effectLst/>
+                <a:latin typeface="Courier New" panose="02070309020205020404" pitchFamily="49" charset="0"/>
+                <a:cs typeface="Courier New" panose="02070309020205020404" pitchFamily="49" charset="0"/>
+              </a:rPr>
+              <a:t>discovered</a:t>
+            </a:r>
+            <a:r>
+              <a:rPr kumimoji="0" lang="fr-FR" altLang="fr-FR" sz="2400" b="1" i="1" u="none" strike="noStrike" cap="none" normalizeH="0" baseline="0" dirty="0" smtClean="0">
+                <a:ln>
+                  <a:noFill/>
+                </a:ln>
+                <a:solidFill>
+                  <a:srgbClr val="00B0F0"/>
+                </a:solidFill>
+                <a:effectLst/>
+                <a:latin typeface="Courier New" panose="02070309020205020404" pitchFamily="49" charset="0"/>
+                <a:cs typeface="Courier New" panose="02070309020205020404" pitchFamily="49" charset="0"/>
+              </a:rPr>
+              <a:t> </a:t>
+            </a:r>
+            <a:r>
+              <a:rPr kumimoji="0" lang="fr-FR" altLang="fr-FR" sz="2400" b="1" i="1" u="none" strike="noStrike" cap="none" normalizeH="0" baseline="0" dirty="0" err="1" smtClean="0">
+                <a:ln>
+                  <a:noFill/>
+                </a:ln>
+                <a:solidFill>
+                  <a:srgbClr val="00B0F0"/>
+                </a:solidFill>
+                <a:effectLst/>
+                <a:latin typeface="Courier New" panose="02070309020205020404" pitchFamily="49" charset="0"/>
+                <a:cs typeface="Courier New" panose="02070309020205020404" pitchFamily="49" charset="0"/>
+              </a:rPr>
+              <a:t>resolver</a:t>
+            </a:r>
+            <a:r>
+              <a:rPr kumimoji="0" lang="fr-FR" altLang="fr-FR" sz="2400" b="1" i="1" u="none" strike="noStrike" cap="none" normalizeH="0" baseline="0" dirty="0" smtClean="0">
+                <a:ln>
+                  <a:noFill/>
+                </a:ln>
+                <a:solidFill>
+                  <a:srgbClr val="00B0F0"/>
+                </a:solidFill>
+                <a:effectLst/>
+                <a:latin typeface="Courier New" panose="02070309020205020404" pitchFamily="49" charset="0"/>
+                <a:cs typeface="Courier New" panose="02070309020205020404" pitchFamily="49" charset="0"/>
+              </a:rPr>
+              <a:t> </a:t>
+            </a:r>
+            <a:r>
+              <a:rPr kumimoji="0" lang="fr-FR" altLang="fr-FR" sz="2400" b="1" i="1" u="none" strike="noStrike" cap="none" normalizeH="0" baseline="0" dirty="0" err="1" smtClean="0">
+                <a:ln>
+                  <a:noFill/>
+                </a:ln>
+                <a:solidFill>
+                  <a:srgbClr val="00B0F0"/>
+                </a:solidFill>
+                <a:effectLst/>
+                <a:latin typeface="Courier New" panose="02070309020205020404" pitchFamily="49" charset="0"/>
+                <a:cs typeface="Courier New" panose="02070309020205020404" pitchFamily="49" charset="0"/>
+              </a:rPr>
+              <a:t>designates</a:t>
+            </a:r>
+            <a:r>
+              <a:rPr kumimoji="0" lang="fr-FR" altLang="fr-FR" sz="2400" b="1" i="1" u="none" strike="noStrike" cap="none" normalizeH="0" baseline="0" dirty="0" smtClean="0">
+                <a:ln>
+                  <a:noFill/>
+                </a:ln>
+                <a:solidFill>
+                  <a:srgbClr val="00B0F0"/>
+                </a:solidFill>
+                <a:effectLst/>
+                <a:latin typeface="Courier New" panose="02070309020205020404" pitchFamily="49" charset="0"/>
+                <a:cs typeface="Courier New" panose="02070309020205020404" pitchFamily="49" charset="0"/>
+              </a:rPr>
+              <a:t> </a:t>
+            </a:r>
+            <a:r>
+              <a:rPr kumimoji="0" lang="fr-FR" altLang="fr-FR" sz="2400" b="1" i="1" u="none" strike="noStrike" cap="none" normalizeH="0" baseline="0" dirty="0" err="1" smtClean="0">
+                <a:ln>
+                  <a:noFill/>
+                </a:ln>
+                <a:solidFill>
+                  <a:srgbClr val="00B0F0"/>
+                </a:solidFill>
+                <a:effectLst/>
+                <a:latin typeface="Courier New" panose="02070309020205020404" pitchFamily="49" charset="0"/>
+                <a:cs typeface="Courier New" panose="02070309020205020404" pitchFamily="49" charset="0"/>
+              </a:rPr>
+              <a:t>using</a:t>
+            </a:r>
+            <a:r>
+              <a:rPr kumimoji="0" lang="fr-FR" altLang="fr-FR" sz="2400" b="1" i="1" u="none" strike="noStrike" cap="none" normalizeH="0" baseline="0" dirty="0" smtClean="0">
+                <a:ln>
+                  <a:noFill/>
+                </a:ln>
+                <a:solidFill>
+                  <a:srgbClr val="00B0F0"/>
+                </a:solidFill>
+                <a:effectLst/>
+                <a:latin typeface="Courier New" panose="02070309020205020404" pitchFamily="49" charset="0"/>
+                <a:cs typeface="Courier New" panose="02070309020205020404" pitchFamily="49" charset="0"/>
+              </a:rPr>
+              <a:t> DNS SVCB </a:t>
+            </a:r>
+            <a:r>
+              <a:rPr kumimoji="0" lang="fr-FR" altLang="fr-FR" sz="2400" b="1" i="1" u="none" strike="noStrike" cap="none" normalizeH="0" baseline="0" dirty="0" err="1" smtClean="0">
+                <a:ln>
+                  <a:noFill/>
+                </a:ln>
+                <a:solidFill>
+                  <a:srgbClr val="00B0F0"/>
+                </a:solidFill>
+                <a:effectLst/>
+                <a:latin typeface="Courier New" panose="02070309020205020404" pitchFamily="49" charset="0"/>
+                <a:cs typeface="Courier New" panose="02070309020205020404" pitchFamily="49" charset="0"/>
+              </a:rPr>
+              <a:t>queries</a:t>
+            </a:r>
+            <a:r>
+              <a:rPr kumimoji="0" lang="fr-FR" altLang="fr-FR" sz="2400" b="1" i="1" u="none" strike="noStrike" cap="none" normalizeH="0" baseline="0" dirty="0" smtClean="0">
+                <a:ln>
+                  <a:noFill/>
+                </a:ln>
+                <a:solidFill>
+                  <a:srgbClr val="00B0F0"/>
+                </a:solidFill>
+                <a:effectLst/>
+                <a:latin typeface="Courier New" panose="02070309020205020404" pitchFamily="49" charset="0"/>
+                <a:cs typeface="Courier New" panose="02070309020205020404" pitchFamily="49" charset="0"/>
+              </a:rPr>
+              <a:t> </a:t>
+            </a:r>
+            <a:r>
+              <a:rPr kumimoji="0" lang="fr-FR" altLang="fr-FR" sz="2400" b="0" i="1" u="none" strike="noStrike" cap="none" normalizeH="0" baseline="0" dirty="0" smtClean="0">
+                <a:ln>
+                  <a:noFill/>
+                </a:ln>
+                <a:solidFill>
+                  <a:schemeClr val="tx1"/>
+                </a:solidFill>
+                <a:effectLst/>
+                <a:latin typeface="Courier New" panose="02070309020205020404" pitchFamily="49" charset="0"/>
+                <a:cs typeface="Courier New" panose="02070309020205020404" pitchFamily="49" charset="0"/>
+              </a:rPr>
+              <a:t>[</a:t>
+            </a:r>
+            <a:r>
+              <a:rPr kumimoji="0" lang="fr-FR" altLang="fr-FR" sz="2400" b="0" i="1" u="none" strike="noStrike" cap="none" normalizeH="0" baseline="0" dirty="0" smtClean="0">
+                <a:ln>
+                  <a:noFill/>
+                </a:ln>
+                <a:solidFill>
+                  <a:schemeClr val="tx1"/>
+                </a:solidFill>
+                <a:effectLst/>
+                <a:latin typeface="Courier New" panose="02070309020205020404" pitchFamily="49" charset="0"/>
+                <a:cs typeface="Courier New" panose="02070309020205020404" pitchFamily="49" charset="0"/>
+                <a:hlinkClick r:id="rId6"/>
+              </a:rPr>
+              <a:t>I-</a:t>
+            </a:r>
+            <a:r>
+              <a:rPr kumimoji="0" lang="fr-FR" altLang="fr-FR" sz="2400" b="0" i="1" u="none" strike="noStrike" cap="none" normalizeH="0" baseline="0" dirty="0" err="1" smtClean="0">
+                <a:ln>
+                  <a:noFill/>
+                </a:ln>
+                <a:solidFill>
+                  <a:schemeClr val="tx1"/>
+                </a:solidFill>
+                <a:effectLst/>
+                <a:latin typeface="Courier New" panose="02070309020205020404" pitchFamily="49" charset="0"/>
+                <a:cs typeface="Courier New" panose="02070309020205020404" pitchFamily="49" charset="0"/>
+                <a:hlinkClick r:id="rId6"/>
+              </a:rPr>
+              <a:t>D.schwartz</a:t>
+            </a:r>
+            <a:r>
+              <a:rPr kumimoji="0" lang="fr-FR" altLang="fr-FR" sz="2400" b="0" i="1" u="none" strike="noStrike" cap="none" normalizeH="0" baseline="0" dirty="0" smtClean="0">
+                <a:ln>
+                  <a:noFill/>
+                </a:ln>
+                <a:solidFill>
+                  <a:schemeClr val="tx1"/>
+                </a:solidFill>
+                <a:effectLst/>
+                <a:latin typeface="Courier New" panose="02070309020205020404" pitchFamily="49" charset="0"/>
+                <a:cs typeface="Courier New" panose="02070309020205020404" pitchFamily="49" charset="0"/>
+                <a:hlinkClick r:id="rId6"/>
+              </a:rPr>
+              <a:t>-</a:t>
+            </a:r>
+            <a:r>
+              <a:rPr kumimoji="0" lang="fr-FR" altLang="fr-FR" sz="2400" b="0" i="1" u="none" strike="noStrike" cap="none" normalizeH="0" baseline="0" dirty="0" err="1" smtClean="0">
+                <a:ln>
+                  <a:noFill/>
+                </a:ln>
+                <a:solidFill>
+                  <a:schemeClr val="tx1"/>
+                </a:solidFill>
+                <a:effectLst/>
+                <a:latin typeface="Courier New" panose="02070309020205020404" pitchFamily="49" charset="0"/>
+                <a:cs typeface="Courier New" panose="02070309020205020404" pitchFamily="49" charset="0"/>
+                <a:hlinkClick r:id="rId6"/>
+              </a:rPr>
+              <a:t>svcb-dns</a:t>
+            </a:r>
+            <a:r>
+              <a:rPr kumimoji="0" lang="fr-FR" altLang="fr-FR" sz="2400" b="0" i="1" u="none" strike="noStrike" cap="none" normalizeH="0" baseline="0" dirty="0" smtClean="0">
+                <a:ln>
+                  <a:noFill/>
+                </a:ln>
+                <a:solidFill>
+                  <a:schemeClr val="tx1"/>
+                </a:solidFill>
+                <a:effectLst/>
+                <a:latin typeface="Courier New" panose="02070309020205020404" pitchFamily="49" charset="0"/>
+                <a:cs typeface="Courier New" panose="02070309020205020404" pitchFamily="49" charset="0"/>
+              </a:rPr>
+              <a:t>]. The </a:t>
+            </a:r>
+            <a:r>
+              <a:rPr kumimoji="0" lang="fr-FR" altLang="fr-FR" sz="2400" b="0" i="1" u="none" strike="noStrike" cap="none" normalizeH="0" baseline="0" dirty="0" err="1" smtClean="0">
+                <a:ln>
+                  <a:noFill/>
+                </a:ln>
+                <a:solidFill>
+                  <a:schemeClr val="tx1"/>
+                </a:solidFill>
+                <a:effectLst/>
+                <a:latin typeface="Courier New" panose="02070309020205020404" pitchFamily="49" charset="0"/>
+                <a:cs typeface="Courier New" panose="02070309020205020404" pitchFamily="49" charset="0"/>
+              </a:rPr>
+              <a:t>designated</a:t>
+            </a:r>
+            <a:r>
+              <a:rPr kumimoji="0" lang="fr-FR" altLang="fr-FR" sz="2400" b="0" i="1" u="none" strike="noStrike" cap="none" normalizeH="0" baseline="0" dirty="0" smtClean="0">
+                <a:ln>
+                  <a:noFill/>
+                </a:ln>
+                <a:solidFill>
+                  <a:schemeClr val="tx1"/>
+                </a:solidFill>
+                <a:effectLst/>
+                <a:latin typeface="Courier New" panose="02070309020205020404" pitchFamily="49" charset="0"/>
+                <a:cs typeface="Courier New" panose="02070309020205020404" pitchFamily="49" charset="0"/>
+              </a:rPr>
+              <a:t> DoH </a:t>
+            </a:r>
+            <a:r>
+              <a:rPr kumimoji="0" lang="fr-FR" altLang="fr-FR" sz="2400" b="0" i="1" u="none" strike="noStrike" cap="none" normalizeH="0" baseline="0" dirty="0" err="1" smtClean="0">
+                <a:ln>
+                  <a:noFill/>
+                </a:ln>
+                <a:solidFill>
+                  <a:schemeClr val="tx1"/>
+                </a:solidFill>
+                <a:effectLst/>
+                <a:latin typeface="Courier New" panose="02070309020205020404" pitchFamily="49" charset="0"/>
+                <a:cs typeface="Courier New" panose="02070309020205020404" pitchFamily="49" charset="0"/>
+              </a:rPr>
+              <a:t>resolvers</a:t>
+            </a:r>
+            <a:r>
+              <a:rPr kumimoji="0" lang="fr-FR" altLang="fr-FR" sz="2400" b="0" i="1" u="none" strike="noStrike" cap="none" normalizeH="0" baseline="0" dirty="0" smtClean="0">
+                <a:ln>
+                  <a:noFill/>
+                </a:ln>
+                <a:solidFill>
+                  <a:schemeClr val="tx1"/>
+                </a:solidFill>
+                <a:effectLst/>
+                <a:latin typeface="Courier New" panose="02070309020205020404" pitchFamily="49" charset="0"/>
+                <a:cs typeface="Courier New" panose="02070309020205020404" pitchFamily="49" charset="0"/>
+              </a:rPr>
+              <a:t> and DoH </a:t>
+            </a:r>
+            <a:r>
+              <a:rPr kumimoji="0" lang="fr-FR" altLang="fr-FR" sz="2400" b="0" i="1" u="none" strike="noStrike" cap="none" normalizeH="0" baseline="0" dirty="0" err="1" smtClean="0">
+                <a:ln>
+                  <a:noFill/>
+                </a:ln>
+                <a:solidFill>
+                  <a:schemeClr val="tx1"/>
+                </a:solidFill>
+                <a:effectLst/>
+                <a:latin typeface="Courier New" panose="02070309020205020404" pitchFamily="49" charset="0"/>
+                <a:cs typeface="Courier New" panose="02070309020205020404" pitchFamily="49" charset="0"/>
+              </a:rPr>
+              <a:t>resolver</a:t>
+            </a:r>
+            <a:r>
+              <a:rPr kumimoji="0" lang="fr-FR" altLang="fr-FR" sz="2400" b="0" i="1" u="none" strike="noStrike" cap="none" normalizeH="0" baseline="0" dirty="0" smtClean="0">
+                <a:ln>
+                  <a:noFill/>
+                </a:ln>
+                <a:solidFill>
+                  <a:schemeClr val="tx1"/>
+                </a:solidFill>
+                <a:effectLst/>
+                <a:latin typeface="Courier New" panose="02070309020205020404" pitchFamily="49" charset="0"/>
+                <a:cs typeface="Courier New" panose="02070309020205020404" pitchFamily="49" charset="0"/>
+              </a:rPr>
+              <a:t> </a:t>
+            </a:r>
+            <a:r>
+              <a:rPr kumimoji="0" lang="fr-FR" altLang="fr-FR" sz="2400" b="0" i="1" u="none" strike="noStrike" cap="none" normalizeH="0" baseline="0" dirty="0" err="1" smtClean="0">
+                <a:ln>
+                  <a:noFill/>
+                </a:ln>
+                <a:solidFill>
+                  <a:schemeClr val="tx1"/>
+                </a:solidFill>
+                <a:effectLst/>
+                <a:latin typeface="Courier New" panose="02070309020205020404" pitchFamily="49" charset="0"/>
+                <a:cs typeface="Courier New" panose="02070309020205020404" pitchFamily="49" charset="0"/>
+              </a:rPr>
+              <a:t>discovered</a:t>
+            </a:r>
+            <a:r>
+              <a:rPr kumimoji="0" lang="fr-FR" altLang="fr-FR" sz="2400" b="0" i="1" u="none" strike="noStrike" cap="none" normalizeH="0" baseline="0" dirty="0" smtClean="0">
+                <a:ln>
+                  <a:noFill/>
+                </a:ln>
+                <a:solidFill>
+                  <a:schemeClr val="tx1"/>
+                </a:solidFill>
+                <a:effectLst/>
+                <a:latin typeface="Courier New" panose="02070309020205020404" pitchFamily="49" charset="0"/>
+                <a:cs typeface="Courier New" panose="02070309020205020404" pitchFamily="49" charset="0"/>
+              </a:rPr>
+              <a:t> </a:t>
+            </a:r>
+            <a:r>
+              <a:rPr kumimoji="0" lang="fr-FR" altLang="fr-FR" sz="2400" b="0" i="1" u="none" strike="noStrike" cap="none" normalizeH="0" baseline="0" dirty="0" err="1" smtClean="0">
+                <a:ln>
+                  <a:noFill/>
+                </a:ln>
+                <a:solidFill>
+                  <a:schemeClr val="tx1"/>
+                </a:solidFill>
+                <a:effectLst/>
+                <a:latin typeface="Courier New" panose="02070309020205020404" pitchFamily="49" charset="0"/>
+                <a:cs typeface="Courier New" panose="02070309020205020404" pitchFamily="49" charset="0"/>
+              </a:rPr>
+              <a:t>using</a:t>
+            </a:r>
+            <a:r>
+              <a:rPr kumimoji="0" lang="fr-FR" altLang="fr-FR" sz="2400" b="0" i="1" u="none" strike="noStrike" cap="none" normalizeH="0" baseline="0" dirty="0" smtClean="0">
+                <a:ln>
+                  <a:noFill/>
+                </a:ln>
+                <a:solidFill>
+                  <a:schemeClr val="tx1"/>
+                </a:solidFill>
+                <a:effectLst/>
+                <a:latin typeface="Courier New" panose="02070309020205020404" pitchFamily="49" charset="0"/>
+                <a:cs typeface="Courier New" panose="02070309020205020404" pitchFamily="49" charset="0"/>
+              </a:rPr>
+              <a:t> DHCP/RA </a:t>
+            </a:r>
+            <a:r>
+              <a:rPr kumimoji="0" lang="fr-FR" altLang="fr-FR" sz="2400" b="0" i="1" u="none" strike="noStrike" cap="none" normalizeH="0" baseline="0" dirty="0" err="1" smtClean="0">
+                <a:ln>
+                  <a:noFill/>
+                </a:ln>
+                <a:solidFill>
+                  <a:schemeClr val="tx1"/>
+                </a:solidFill>
+                <a:effectLst/>
+                <a:latin typeface="Courier New" panose="02070309020205020404" pitchFamily="49" charset="0"/>
+                <a:cs typeface="Courier New" panose="02070309020205020404" pitchFamily="49" charset="0"/>
+              </a:rPr>
+              <a:t>may</a:t>
+            </a:r>
+            <a:r>
+              <a:rPr kumimoji="0" lang="fr-FR" altLang="fr-FR" sz="2400" b="0" i="1" u="none" strike="noStrike" cap="none" normalizeH="0" baseline="0" dirty="0" smtClean="0">
+                <a:ln>
+                  <a:noFill/>
+                </a:ln>
+                <a:solidFill>
+                  <a:schemeClr val="tx1"/>
+                </a:solidFill>
+                <a:effectLst/>
+                <a:latin typeface="Courier New" panose="02070309020205020404" pitchFamily="49" charset="0"/>
+                <a:cs typeface="Courier New" panose="02070309020205020404" pitchFamily="49" charset="0"/>
+              </a:rPr>
+              <a:t> </a:t>
+            </a:r>
+            <a:r>
+              <a:rPr kumimoji="0" lang="fr-FR" altLang="fr-FR" sz="2400" b="0" i="1" u="none" strike="noStrike" cap="none" normalizeH="0" baseline="0" dirty="0" err="1" smtClean="0">
+                <a:ln>
+                  <a:noFill/>
+                </a:ln>
+                <a:solidFill>
+                  <a:schemeClr val="tx1"/>
+                </a:solidFill>
+                <a:effectLst/>
+                <a:latin typeface="Courier New" panose="02070309020205020404" pitchFamily="49" charset="0"/>
+                <a:cs typeface="Courier New" panose="02070309020205020404" pitchFamily="49" charset="0"/>
+              </a:rPr>
+              <a:t>be</a:t>
+            </a:r>
+            <a:r>
+              <a:rPr kumimoji="0" lang="fr-FR" altLang="fr-FR" sz="2400" b="0" i="1" u="none" strike="noStrike" cap="none" normalizeH="0" baseline="0" dirty="0" smtClean="0">
+                <a:ln>
+                  <a:noFill/>
+                </a:ln>
+                <a:solidFill>
+                  <a:schemeClr val="tx1"/>
+                </a:solidFill>
+                <a:effectLst/>
+                <a:latin typeface="Courier New" panose="02070309020205020404" pitchFamily="49" charset="0"/>
+                <a:cs typeface="Courier New" panose="02070309020205020404" pitchFamily="49" charset="0"/>
+              </a:rPr>
+              <a:t> </a:t>
+            </a:r>
+            <a:r>
+              <a:rPr kumimoji="0" lang="fr-FR" altLang="fr-FR" sz="2400" b="0" i="1" u="none" strike="noStrike" cap="none" normalizeH="0" baseline="0" dirty="0" err="1" smtClean="0">
+                <a:ln>
+                  <a:noFill/>
+                </a:ln>
+                <a:solidFill>
+                  <a:schemeClr val="tx1"/>
+                </a:solidFill>
+                <a:effectLst/>
+                <a:latin typeface="Courier New" panose="02070309020205020404" pitchFamily="49" charset="0"/>
+                <a:cs typeface="Courier New" panose="02070309020205020404" pitchFamily="49" charset="0"/>
+              </a:rPr>
+              <a:t>hosted</a:t>
+            </a:r>
+            <a:r>
+              <a:rPr kumimoji="0" lang="fr-FR" altLang="fr-FR" sz="2400" b="0" i="1" u="none" strike="noStrike" cap="none" normalizeH="0" baseline="0" dirty="0" smtClean="0">
+                <a:ln>
+                  <a:noFill/>
+                </a:ln>
+                <a:solidFill>
+                  <a:schemeClr val="tx1"/>
+                </a:solidFill>
+                <a:effectLst/>
+                <a:latin typeface="Courier New" panose="02070309020205020404" pitchFamily="49" charset="0"/>
+                <a:cs typeface="Courier New" panose="02070309020205020404" pitchFamily="49" charset="0"/>
+              </a:rPr>
+              <a:t> on the </a:t>
+            </a:r>
+            <a:r>
+              <a:rPr kumimoji="0" lang="fr-FR" altLang="fr-FR" sz="2400" b="0" i="1" u="none" strike="noStrike" cap="none" normalizeH="0" baseline="0" dirty="0" err="1" smtClean="0">
+                <a:ln>
+                  <a:noFill/>
+                </a:ln>
+                <a:solidFill>
+                  <a:schemeClr val="tx1"/>
+                </a:solidFill>
+                <a:effectLst/>
+                <a:latin typeface="Courier New" panose="02070309020205020404" pitchFamily="49" charset="0"/>
+                <a:cs typeface="Courier New" panose="02070309020205020404" pitchFamily="49" charset="0"/>
+              </a:rPr>
+              <a:t>same</a:t>
+            </a:r>
+            <a:r>
+              <a:rPr kumimoji="0" lang="fr-FR" altLang="fr-FR" sz="2400" b="0" i="1" u="none" strike="noStrike" cap="none" normalizeH="0" baseline="0" dirty="0" smtClean="0">
+                <a:ln>
+                  <a:noFill/>
+                </a:ln>
+                <a:solidFill>
+                  <a:schemeClr val="tx1"/>
+                </a:solidFill>
+                <a:effectLst/>
+                <a:latin typeface="Courier New" panose="02070309020205020404" pitchFamily="49" charset="0"/>
+                <a:cs typeface="Courier New" panose="02070309020205020404" pitchFamily="49" charset="0"/>
+              </a:rPr>
+              <a:t> or distinct IP </a:t>
+            </a:r>
+            <a:r>
+              <a:rPr kumimoji="0" lang="fr-FR" altLang="fr-FR" sz="2400" b="0" i="1" u="none" strike="noStrike" cap="none" normalizeH="0" baseline="0" dirty="0" err="1" smtClean="0">
+                <a:ln>
+                  <a:noFill/>
+                </a:ln>
+                <a:solidFill>
+                  <a:schemeClr val="tx1"/>
+                </a:solidFill>
+                <a:effectLst/>
+                <a:latin typeface="Courier New" panose="02070309020205020404" pitchFamily="49" charset="0"/>
+                <a:cs typeface="Courier New" panose="02070309020205020404" pitchFamily="49" charset="0"/>
+              </a:rPr>
+              <a:t>addresses</a:t>
+            </a:r>
+            <a:r>
+              <a:rPr kumimoji="0" lang="fr-FR" altLang="fr-FR" sz="2400" b="0" i="1" u="none" strike="noStrike" cap="none" normalizeH="0" baseline="0" dirty="0" smtClean="0">
+                <a:ln>
+                  <a:noFill/>
+                </a:ln>
+                <a:solidFill>
+                  <a:schemeClr val="tx1"/>
+                </a:solidFill>
+                <a:effectLst/>
+                <a:latin typeface="Courier New" panose="02070309020205020404" pitchFamily="49" charset="0"/>
+                <a:cs typeface="Courier New" panose="02070309020205020404" pitchFamily="49" charset="0"/>
+              </a:rPr>
+              <a:t>." </a:t>
+            </a:r>
+            <a:r>
+              <a:rPr kumimoji="0" lang="fr-FR" altLang="fr-FR" sz="2000" b="0" i="1" u="none" strike="noStrike" cap="none" normalizeH="0" baseline="0" dirty="0" smtClean="0">
+                <a:ln>
+                  <a:noFill/>
+                </a:ln>
+                <a:solidFill>
+                  <a:schemeClr val="tx1"/>
+                </a:solidFill>
+                <a:effectLst/>
+                <a:latin typeface="Courier New" panose="02070309020205020404" pitchFamily="49" charset="0"/>
+                <a:cs typeface="Courier New" panose="02070309020205020404" pitchFamily="49" charset="0"/>
+              </a:rPr>
+              <a:t>(</a:t>
+            </a:r>
+            <a:r>
+              <a:rPr kumimoji="0" lang="fr-FR" altLang="fr-FR" sz="2000" b="0" i="1" u="none" strike="noStrike" cap="none" normalizeH="0" baseline="0" dirty="0" err="1" smtClean="0">
+                <a:ln>
+                  <a:noFill/>
+                </a:ln>
+                <a:solidFill>
+                  <a:schemeClr val="tx1"/>
+                </a:solidFill>
+                <a:effectLst/>
+                <a:latin typeface="Courier New" panose="02070309020205020404" pitchFamily="49" charset="0"/>
+                <a:cs typeface="Courier New" panose="02070309020205020404" pitchFamily="49" charset="0"/>
+              </a:rPr>
+              <a:t>Excerpt</a:t>
+            </a:r>
+            <a:r>
+              <a:rPr kumimoji="0" lang="fr-FR" altLang="fr-FR" sz="2000" b="0" i="1" u="none" strike="noStrike" cap="none" normalizeH="0" baseline="0" dirty="0" smtClean="0">
+                <a:ln>
+                  <a:noFill/>
+                </a:ln>
+                <a:solidFill>
+                  <a:schemeClr val="tx1"/>
+                </a:solidFill>
+                <a:effectLst/>
+                <a:latin typeface="Courier New" panose="02070309020205020404" pitchFamily="49" charset="0"/>
+                <a:cs typeface="Courier New" panose="02070309020205020404" pitchFamily="49" charset="0"/>
+              </a:rPr>
+              <a:t> </a:t>
+            </a:r>
+            <a:r>
+              <a:rPr kumimoji="0" lang="fr-FR" altLang="fr-FR" sz="2000" b="0" i="1" u="none" strike="noStrike" cap="none" normalizeH="0" baseline="0" dirty="0" err="1" smtClean="0">
+                <a:ln>
+                  <a:noFill/>
+                </a:ln>
+                <a:solidFill>
+                  <a:schemeClr val="tx1"/>
+                </a:solidFill>
+                <a:effectLst/>
+                <a:latin typeface="Courier New" panose="02070309020205020404" pitchFamily="49" charset="0"/>
+                <a:cs typeface="Courier New" panose="02070309020205020404" pitchFamily="49" charset="0"/>
+              </a:rPr>
+              <a:t>from</a:t>
+            </a:r>
+            <a:r>
+              <a:rPr kumimoji="0" lang="fr-FR" altLang="fr-FR" sz="2000" b="0" i="1" u="none" strike="noStrike" cap="none" normalizeH="0" baseline="0" dirty="0" smtClean="0">
+                <a:ln>
+                  <a:noFill/>
+                </a:ln>
+                <a:solidFill>
+                  <a:schemeClr val="tx1"/>
+                </a:solidFill>
+                <a:effectLst/>
+                <a:latin typeface="Courier New" panose="02070309020205020404" pitchFamily="49" charset="0"/>
+                <a:cs typeface="Courier New" panose="02070309020205020404" pitchFamily="49" charset="0"/>
+              </a:rPr>
+              <a:t> </a:t>
+            </a:r>
+            <a:r>
+              <a:rPr kumimoji="0" lang="fr-FR" altLang="fr-FR" sz="2000" b="0" i="1" u="none" strike="noStrike" cap="none" normalizeH="0" baseline="0" dirty="0" err="1" smtClean="0">
+                <a:ln>
+                  <a:noFill/>
+                </a:ln>
+                <a:solidFill>
+                  <a:schemeClr val="tx1"/>
+                </a:solidFill>
+                <a:effectLst/>
+                <a:latin typeface="Courier New" panose="02070309020205020404" pitchFamily="49" charset="0"/>
+                <a:cs typeface="Courier New" panose="02070309020205020404" pitchFamily="49" charset="0"/>
+              </a:rPr>
+              <a:t>draft-ietf-add-dnr</a:t>
+            </a:r>
+            <a:r>
+              <a:rPr kumimoji="0" lang="fr-FR" altLang="fr-FR" sz="2000" b="0" i="1" u="none" strike="noStrike" cap="none" normalizeH="0" baseline="0" dirty="0" smtClean="0">
+                <a:ln>
+                  <a:noFill/>
+                </a:ln>
+                <a:solidFill>
+                  <a:schemeClr val="tx1"/>
+                </a:solidFill>
+                <a:effectLst/>
+                <a:latin typeface="Courier New" panose="02070309020205020404" pitchFamily="49" charset="0"/>
+                <a:cs typeface="Courier New" panose="02070309020205020404" pitchFamily="49" charset="0"/>
+              </a:rPr>
+              <a:t>)</a:t>
+            </a:r>
+            <a:endParaRPr kumimoji="0" lang="fr-FR" altLang="fr-FR" sz="4400" b="0" i="1" u="none" strike="noStrike" cap="none" normalizeH="0" baseline="0" dirty="0" smtClean="0">
+              <a:ln>
+                <a:noFill/>
+              </a:ln>
+              <a:solidFill>
+                <a:schemeClr val="tx1"/>
+              </a:solidFill>
+              <a:effectLst/>
+              <a:latin typeface="Courier New" panose="02070309020205020404" pitchFamily="49" charset="0"/>
+              <a:cs typeface="Courier New" panose="02070309020205020404" pitchFamily="49" charset="0"/>
+            </a:endParaRPr>
           </a:p>
         </p:txBody>
       </p:sp>
     </p:spTree>
     <p:extLst>
       <p:ext uri="{BB962C8B-B14F-4D97-AF65-F5344CB8AC3E}">
-        <p14:creationId xmlns:p14="http://schemas.microsoft.com/office/powerpoint/2010/main" val="26300620"/>
+        <p14:creationId xmlns:p14="http://schemas.microsoft.com/office/powerpoint/2010/main" val="493082252"/>
       </p:ext>
     </p:extLst>
   </p:cSld>
@@ -5420,20 +7182,28 @@
           <a:lstStyle/>
           <a:p>
             <a:r>
+              <a:rPr lang="fr-FR" dirty="0" err="1" smtClean="0"/>
+              <a:t>Why</a:t>
+            </a:r>
+            <a:r>
               <a:rPr lang="fr-FR" dirty="0" smtClean="0"/>
-              <a:t>Relationship </a:t>
-            </a:r>
-            <a:r>
-              <a:rPr lang="fr-FR" dirty="0" err="1"/>
-              <a:t>with</a:t>
-            </a:r>
-            <a:r>
-              <a:rPr lang="fr-FR" dirty="0"/>
               <a:t> </a:t>
             </a:r>
             <a:r>
+              <a:rPr lang="fr-FR" dirty="0" err="1" smtClean="0"/>
+              <a:t>Defining</a:t>
+            </a:r>
+            <a:r>
               <a:rPr lang="fr-FR" dirty="0" smtClean="0"/>
-              <a:t>DDR</a:t>
+              <a:t> </a:t>
+            </a:r>
+            <a:r>
+              <a:rPr lang="fr-FR" dirty="0" err="1" smtClean="0"/>
+              <a:t>Two</a:t>
+            </a:r>
+            <a:r>
+              <a:rPr lang="fr-FR" dirty="0" smtClean="0"/>
+              <a:t> Options? </a:t>
             </a:r>
             <a:endParaRPr lang="fr-FR" dirty="0"/>
           </a:p>
@@ -5441,1242 +7211,121 @@
       </p:sp>
       <p:sp>
         <p:nvSpPr>
-          <p:cNvPr id="5" name="Rectangle 1"/>
+          <p:cNvPr id="3" name="Espace réservé du contenu 2"/>
           <p:cNvSpPr>
-            <a:spLocks noChangeArrowheads="1"/>
+            <a:spLocks noGrp="1"/>
           </p:cNvSpPr>
-          <p:nvPr/>
-        </p:nvSpPr>
-        <p:spPr bwMode="auto">
-          <a:xfrm>
-            <a:off x="251520" y="2062009"/>
-            <a:ext cx="8712968" cy="3170099"/>
-          </a:xfrm>
-          <a:prstGeom prst="rect">
-            <a:avLst/>
-          </a:prstGeom>
-          <a:noFill/>
-          <a:ln>
-            <a:noFill/>
-          </a:ln>
-          <a:effectLst/>
-          <a:extLst>
-            <a:ext uri="{909E8E84-426E-40DD-AFC4-6F175D3DCCD1}">
-              <a14:hiddenFill xmlns:a14="http://schemas.microsoft.com/office/drawing/2010/main">
-                <a:solidFill>
-                  <a:schemeClr val="accent1"/>
-                </a:solidFill>
-              </a14:hiddenFill>
-            </a:ext>
-            <a:ext uri="{91240B29-F687-4F45-9708-019B960494DF}">
-              <a14:hiddenLine xmlns:a14="http://schemas.microsoft.com/office/drawing/2010/main" w="9525">
-                <a:solidFill>
-                  <a:schemeClr val="tx1"/>
-                </a:solidFill>
-                <a:miter lim="800000"/>
-                <a:headEnd/>
-                <a:tailEnd/>
-              </a14:hiddenLine>
-            </a:ext>
-            <a:ext uri="{AF507438-7753-43E0-B8FC-AC1667EBCBE1}">
-              <a14:hiddenEffects xmlns:a14="http://schemas.microsoft.com/office/drawing/2010/main">
-                <a:effectLst>
-                  <a:outerShdw dist="35921" dir="2700000" algn="ctr" rotWithShape="0">
-                    <a:schemeClr val="bg2"/>
-                  </a:outerShdw>
-                </a:effectLst>
-              </a14:hiddenEffects>
-            </a:ext>
-          </a:extLst>
-        </p:spPr>
-        <p:txBody>
-          <a:bodyPr vert="horz" wrap="square" lIns="91440" tIns="45720" rIns="91440" bIns="45720" numCol="1" anchor="ctr" anchorCtr="0" compatLnSpc="1">
-            <a:prstTxWarp prst="textNoShape">
-              <a:avLst/>
-            </a:prstTxWarp>
-            <a:spAutoFit/>
+          <p:nvPr>
+            <p:ph idx="1"/>
+          </p:nvPr>
+        </p:nvSpPr>
+        <p:spPr/>
+        <p:txBody>
+          <a:bodyPr>
+            <a:normAutofit fontScale="92500" lnSpcReduction="10000"/>
           </a:bodyPr>
           <a:lstStyle/>
           <a:p>
-            <a:pPr marL="0" marR="0" lvl="0" indent="0" algn="ctr" defTabSz="914400" rtl="0" eaLnBrk="0" fontAlgn="base" latinLnBrk="0" hangingPunct="0">
-              <a:lnSpc>
-                <a:spcPct val="100000"/>
-              </a:lnSpc>
-              <a:spcBef>
-                <a:spcPct val="0"/>
-              </a:spcBef>
-              <a:spcAft>
-                <a:spcPct val="0"/>
-              </a:spcAft>
-              <a:buClrTx/>
-              <a:buSzTx/>
-              <a:buFontTx/>
+            <a:r>
+              <a:rPr lang="en-US" dirty="0" smtClean="0"/>
+              <a:t>The initial design in 05/20 proposed </a:t>
+            </a:r>
+            <a:r>
+              <a:rPr lang="en-US" b="1" i="1" dirty="0" smtClean="0"/>
+              <a:t>the ADN option only</a:t>
+            </a:r>
+            <a:r>
+              <a:rPr lang="en-US" dirty="0" smtClean="0"/>
+              <a:t> while the address is conveyed in the legacy Do53 @ List</a:t>
+            </a:r>
+          </a:p>
+          <a:p>
+            <a:endParaRPr lang="en-US" dirty="0" smtClean="0"/>
+          </a:p>
+          <a:p>
+            <a:r>
+              <a:rPr lang="en-US" dirty="0" smtClean="0"/>
+              <a:t>That design was abandoned because it was suboptimal:</a:t>
+            </a:r>
+            <a:endParaRPr lang="en-US" b="1" i="1" dirty="0" smtClean="0">
+              <a:solidFill>
+                <a:srgbClr val="00B0F0"/>
+              </a:solidFill>
+            </a:endParaRPr>
+          </a:p>
+          <a:p>
+            <a:pPr lvl="1"/>
+            <a:r>
+              <a:rPr lang="en-US" dirty="0" smtClean="0"/>
+              <a:t>It requires </a:t>
+            </a:r>
+            <a:r>
+              <a:rPr lang="en-US" b="1" i="1" dirty="0">
+                <a:solidFill>
+                  <a:srgbClr val="00B0F0"/>
+                </a:solidFill>
+              </a:rPr>
+              <a:t>probing</a:t>
+            </a:r>
+            <a:r>
+              <a:rPr lang="en-US" dirty="0"/>
+              <a:t> </a:t>
+            </a:r>
+            <a:r>
+              <a:rPr lang="en-US" dirty="0" smtClean="0"/>
+              <a:t>if the designated encrypted DNS services are not available on the same IP address(</a:t>
+            </a:r>
+            <a:r>
+              <a:rPr lang="en-US" dirty="0" err="1" smtClean="0"/>
+              <a:t>es</a:t>
+            </a:r>
+            <a:r>
+              <a:rPr lang="en-US" dirty="0" smtClean="0"/>
+              <a:t>)</a:t>
+            </a:r>
+          </a:p>
+          <a:p>
+            <a:pPr lvl="1"/>
+            <a:r>
+              <a:rPr lang="en-US" dirty="0" smtClean="0"/>
+              <a:t>It requires </a:t>
+            </a:r>
+            <a:r>
+              <a:rPr lang="en-US" b="1" i="1" dirty="0" smtClean="0">
+                <a:solidFill>
+                  <a:srgbClr val="00B0F0"/>
+                </a:solidFill>
+              </a:rPr>
+              <a:t>falling back to Do53 </a:t>
+            </a:r>
+            <a:r>
+              <a:rPr lang="en-US" dirty="0" smtClean="0"/>
+              <a:t>to discover the IP addresses and the alternate port </a:t>
+            </a:r>
+            <a:r>
+              <a:rPr lang="en-US" dirty="0" smtClean="0"/>
+              <a:t>number</a:t>
+            </a:r>
+            <a:endParaRPr lang="en-US" dirty="0" smtClean="0"/>
+          </a:p>
+          <a:p>
+            <a:pPr marL="457200" lvl="1" indent="0">
               <a:buNone/>
-              <a:tabLst/>
             </a:pPr>
-            <a:r>
-              <a:rPr kumimoji="0" lang="fr-FR" altLang="fr-FR" sz="2000" b="0" i="1" u="none" strike="noStrike" cap="none" normalizeH="0" baseline="0" dirty="0" smtClean="0">
-                <a:ln>
-                  <a:noFill/>
-                </a:ln>
-                <a:solidFill>
-                  <a:schemeClr val="tx1"/>
-                </a:solidFill>
-                <a:effectLst/>
-                <a:latin typeface="Courier New" panose="02070309020205020404" pitchFamily="49" charset="0"/>
-                <a:cs typeface="Courier New" panose="02070309020205020404" pitchFamily="49" charset="0"/>
-              </a:rPr>
-              <a:t>"</a:t>
-            </a:r>
-            <a:r>
-              <a:rPr kumimoji="0" lang="fr-FR" altLang="fr-FR" sz="2000" b="0" i="1" u="none" strike="noStrike" cap="none" normalizeH="0" baseline="0" dirty="0" err="1" smtClean="0">
-                <a:ln>
-                  <a:noFill/>
-                </a:ln>
-                <a:solidFill>
-                  <a:schemeClr val="tx1"/>
-                </a:solidFill>
-                <a:effectLst/>
-                <a:latin typeface="Courier New" panose="02070309020205020404" pitchFamily="49" charset="0"/>
-                <a:cs typeface="Courier New" panose="02070309020205020404" pitchFamily="49" charset="0"/>
-              </a:rPr>
-              <a:t>Upon</a:t>
-            </a:r>
-            <a:r>
-              <a:rPr kumimoji="0" lang="fr-FR" altLang="fr-FR" sz="2000" b="0" i="1" u="none" strike="noStrike" cap="none" normalizeH="0" baseline="0" dirty="0" smtClean="0">
-                <a:ln>
-                  <a:noFill/>
-                </a:ln>
-                <a:solidFill>
-                  <a:schemeClr val="tx1"/>
-                </a:solidFill>
-                <a:effectLst/>
-                <a:latin typeface="Courier New" panose="02070309020205020404" pitchFamily="49" charset="0"/>
-                <a:cs typeface="Courier New" panose="02070309020205020404" pitchFamily="49" charset="0"/>
-              </a:rPr>
-              <a:t> </a:t>
-            </a:r>
-            <a:r>
-              <a:rPr kumimoji="0" lang="fr-FR" altLang="fr-FR" sz="2000" b="0" i="1" u="none" strike="noStrike" cap="none" normalizeH="0" baseline="0" dirty="0" err="1" smtClean="0">
-                <a:ln>
-                  <a:noFill/>
-                </a:ln>
-                <a:solidFill>
-                  <a:schemeClr val="tx1"/>
-                </a:solidFill>
-                <a:effectLst/>
-                <a:latin typeface="Courier New" panose="02070309020205020404" pitchFamily="49" charset="0"/>
-                <a:cs typeface="Courier New" panose="02070309020205020404" pitchFamily="49" charset="0"/>
-              </a:rPr>
-              <a:t>discovery</a:t>
-            </a:r>
-            <a:r>
-              <a:rPr kumimoji="0" lang="fr-FR" altLang="fr-FR" sz="2000" b="0" i="1" u="none" strike="noStrike" cap="none" normalizeH="0" baseline="0" dirty="0" smtClean="0">
-                <a:ln>
-                  <a:noFill/>
-                </a:ln>
-                <a:solidFill>
-                  <a:schemeClr val="tx1"/>
-                </a:solidFill>
-                <a:effectLst/>
-                <a:latin typeface="Courier New" panose="02070309020205020404" pitchFamily="49" charset="0"/>
-                <a:cs typeface="Courier New" panose="02070309020205020404" pitchFamily="49" charset="0"/>
-              </a:rPr>
-              <a:t> of a DoH </a:t>
-            </a:r>
-            <a:r>
-              <a:rPr kumimoji="0" lang="fr-FR" altLang="fr-FR" sz="2000" b="0" i="1" u="none" strike="noStrike" cap="none" normalizeH="0" baseline="0" dirty="0" err="1" smtClean="0">
-                <a:ln>
-                  <a:noFill/>
-                </a:ln>
-                <a:solidFill>
-                  <a:schemeClr val="tx1"/>
-                </a:solidFill>
-                <a:effectLst/>
-                <a:latin typeface="Courier New" panose="02070309020205020404" pitchFamily="49" charset="0"/>
-                <a:cs typeface="Courier New" panose="02070309020205020404" pitchFamily="49" charset="0"/>
-              </a:rPr>
-              <a:t>resolver</a:t>
-            </a:r>
-            <a:r>
-              <a:rPr kumimoji="0" lang="fr-FR" altLang="fr-FR" sz="2000" b="0" i="1" u="none" strike="noStrike" cap="none" normalizeH="0" baseline="0" dirty="0" smtClean="0">
-                <a:ln>
-                  <a:noFill/>
-                </a:ln>
-                <a:solidFill>
-                  <a:schemeClr val="tx1"/>
-                </a:solidFill>
-                <a:effectLst/>
-                <a:latin typeface="Courier New" panose="02070309020205020404" pitchFamily="49" charset="0"/>
-                <a:cs typeface="Courier New" panose="02070309020205020404" pitchFamily="49" charset="0"/>
-              </a:rPr>
-              <a:t> (Sections </a:t>
-            </a:r>
-            <a:r>
-              <a:rPr kumimoji="0" lang="fr-FR" altLang="fr-FR" sz="2000" b="0" i="1" u="none" strike="noStrike" cap="none" normalizeH="0" baseline="0" dirty="0" smtClean="0">
-                <a:ln>
-                  <a:noFill/>
-                </a:ln>
-                <a:solidFill>
-                  <a:schemeClr val="tx1"/>
-                </a:solidFill>
-                <a:effectLst/>
-                <a:latin typeface="Courier New" panose="02070309020205020404" pitchFamily="49" charset="0"/>
-                <a:cs typeface="Courier New" panose="02070309020205020404" pitchFamily="49" charset="0"/>
-                <a:hlinkClick r:id="rId2"/>
-              </a:rPr>
-              <a:t>4</a:t>
-            </a:r>
-            <a:r>
-              <a:rPr kumimoji="0" lang="fr-FR" altLang="fr-FR" sz="2000" b="0" i="1" u="none" strike="noStrike" cap="none" normalizeH="0" baseline="0" dirty="0" smtClean="0">
-                <a:ln>
-                  <a:noFill/>
-                </a:ln>
-                <a:solidFill>
-                  <a:schemeClr val="tx1"/>
-                </a:solidFill>
-                <a:effectLst/>
-                <a:latin typeface="Courier New" panose="02070309020205020404" pitchFamily="49" charset="0"/>
-                <a:cs typeface="Courier New" panose="02070309020205020404" pitchFamily="49" charset="0"/>
-              </a:rPr>
-              <a:t>, </a:t>
-            </a:r>
-            <a:r>
-              <a:rPr kumimoji="0" lang="fr-FR" altLang="fr-FR" sz="2000" b="0" i="1" u="none" strike="noStrike" cap="none" normalizeH="0" baseline="0" dirty="0" smtClean="0">
-                <a:ln>
-                  <a:noFill/>
-                </a:ln>
-                <a:solidFill>
-                  <a:schemeClr val="tx1"/>
-                </a:solidFill>
-                <a:effectLst/>
-                <a:latin typeface="Courier New" panose="02070309020205020404" pitchFamily="49" charset="0"/>
-                <a:cs typeface="Courier New" panose="02070309020205020404" pitchFamily="49" charset="0"/>
-                <a:hlinkClick r:id="rId3"/>
-              </a:rPr>
-              <a:t>5</a:t>
-            </a:r>
-            <a:r>
-              <a:rPr kumimoji="0" lang="fr-FR" altLang="fr-FR" sz="2000" b="0" i="1" u="none" strike="noStrike" cap="none" normalizeH="0" baseline="0" dirty="0" smtClean="0">
-                <a:ln>
-                  <a:noFill/>
-                </a:ln>
-                <a:solidFill>
-                  <a:schemeClr val="tx1"/>
-                </a:solidFill>
-                <a:effectLst/>
-                <a:latin typeface="Courier New" panose="02070309020205020404" pitchFamily="49" charset="0"/>
-                <a:cs typeface="Courier New" panose="02070309020205020404" pitchFamily="49" charset="0"/>
-              </a:rPr>
-              <a:t>, and </a:t>
-            </a:r>
-            <a:r>
-              <a:rPr kumimoji="0" lang="fr-FR" altLang="fr-FR" sz="2000" b="0" i="1" u="none" strike="noStrike" cap="none" normalizeH="0" baseline="0" dirty="0" smtClean="0">
-                <a:ln>
-                  <a:noFill/>
-                </a:ln>
-                <a:solidFill>
-                  <a:schemeClr val="tx1"/>
-                </a:solidFill>
-                <a:effectLst/>
-                <a:latin typeface="Courier New" panose="02070309020205020404" pitchFamily="49" charset="0"/>
-                <a:cs typeface="Courier New" panose="02070309020205020404" pitchFamily="49" charset="0"/>
-                <a:hlinkClick r:id="rId4"/>
-              </a:rPr>
-              <a:t>6</a:t>
-            </a:r>
-            <a:r>
-              <a:rPr kumimoji="0" lang="fr-FR" altLang="fr-FR" sz="2000" b="0" i="1" u="none" strike="noStrike" cap="none" normalizeH="0" baseline="0" dirty="0" smtClean="0">
-                <a:ln>
-                  <a:noFill/>
-                </a:ln>
-                <a:solidFill>
-                  <a:schemeClr val="tx1"/>
-                </a:solidFill>
-                <a:effectLst/>
-                <a:latin typeface="Courier New" panose="02070309020205020404" pitchFamily="49" charset="0"/>
-                <a:cs typeface="Courier New" panose="02070309020205020404" pitchFamily="49" charset="0"/>
-              </a:rPr>
-              <a:t>), the DoH client </a:t>
-            </a:r>
-            <a:r>
-              <a:rPr kumimoji="0" lang="fr-FR" altLang="fr-FR" sz="2000" b="0" i="1" u="none" strike="noStrike" cap="none" normalizeH="0" baseline="0" dirty="0" err="1" smtClean="0">
-                <a:ln>
-                  <a:noFill/>
-                </a:ln>
-                <a:solidFill>
-                  <a:schemeClr val="tx1"/>
-                </a:solidFill>
-                <a:effectLst/>
-                <a:latin typeface="Courier New" panose="02070309020205020404" pitchFamily="49" charset="0"/>
-                <a:cs typeface="Courier New" panose="02070309020205020404" pitchFamily="49" charset="0"/>
-              </a:rPr>
-              <a:t>may</a:t>
-            </a:r>
-            <a:r>
-              <a:rPr kumimoji="0" lang="fr-FR" altLang="fr-FR" sz="2000" b="0" i="1" u="none" strike="noStrike" cap="none" normalizeH="0" baseline="0" dirty="0" smtClean="0">
-                <a:ln>
-                  <a:noFill/>
-                </a:ln>
-                <a:solidFill>
-                  <a:schemeClr val="tx1"/>
-                </a:solidFill>
-                <a:effectLst/>
-                <a:latin typeface="Courier New" panose="02070309020205020404" pitchFamily="49" charset="0"/>
-                <a:cs typeface="Courier New" panose="02070309020205020404" pitchFamily="49" charset="0"/>
-              </a:rPr>
-              <a:t> contact </a:t>
-            </a:r>
-            <a:r>
-              <a:rPr kumimoji="0" lang="fr-FR" altLang="fr-FR" sz="2000" b="0" i="1" u="none" strike="noStrike" cap="none" normalizeH="0" baseline="0" dirty="0" err="1" smtClean="0">
-                <a:ln>
-                  <a:noFill/>
-                </a:ln>
-                <a:solidFill>
-                  <a:schemeClr val="tx1"/>
-                </a:solidFill>
-                <a:effectLst/>
-                <a:latin typeface="Courier New" panose="02070309020205020404" pitchFamily="49" charset="0"/>
-                <a:cs typeface="Courier New" panose="02070309020205020404" pitchFamily="49" charset="0"/>
-              </a:rPr>
-              <a:t>that</a:t>
-            </a:r>
-            <a:r>
-              <a:rPr kumimoji="0" lang="fr-FR" altLang="fr-FR" sz="2000" b="0" i="1" u="none" strike="noStrike" cap="none" normalizeH="0" baseline="0" dirty="0" smtClean="0">
-                <a:ln>
-                  <a:noFill/>
-                </a:ln>
-                <a:solidFill>
-                  <a:schemeClr val="tx1"/>
-                </a:solidFill>
-                <a:effectLst/>
-                <a:latin typeface="Courier New" panose="02070309020205020404" pitchFamily="49" charset="0"/>
-                <a:cs typeface="Courier New" panose="02070309020205020404" pitchFamily="49" charset="0"/>
-              </a:rPr>
-              <a:t> DoH </a:t>
-            </a:r>
-            <a:r>
-              <a:rPr kumimoji="0" lang="fr-FR" altLang="fr-FR" sz="2000" b="0" i="1" u="none" strike="noStrike" cap="none" normalizeH="0" baseline="0" dirty="0" err="1" smtClean="0">
-                <a:ln>
-                  <a:noFill/>
-                </a:ln>
-                <a:solidFill>
-                  <a:schemeClr val="tx1"/>
-                </a:solidFill>
-                <a:effectLst/>
-                <a:latin typeface="Courier New" panose="02070309020205020404" pitchFamily="49" charset="0"/>
-                <a:cs typeface="Courier New" panose="02070309020205020404" pitchFamily="49" charset="0"/>
-              </a:rPr>
-              <a:t>resolver</a:t>
-            </a:r>
-            <a:r>
-              <a:rPr kumimoji="0" lang="fr-FR" altLang="fr-FR" sz="2000" b="0" i="1" u="none" strike="noStrike" cap="none" normalizeH="0" baseline="0" dirty="0" smtClean="0">
-                <a:ln>
-                  <a:noFill/>
-                </a:ln>
-                <a:solidFill>
-                  <a:schemeClr val="tx1"/>
-                </a:solidFill>
-                <a:effectLst/>
-                <a:latin typeface="Courier New" panose="02070309020205020404" pitchFamily="49" charset="0"/>
-                <a:cs typeface="Courier New" panose="02070309020205020404" pitchFamily="49" charset="0"/>
-              </a:rPr>
-              <a:t> to </a:t>
-            </a:r>
-            <a:r>
-              <a:rPr kumimoji="0" lang="fr-FR" altLang="fr-FR" sz="2000" b="0" i="1" u="none" strike="noStrike" cap="none" normalizeH="0" baseline="0" dirty="0" err="1" smtClean="0">
-                <a:ln>
-                  <a:noFill/>
-                </a:ln>
-                <a:solidFill>
-                  <a:schemeClr val="tx1"/>
-                </a:solidFill>
-                <a:effectLst/>
-                <a:latin typeface="Courier New" panose="02070309020205020404" pitchFamily="49" charset="0"/>
-                <a:cs typeface="Courier New" panose="02070309020205020404" pitchFamily="49" charset="0"/>
-              </a:rPr>
-              <a:t>retrieve</a:t>
-            </a:r>
-            <a:r>
-              <a:rPr kumimoji="0" lang="fr-FR" altLang="fr-FR" sz="2000" b="0" i="1" u="none" strike="noStrike" cap="none" normalizeH="0" baseline="0" dirty="0" smtClean="0">
-                <a:ln>
-                  <a:noFill/>
-                </a:ln>
-                <a:solidFill>
-                  <a:schemeClr val="tx1"/>
-                </a:solidFill>
-                <a:effectLst/>
-                <a:latin typeface="Courier New" panose="02070309020205020404" pitchFamily="49" charset="0"/>
-                <a:cs typeface="Courier New" panose="02070309020205020404" pitchFamily="49" charset="0"/>
-              </a:rPr>
-              <a:t> the list of </a:t>
-            </a:r>
-            <a:r>
-              <a:rPr kumimoji="0" lang="fr-FR" altLang="fr-FR" sz="2000" b="0" i="1" u="none" strike="noStrike" cap="none" normalizeH="0" baseline="0" dirty="0" err="1" smtClean="0">
-                <a:ln>
-                  <a:noFill/>
-                </a:ln>
-                <a:solidFill>
-                  <a:schemeClr val="tx1"/>
-                </a:solidFill>
-                <a:effectLst/>
-                <a:latin typeface="Courier New" panose="02070309020205020404" pitchFamily="49" charset="0"/>
-                <a:cs typeface="Courier New" panose="02070309020205020404" pitchFamily="49" charset="0"/>
-              </a:rPr>
-              <a:t>supported</a:t>
-            </a:r>
-            <a:r>
-              <a:rPr kumimoji="0" lang="fr-FR" altLang="fr-FR" sz="2000" b="0" i="1" u="none" strike="noStrike" cap="none" normalizeH="0" baseline="0" dirty="0" smtClean="0">
-                <a:ln>
-                  <a:noFill/>
-                </a:ln>
-                <a:solidFill>
-                  <a:schemeClr val="tx1"/>
-                </a:solidFill>
-                <a:effectLst/>
-                <a:latin typeface="Courier New" panose="02070309020205020404" pitchFamily="49" charset="0"/>
-                <a:cs typeface="Courier New" panose="02070309020205020404" pitchFamily="49" charset="0"/>
-              </a:rPr>
-              <a:t> DoH services </a:t>
-            </a:r>
-            <a:r>
-              <a:rPr kumimoji="0" lang="fr-FR" altLang="fr-FR" sz="2000" b="0" i="1" u="none" strike="noStrike" cap="none" normalizeH="0" baseline="0" dirty="0" err="1" smtClean="0">
-                <a:ln>
-                  <a:noFill/>
-                </a:ln>
-                <a:solidFill>
-                  <a:schemeClr val="tx1"/>
-                </a:solidFill>
-                <a:effectLst/>
-                <a:latin typeface="Courier New" panose="02070309020205020404" pitchFamily="49" charset="0"/>
-                <a:cs typeface="Courier New" panose="02070309020205020404" pitchFamily="49" charset="0"/>
-              </a:rPr>
-              <a:t>using</a:t>
-            </a:r>
-            <a:r>
-              <a:rPr kumimoji="0" lang="fr-FR" altLang="fr-FR" sz="2000" b="0" i="1" u="none" strike="noStrike" cap="none" normalizeH="0" baseline="0" dirty="0" smtClean="0">
-                <a:ln>
-                  <a:noFill/>
-                </a:ln>
-                <a:solidFill>
-                  <a:schemeClr val="tx1"/>
-                </a:solidFill>
-                <a:effectLst/>
-                <a:latin typeface="Courier New" panose="02070309020205020404" pitchFamily="49" charset="0"/>
-                <a:cs typeface="Courier New" panose="02070309020205020404" pitchFamily="49" charset="0"/>
-              </a:rPr>
-              <a:t> DEER [</a:t>
-            </a:r>
-            <a:r>
-              <a:rPr kumimoji="0" lang="fr-FR" altLang="fr-FR" sz="2000" b="0" i="1" u="none" strike="noStrike" cap="none" normalizeH="0" baseline="0" dirty="0" smtClean="0">
-                <a:ln>
-                  <a:noFill/>
-                </a:ln>
-                <a:solidFill>
-                  <a:schemeClr val="tx1"/>
-                </a:solidFill>
-                <a:effectLst/>
-                <a:latin typeface="Courier New" panose="02070309020205020404" pitchFamily="49" charset="0"/>
-                <a:cs typeface="Courier New" panose="02070309020205020404" pitchFamily="49" charset="0"/>
-                <a:hlinkClick r:id="rId5"/>
-              </a:rPr>
-              <a:t>I-</a:t>
-            </a:r>
-            <a:r>
-              <a:rPr kumimoji="0" lang="fr-FR" altLang="fr-FR" sz="2000" b="0" i="1" u="none" strike="noStrike" cap="none" normalizeH="0" baseline="0" dirty="0" err="1" smtClean="0">
-                <a:ln>
-                  <a:noFill/>
-                </a:ln>
-                <a:solidFill>
-                  <a:schemeClr val="tx1"/>
-                </a:solidFill>
-                <a:effectLst/>
-                <a:latin typeface="Courier New" panose="02070309020205020404" pitchFamily="49" charset="0"/>
-                <a:cs typeface="Courier New" panose="02070309020205020404" pitchFamily="49" charset="0"/>
-                <a:hlinkClick r:id="rId5"/>
-              </a:rPr>
-              <a:t>D.pauly</a:t>
-            </a:r>
-            <a:r>
-              <a:rPr kumimoji="0" lang="fr-FR" altLang="fr-FR" sz="2000" b="0" i="1" u="none" strike="noStrike" cap="none" normalizeH="0" baseline="0" dirty="0" smtClean="0">
-                <a:ln>
-                  <a:noFill/>
-                </a:ln>
-                <a:solidFill>
-                  <a:schemeClr val="tx1"/>
-                </a:solidFill>
-                <a:effectLst/>
-                <a:latin typeface="Courier New" panose="02070309020205020404" pitchFamily="49" charset="0"/>
-                <a:cs typeface="Courier New" panose="02070309020205020404" pitchFamily="49" charset="0"/>
-                <a:hlinkClick r:id="rId5"/>
-              </a:rPr>
-              <a:t>-</a:t>
-            </a:r>
-            <a:r>
-              <a:rPr kumimoji="0" lang="fr-FR" altLang="fr-FR" sz="2000" b="0" i="1" u="none" strike="noStrike" cap="none" normalizeH="0" baseline="0" dirty="0" err="1" smtClean="0">
-                <a:ln>
-                  <a:noFill/>
-                </a:ln>
-                <a:solidFill>
-                  <a:schemeClr val="tx1"/>
-                </a:solidFill>
-                <a:effectLst/>
-                <a:latin typeface="Courier New" panose="02070309020205020404" pitchFamily="49" charset="0"/>
-                <a:cs typeface="Courier New" panose="02070309020205020404" pitchFamily="49" charset="0"/>
-                <a:hlinkClick r:id="rId5"/>
-              </a:rPr>
-              <a:t>add-deer</a:t>
-            </a:r>
-            <a:r>
-              <a:rPr kumimoji="0" lang="fr-FR" altLang="fr-FR" sz="2000" b="0" i="1" u="none" strike="noStrike" cap="none" normalizeH="0" baseline="0" dirty="0" smtClean="0">
-                <a:ln>
-                  <a:noFill/>
-                </a:ln>
-                <a:solidFill>
-                  <a:schemeClr val="tx1"/>
-                </a:solidFill>
-                <a:effectLst/>
-                <a:latin typeface="Courier New" panose="02070309020205020404" pitchFamily="49" charset="0"/>
-                <a:cs typeface="Courier New" panose="02070309020205020404" pitchFamily="49" charset="0"/>
-              </a:rPr>
-              <a:t>]. This </a:t>
-            </a:r>
-            <a:r>
-              <a:rPr kumimoji="0" lang="fr-FR" altLang="fr-FR" sz="2000" b="0" i="1" u="none" strike="noStrike" cap="none" normalizeH="0" baseline="0" dirty="0" err="1" smtClean="0">
-                <a:ln>
-                  <a:noFill/>
-                </a:ln>
-                <a:solidFill>
-                  <a:schemeClr val="tx1"/>
-                </a:solidFill>
-                <a:effectLst/>
-                <a:latin typeface="Courier New" panose="02070309020205020404" pitchFamily="49" charset="0"/>
-                <a:cs typeface="Courier New" panose="02070309020205020404" pitchFamily="49" charset="0"/>
-              </a:rPr>
-              <a:t>will</a:t>
-            </a:r>
-            <a:r>
-              <a:rPr kumimoji="0" lang="fr-FR" altLang="fr-FR" sz="2000" b="0" i="1" u="none" strike="noStrike" cap="none" normalizeH="0" baseline="0" dirty="0" smtClean="0">
-                <a:ln>
-                  <a:noFill/>
-                </a:ln>
-                <a:solidFill>
-                  <a:schemeClr val="tx1"/>
-                </a:solidFill>
-                <a:effectLst/>
-                <a:latin typeface="Courier New" panose="02070309020205020404" pitchFamily="49" charset="0"/>
-                <a:cs typeface="Courier New" panose="02070309020205020404" pitchFamily="49" charset="0"/>
-              </a:rPr>
-              <a:t> </a:t>
-            </a:r>
-            <a:r>
-              <a:rPr kumimoji="0" lang="fr-FR" altLang="fr-FR" sz="2000" b="0" i="1" u="none" strike="noStrike" cap="none" normalizeH="0" baseline="0" dirty="0" err="1" smtClean="0">
-                <a:ln>
-                  <a:noFill/>
-                </a:ln>
-                <a:solidFill>
-                  <a:schemeClr val="tx1"/>
-                </a:solidFill>
-                <a:effectLst/>
-                <a:latin typeface="Courier New" panose="02070309020205020404" pitchFamily="49" charset="0"/>
-                <a:cs typeface="Courier New" panose="02070309020205020404" pitchFamily="49" charset="0"/>
-              </a:rPr>
-              <a:t>allow</a:t>
-            </a:r>
-            <a:r>
-              <a:rPr kumimoji="0" lang="fr-FR" altLang="fr-FR" sz="2000" b="0" i="1" u="none" strike="noStrike" cap="none" normalizeH="0" baseline="0" dirty="0" smtClean="0">
-                <a:ln>
-                  <a:noFill/>
-                </a:ln>
-                <a:solidFill>
-                  <a:schemeClr val="tx1"/>
-                </a:solidFill>
-                <a:effectLst/>
-                <a:latin typeface="Courier New" panose="02070309020205020404" pitchFamily="49" charset="0"/>
-                <a:cs typeface="Courier New" panose="02070309020205020404" pitchFamily="49" charset="0"/>
-              </a:rPr>
-              <a:t> the client to </a:t>
-            </a:r>
-            <a:r>
-              <a:rPr kumimoji="0" lang="fr-FR" altLang="fr-FR" sz="2000" b="0" i="1" u="none" strike="noStrike" cap="none" normalizeH="0" baseline="0" dirty="0" err="1" smtClean="0">
-                <a:ln>
-                  <a:noFill/>
-                </a:ln>
-                <a:solidFill>
-                  <a:schemeClr val="tx1"/>
-                </a:solidFill>
-                <a:effectLst/>
-                <a:latin typeface="Courier New" panose="02070309020205020404" pitchFamily="49" charset="0"/>
-                <a:cs typeface="Courier New" panose="02070309020205020404" pitchFamily="49" charset="0"/>
-              </a:rPr>
-              <a:t>discover</a:t>
-            </a:r>
-            <a:r>
-              <a:rPr kumimoji="0" lang="fr-FR" altLang="fr-FR" sz="2000" b="0" i="1" u="none" strike="noStrike" cap="none" normalizeH="0" baseline="0" dirty="0" smtClean="0">
-                <a:ln>
-                  <a:noFill/>
-                </a:ln>
-                <a:solidFill>
-                  <a:schemeClr val="tx1"/>
-                </a:solidFill>
-                <a:effectLst/>
-                <a:latin typeface="Courier New" panose="02070309020205020404" pitchFamily="49" charset="0"/>
-                <a:cs typeface="Courier New" panose="02070309020205020404" pitchFamily="49" charset="0"/>
-              </a:rPr>
-              <a:t> the </a:t>
-            </a:r>
-            <a:r>
-              <a:rPr kumimoji="0" lang="fr-FR" altLang="fr-FR" sz="2000" b="0" i="1" u="none" strike="noStrike" cap="none" normalizeH="0" baseline="0" dirty="0" err="1" smtClean="0">
-                <a:ln>
-                  <a:noFill/>
-                </a:ln>
-                <a:solidFill>
-                  <a:schemeClr val="tx1"/>
-                </a:solidFill>
-                <a:effectLst/>
-                <a:latin typeface="Courier New" panose="02070309020205020404" pitchFamily="49" charset="0"/>
-                <a:cs typeface="Courier New" panose="02070309020205020404" pitchFamily="49" charset="0"/>
-              </a:rPr>
-              <a:t>resolver's</a:t>
-            </a:r>
-            <a:r>
-              <a:rPr kumimoji="0" lang="fr-FR" altLang="fr-FR" sz="2000" b="0" i="1" u="none" strike="noStrike" cap="none" normalizeH="0" baseline="0" dirty="0" smtClean="0">
-                <a:ln>
-                  <a:noFill/>
-                </a:ln>
-                <a:solidFill>
-                  <a:schemeClr val="tx1"/>
-                </a:solidFill>
-                <a:effectLst/>
-                <a:latin typeface="Courier New" panose="02070309020205020404" pitchFamily="49" charset="0"/>
-                <a:cs typeface="Courier New" panose="02070309020205020404" pitchFamily="49" charset="0"/>
-              </a:rPr>
-              <a:t> </a:t>
-            </a:r>
-            <a:r>
-              <a:rPr kumimoji="0" lang="fr-FR" altLang="fr-FR" sz="2000" b="0" i="1" u="none" strike="noStrike" cap="none" normalizeH="0" baseline="0" dirty="0" err="1" smtClean="0">
-                <a:ln>
-                  <a:noFill/>
-                </a:ln>
-                <a:solidFill>
-                  <a:schemeClr val="tx1"/>
-                </a:solidFill>
-                <a:effectLst/>
-                <a:latin typeface="Courier New" panose="02070309020205020404" pitchFamily="49" charset="0"/>
-                <a:cs typeface="Courier New" panose="02070309020205020404" pitchFamily="49" charset="0"/>
-              </a:rPr>
-              <a:t>supported</a:t>
-            </a:r>
-            <a:r>
-              <a:rPr kumimoji="0" lang="fr-FR" altLang="fr-FR" sz="2000" b="0" i="1" u="none" strike="noStrike" cap="none" normalizeH="0" baseline="0" dirty="0" smtClean="0">
-                <a:ln>
-                  <a:noFill/>
-                </a:ln>
-                <a:solidFill>
-                  <a:schemeClr val="tx1"/>
-                </a:solidFill>
-                <a:effectLst/>
-                <a:latin typeface="Courier New" panose="02070309020205020404" pitchFamily="49" charset="0"/>
-                <a:cs typeface="Courier New" panose="02070309020205020404" pitchFamily="49" charset="0"/>
-              </a:rPr>
-              <a:t> DoH </a:t>
-            </a:r>
-            <a:r>
-              <a:rPr kumimoji="0" lang="fr-FR" altLang="fr-FR" sz="2000" b="0" i="1" u="none" strike="noStrike" cap="none" normalizeH="0" baseline="0" dirty="0" err="1" smtClean="0">
-                <a:ln>
-                  <a:noFill/>
-                </a:ln>
-                <a:solidFill>
-                  <a:schemeClr val="tx1"/>
-                </a:solidFill>
-                <a:effectLst/>
-                <a:latin typeface="Courier New" panose="02070309020205020404" pitchFamily="49" charset="0"/>
-                <a:cs typeface="Courier New" panose="02070309020205020404" pitchFamily="49" charset="0"/>
-              </a:rPr>
-              <a:t>templates</a:t>
-            </a:r>
-            <a:r>
-              <a:rPr kumimoji="0" lang="fr-FR" altLang="fr-FR" sz="2000" b="0" i="1" u="none" strike="noStrike" cap="none" normalizeH="0" baseline="0" dirty="0" smtClean="0">
-                <a:ln>
-                  <a:noFill/>
-                </a:ln>
-                <a:solidFill>
-                  <a:schemeClr val="tx1"/>
-                </a:solidFill>
-                <a:effectLst/>
-                <a:latin typeface="Courier New" panose="02070309020205020404" pitchFamily="49" charset="0"/>
-                <a:cs typeface="Courier New" panose="02070309020205020404" pitchFamily="49" charset="0"/>
-              </a:rPr>
-              <a:t> or DoH </a:t>
-            </a:r>
-            <a:r>
-              <a:rPr kumimoji="0" lang="fr-FR" altLang="fr-FR" sz="2000" b="0" i="1" u="none" strike="noStrike" cap="none" normalizeH="0" baseline="0" dirty="0" err="1" smtClean="0">
-                <a:ln>
-                  <a:noFill/>
-                </a:ln>
-                <a:solidFill>
-                  <a:schemeClr val="tx1"/>
-                </a:solidFill>
-                <a:effectLst/>
-                <a:latin typeface="Courier New" panose="02070309020205020404" pitchFamily="49" charset="0"/>
-                <a:cs typeface="Courier New" panose="02070309020205020404" pitchFamily="49" charset="0"/>
-              </a:rPr>
-              <a:t>resolvers</a:t>
-            </a:r>
-            <a:r>
-              <a:rPr kumimoji="0" lang="fr-FR" altLang="fr-FR" sz="2000" b="0" i="1" u="none" strike="noStrike" cap="none" normalizeH="0" baseline="0" dirty="0" smtClean="0">
-                <a:ln>
-                  <a:noFill/>
-                </a:ln>
-                <a:solidFill>
-                  <a:schemeClr val="tx1"/>
-                </a:solidFill>
-                <a:effectLst/>
-                <a:latin typeface="Courier New" panose="02070309020205020404" pitchFamily="49" charset="0"/>
-                <a:cs typeface="Courier New" panose="02070309020205020404" pitchFamily="49" charset="0"/>
-              </a:rPr>
-              <a:t> </a:t>
-            </a:r>
-            <a:r>
-              <a:rPr kumimoji="0" lang="fr-FR" altLang="fr-FR" sz="2000" b="0" i="1" u="none" strike="noStrike" cap="none" normalizeH="0" baseline="0" dirty="0" err="1" smtClean="0">
-                <a:ln>
-                  <a:noFill/>
-                </a:ln>
-                <a:solidFill>
-                  <a:schemeClr val="tx1"/>
-                </a:solidFill>
-                <a:effectLst/>
-                <a:latin typeface="Courier New" panose="02070309020205020404" pitchFamily="49" charset="0"/>
-                <a:cs typeface="Courier New" panose="02070309020205020404" pitchFamily="49" charset="0"/>
-              </a:rPr>
-              <a:t>that</a:t>
-            </a:r>
-            <a:r>
-              <a:rPr kumimoji="0" lang="fr-FR" altLang="fr-FR" sz="2000" b="0" i="1" u="none" strike="noStrike" cap="none" normalizeH="0" baseline="0" dirty="0" smtClean="0">
-                <a:ln>
-                  <a:noFill/>
-                </a:ln>
-                <a:solidFill>
-                  <a:schemeClr val="tx1"/>
-                </a:solidFill>
-                <a:effectLst/>
-                <a:latin typeface="Courier New" panose="02070309020205020404" pitchFamily="49" charset="0"/>
-                <a:cs typeface="Courier New" panose="02070309020205020404" pitchFamily="49" charset="0"/>
-              </a:rPr>
-              <a:t> the </a:t>
-            </a:r>
-            <a:r>
-              <a:rPr kumimoji="0" lang="fr-FR" altLang="fr-FR" sz="2000" b="0" i="1" u="none" strike="noStrike" cap="none" normalizeH="0" baseline="0" dirty="0" err="1" smtClean="0">
-                <a:ln>
-                  <a:noFill/>
-                </a:ln>
-                <a:solidFill>
-                  <a:schemeClr val="tx1"/>
-                </a:solidFill>
-                <a:effectLst/>
-                <a:latin typeface="Courier New" panose="02070309020205020404" pitchFamily="49" charset="0"/>
-                <a:cs typeface="Courier New" panose="02070309020205020404" pitchFamily="49" charset="0"/>
-              </a:rPr>
-              <a:t>discovered</a:t>
-            </a:r>
-            <a:r>
-              <a:rPr kumimoji="0" lang="fr-FR" altLang="fr-FR" sz="2000" b="0" i="1" u="none" strike="noStrike" cap="none" normalizeH="0" baseline="0" dirty="0" smtClean="0">
-                <a:ln>
-                  <a:noFill/>
-                </a:ln>
-                <a:solidFill>
-                  <a:schemeClr val="tx1"/>
-                </a:solidFill>
-                <a:effectLst/>
-                <a:latin typeface="Courier New" panose="02070309020205020404" pitchFamily="49" charset="0"/>
-                <a:cs typeface="Courier New" panose="02070309020205020404" pitchFamily="49" charset="0"/>
-              </a:rPr>
-              <a:t> </a:t>
-            </a:r>
-            <a:r>
-              <a:rPr kumimoji="0" lang="fr-FR" altLang="fr-FR" sz="2000" b="0" i="1" u="none" strike="noStrike" cap="none" normalizeH="0" baseline="0" dirty="0" err="1" smtClean="0">
-                <a:ln>
-                  <a:noFill/>
-                </a:ln>
-                <a:solidFill>
-                  <a:schemeClr val="tx1"/>
-                </a:solidFill>
-                <a:effectLst/>
-                <a:latin typeface="Courier New" panose="02070309020205020404" pitchFamily="49" charset="0"/>
-                <a:cs typeface="Courier New" panose="02070309020205020404" pitchFamily="49" charset="0"/>
-              </a:rPr>
-              <a:t>resolver</a:t>
-            </a:r>
-            <a:r>
-              <a:rPr kumimoji="0" lang="fr-FR" altLang="fr-FR" sz="2000" b="0" i="1" u="none" strike="noStrike" cap="none" normalizeH="0" baseline="0" dirty="0" smtClean="0">
-                <a:ln>
-                  <a:noFill/>
-                </a:ln>
-                <a:solidFill>
-                  <a:schemeClr val="tx1"/>
-                </a:solidFill>
-                <a:effectLst/>
-                <a:latin typeface="Courier New" panose="02070309020205020404" pitchFamily="49" charset="0"/>
-                <a:cs typeface="Courier New" panose="02070309020205020404" pitchFamily="49" charset="0"/>
-              </a:rPr>
-              <a:t> </a:t>
-            </a:r>
-            <a:r>
-              <a:rPr kumimoji="0" lang="fr-FR" altLang="fr-FR" sz="2000" b="0" i="1" u="none" strike="noStrike" cap="none" normalizeH="0" baseline="0" dirty="0" err="1" smtClean="0">
-                <a:ln>
-                  <a:noFill/>
-                </a:ln>
-                <a:solidFill>
-                  <a:schemeClr val="tx1"/>
-                </a:solidFill>
-                <a:effectLst/>
-                <a:latin typeface="Courier New" panose="02070309020205020404" pitchFamily="49" charset="0"/>
-                <a:cs typeface="Courier New" panose="02070309020205020404" pitchFamily="49" charset="0"/>
-              </a:rPr>
-              <a:t>designates</a:t>
-            </a:r>
-            <a:r>
-              <a:rPr kumimoji="0" lang="fr-FR" altLang="fr-FR" sz="2000" b="0" i="1" u="none" strike="noStrike" cap="none" normalizeH="0" baseline="0" dirty="0" smtClean="0">
-                <a:ln>
-                  <a:noFill/>
-                </a:ln>
-                <a:solidFill>
-                  <a:schemeClr val="tx1"/>
-                </a:solidFill>
-                <a:effectLst/>
-                <a:latin typeface="Courier New" panose="02070309020205020404" pitchFamily="49" charset="0"/>
-                <a:cs typeface="Courier New" panose="02070309020205020404" pitchFamily="49" charset="0"/>
-              </a:rPr>
-              <a:t> </a:t>
-            </a:r>
-            <a:r>
-              <a:rPr kumimoji="0" lang="fr-FR" altLang="fr-FR" sz="2000" b="0" i="1" u="none" strike="noStrike" cap="none" normalizeH="0" baseline="0" dirty="0" err="1" smtClean="0">
-                <a:ln>
-                  <a:noFill/>
-                </a:ln>
-                <a:solidFill>
-                  <a:schemeClr val="tx1"/>
-                </a:solidFill>
-                <a:effectLst/>
-                <a:latin typeface="Courier New" panose="02070309020205020404" pitchFamily="49" charset="0"/>
-                <a:cs typeface="Courier New" panose="02070309020205020404" pitchFamily="49" charset="0"/>
-              </a:rPr>
-              <a:t>using</a:t>
-            </a:r>
-            <a:r>
-              <a:rPr kumimoji="0" lang="fr-FR" altLang="fr-FR" sz="2000" b="0" i="1" u="none" strike="noStrike" cap="none" normalizeH="0" baseline="0" dirty="0" smtClean="0">
-                <a:ln>
-                  <a:noFill/>
-                </a:ln>
-                <a:solidFill>
-                  <a:schemeClr val="tx1"/>
-                </a:solidFill>
-                <a:effectLst/>
-                <a:latin typeface="Courier New" panose="02070309020205020404" pitchFamily="49" charset="0"/>
-                <a:cs typeface="Courier New" panose="02070309020205020404" pitchFamily="49" charset="0"/>
-              </a:rPr>
-              <a:t> DNS SVCB </a:t>
-            </a:r>
-            <a:r>
-              <a:rPr kumimoji="0" lang="fr-FR" altLang="fr-FR" sz="2000" b="0" i="1" u="none" strike="noStrike" cap="none" normalizeH="0" baseline="0" dirty="0" err="1" smtClean="0">
-                <a:ln>
-                  <a:noFill/>
-                </a:ln>
-                <a:solidFill>
-                  <a:schemeClr val="tx1"/>
-                </a:solidFill>
-                <a:effectLst/>
-                <a:latin typeface="Courier New" panose="02070309020205020404" pitchFamily="49" charset="0"/>
-                <a:cs typeface="Courier New" panose="02070309020205020404" pitchFamily="49" charset="0"/>
-              </a:rPr>
-              <a:t>queries</a:t>
-            </a:r>
-            <a:r>
-              <a:rPr kumimoji="0" lang="fr-FR" altLang="fr-FR" sz="2000" b="0" i="1" u="none" strike="noStrike" cap="none" normalizeH="0" baseline="0" dirty="0" smtClean="0">
-                <a:ln>
-                  <a:noFill/>
-                </a:ln>
-                <a:solidFill>
-                  <a:schemeClr val="tx1"/>
-                </a:solidFill>
-                <a:effectLst/>
-                <a:latin typeface="Courier New" panose="02070309020205020404" pitchFamily="49" charset="0"/>
-                <a:cs typeface="Courier New" panose="02070309020205020404" pitchFamily="49" charset="0"/>
-              </a:rPr>
-              <a:t> [</a:t>
-            </a:r>
-            <a:r>
-              <a:rPr kumimoji="0" lang="fr-FR" altLang="fr-FR" sz="2000" b="0" i="1" u="none" strike="noStrike" cap="none" normalizeH="0" baseline="0" dirty="0" smtClean="0">
-                <a:ln>
-                  <a:noFill/>
-                </a:ln>
-                <a:solidFill>
-                  <a:schemeClr val="tx1"/>
-                </a:solidFill>
-                <a:effectLst/>
-                <a:latin typeface="Courier New" panose="02070309020205020404" pitchFamily="49" charset="0"/>
-                <a:cs typeface="Courier New" panose="02070309020205020404" pitchFamily="49" charset="0"/>
-                <a:hlinkClick r:id="rId6"/>
-              </a:rPr>
-              <a:t>I-</a:t>
-            </a:r>
-            <a:r>
-              <a:rPr kumimoji="0" lang="fr-FR" altLang="fr-FR" sz="2000" b="0" i="1" u="none" strike="noStrike" cap="none" normalizeH="0" baseline="0" dirty="0" err="1" smtClean="0">
-                <a:ln>
-                  <a:noFill/>
-                </a:ln>
-                <a:solidFill>
-                  <a:schemeClr val="tx1"/>
-                </a:solidFill>
-                <a:effectLst/>
-                <a:latin typeface="Courier New" panose="02070309020205020404" pitchFamily="49" charset="0"/>
-                <a:cs typeface="Courier New" panose="02070309020205020404" pitchFamily="49" charset="0"/>
-                <a:hlinkClick r:id="rId6"/>
-              </a:rPr>
-              <a:t>D.schwartz</a:t>
-            </a:r>
-            <a:r>
-              <a:rPr kumimoji="0" lang="fr-FR" altLang="fr-FR" sz="2000" b="0" i="1" u="none" strike="noStrike" cap="none" normalizeH="0" baseline="0" dirty="0" smtClean="0">
-                <a:ln>
-                  <a:noFill/>
-                </a:ln>
-                <a:solidFill>
-                  <a:schemeClr val="tx1"/>
-                </a:solidFill>
-                <a:effectLst/>
-                <a:latin typeface="Courier New" panose="02070309020205020404" pitchFamily="49" charset="0"/>
-                <a:cs typeface="Courier New" panose="02070309020205020404" pitchFamily="49" charset="0"/>
-                <a:hlinkClick r:id="rId6"/>
-              </a:rPr>
-              <a:t>-</a:t>
-            </a:r>
-            <a:r>
-              <a:rPr kumimoji="0" lang="fr-FR" altLang="fr-FR" sz="2000" b="0" i="1" u="none" strike="noStrike" cap="none" normalizeH="0" baseline="0" dirty="0" err="1" smtClean="0">
-                <a:ln>
-                  <a:noFill/>
-                </a:ln>
-                <a:solidFill>
-                  <a:schemeClr val="tx1"/>
-                </a:solidFill>
-                <a:effectLst/>
-                <a:latin typeface="Courier New" panose="02070309020205020404" pitchFamily="49" charset="0"/>
-                <a:cs typeface="Courier New" panose="02070309020205020404" pitchFamily="49" charset="0"/>
-                <a:hlinkClick r:id="rId6"/>
-              </a:rPr>
-              <a:t>svcb-dns</a:t>
-            </a:r>
-            <a:r>
-              <a:rPr kumimoji="0" lang="fr-FR" altLang="fr-FR" sz="2000" b="0" i="1" u="none" strike="noStrike" cap="none" normalizeH="0" baseline="0" dirty="0" smtClean="0">
-                <a:ln>
-                  <a:noFill/>
-                </a:ln>
-                <a:solidFill>
-                  <a:schemeClr val="tx1"/>
-                </a:solidFill>
-                <a:effectLst/>
-                <a:latin typeface="Courier New" panose="02070309020205020404" pitchFamily="49" charset="0"/>
-                <a:cs typeface="Courier New" panose="02070309020205020404" pitchFamily="49" charset="0"/>
-              </a:rPr>
-              <a:t>]. The </a:t>
-            </a:r>
-            <a:r>
-              <a:rPr kumimoji="0" lang="fr-FR" altLang="fr-FR" sz="2000" b="0" i="1" u="none" strike="noStrike" cap="none" normalizeH="0" baseline="0" dirty="0" err="1" smtClean="0">
-                <a:ln>
-                  <a:noFill/>
-                </a:ln>
-                <a:solidFill>
-                  <a:schemeClr val="tx1"/>
-                </a:solidFill>
-                <a:effectLst/>
-                <a:latin typeface="Courier New" panose="02070309020205020404" pitchFamily="49" charset="0"/>
-                <a:cs typeface="Courier New" panose="02070309020205020404" pitchFamily="49" charset="0"/>
-              </a:rPr>
-              <a:t>designated</a:t>
-            </a:r>
-            <a:r>
-              <a:rPr kumimoji="0" lang="fr-FR" altLang="fr-FR" sz="2000" b="0" i="1" u="none" strike="noStrike" cap="none" normalizeH="0" baseline="0" dirty="0" smtClean="0">
-                <a:ln>
-                  <a:noFill/>
-                </a:ln>
-                <a:solidFill>
-                  <a:schemeClr val="tx1"/>
-                </a:solidFill>
-                <a:effectLst/>
-                <a:latin typeface="Courier New" panose="02070309020205020404" pitchFamily="49" charset="0"/>
-                <a:cs typeface="Courier New" panose="02070309020205020404" pitchFamily="49" charset="0"/>
-              </a:rPr>
-              <a:t> DoH </a:t>
-            </a:r>
-            <a:r>
-              <a:rPr kumimoji="0" lang="fr-FR" altLang="fr-FR" sz="2000" b="0" i="1" u="none" strike="noStrike" cap="none" normalizeH="0" baseline="0" dirty="0" err="1" smtClean="0">
-                <a:ln>
-                  <a:noFill/>
-                </a:ln>
-                <a:solidFill>
-                  <a:schemeClr val="tx1"/>
-                </a:solidFill>
-                <a:effectLst/>
-                <a:latin typeface="Courier New" panose="02070309020205020404" pitchFamily="49" charset="0"/>
-                <a:cs typeface="Courier New" panose="02070309020205020404" pitchFamily="49" charset="0"/>
-              </a:rPr>
-              <a:t>resolvers</a:t>
-            </a:r>
-            <a:r>
-              <a:rPr kumimoji="0" lang="fr-FR" altLang="fr-FR" sz="2000" b="0" i="1" u="none" strike="noStrike" cap="none" normalizeH="0" baseline="0" dirty="0" smtClean="0">
-                <a:ln>
-                  <a:noFill/>
-                </a:ln>
-                <a:solidFill>
-                  <a:schemeClr val="tx1"/>
-                </a:solidFill>
-                <a:effectLst/>
-                <a:latin typeface="Courier New" panose="02070309020205020404" pitchFamily="49" charset="0"/>
-                <a:cs typeface="Courier New" panose="02070309020205020404" pitchFamily="49" charset="0"/>
-              </a:rPr>
-              <a:t> and DoH </a:t>
-            </a:r>
-            <a:r>
-              <a:rPr kumimoji="0" lang="fr-FR" altLang="fr-FR" sz="2000" b="0" i="1" u="none" strike="noStrike" cap="none" normalizeH="0" baseline="0" dirty="0" err="1" smtClean="0">
-                <a:ln>
-                  <a:noFill/>
-                </a:ln>
-                <a:solidFill>
-                  <a:schemeClr val="tx1"/>
-                </a:solidFill>
-                <a:effectLst/>
-                <a:latin typeface="Courier New" panose="02070309020205020404" pitchFamily="49" charset="0"/>
-                <a:cs typeface="Courier New" panose="02070309020205020404" pitchFamily="49" charset="0"/>
-              </a:rPr>
-              <a:t>resolver</a:t>
-            </a:r>
-            <a:r>
-              <a:rPr kumimoji="0" lang="fr-FR" altLang="fr-FR" sz="2000" b="0" i="1" u="none" strike="noStrike" cap="none" normalizeH="0" baseline="0" dirty="0" smtClean="0">
-                <a:ln>
-                  <a:noFill/>
-                </a:ln>
-                <a:solidFill>
-                  <a:schemeClr val="tx1"/>
-                </a:solidFill>
-                <a:effectLst/>
-                <a:latin typeface="Courier New" panose="02070309020205020404" pitchFamily="49" charset="0"/>
-                <a:cs typeface="Courier New" panose="02070309020205020404" pitchFamily="49" charset="0"/>
-              </a:rPr>
-              <a:t> </a:t>
-            </a:r>
-            <a:r>
-              <a:rPr kumimoji="0" lang="fr-FR" altLang="fr-FR" sz="2000" b="0" i="1" u="none" strike="noStrike" cap="none" normalizeH="0" baseline="0" dirty="0" err="1" smtClean="0">
-                <a:ln>
-                  <a:noFill/>
-                </a:ln>
-                <a:solidFill>
-                  <a:schemeClr val="tx1"/>
-                </a:solidFill>
-                <a:effectLst/>
-                <a:latin typeface="Courier New" panose="02070309020205020404" pitchFamily="49" charset="0"/>
-                <a:cs typeface="Courier New" panose="02070309020205020404" pitchFamily="49" charset="0"/>
-              </a:rPr>
-              <a:t>discovered</a:t>
-            </a:r>
-            <a:r>
-              <a:rPr kumimoji="0" lang="fr-FR" altLang="fr-FR" sz="2000" b="0" i="1" u="none" strike="noStrike" cap="none" normalizeH="0" baseline="0" dirty="0" smtClean="0">
-                <a:ln>
-                  <a:noFill/>
-                </a:ln>
-                <a:solidFill>
-                  <a:schemeClr val="tx1"/>
-                </a:solidFill>
-                <a:effectLst/>
-                <a:latin typeface="Courier New" panose="02070309020205020404" pitchFamily="49" charset="0"/>
-                <a:cs typeface="Courier New" panose="02070309020205020404" pitchFamily="49" charset="0"/>
-              </a:rPr>
-              <a:t> </a:t>
-            </a:r>
-            <a:r>
-              <a:rPr kumimoji="0" lang="fr-FR" altLang="fr-FR" sz="2000" b="0" i="1" u="none" strike="noStrike" cap="none" normalizeH="0" baseline="0" dirty="0" err="1" smtClean="0">
-                <a:ln>
-                  <a:noFill/>
-                </a:ln>
-                <a:solidFill>
-                  <a:schemeClr val="tx1"/>
-                </a:solidFill>
-                <a:effectLst/>
-                <a:latin typeface="Courier New" panose="02070309020205020404" pitchFamily="49" charset="0"/>
-                <a:cs typeface="Courier New" panose="02070309020205020404" pitchFamily="49" charset="0"/>
-              </a:rPr>
-              <a:t>using</a:t>
-            </a:r>
-            <a:r>
-              <a:rPr kumimoji="0" lang="fr-FR" altLang="fr-FR" sz="2000" b="0" i="1" u="none" strike="noStrike" cap="none" normalizeH="0" baseline="0" dirty="0" smtClean="0">
-                <a:ln>
-                  <a:noFill/>
-                </a:ln>
-                <a:solidFill>
-                  <a:schemeClr val="tx1"/>
-                </a:solidFill>
-                <a:effectLst/>
-                <a:latin typeface="Courier New" panose="02070309020205020404" pitchFamily="49" charset="0"/>
-                <a:cs typeface="Courier New" panose="02070309020205020404" pitchFamily="49" charset="0"/>
-              </a:rPr>
-              <a:t> DHCP/RA </a:t>
-            </a:r>
-            <a:r>
-              <a:rPr kumimoji="0" lang="fr-FR" altLang="fr-FR" sz="2000" b="0" i="1" u="none" strike="noStrike" cap="none" normalizeH="0" baseline="0" dirty="0" err="1" smtClean="0">
-                <a:ln>
-                  <a:noFill/>
-                </a:ln>
-                <a:solidFill>
-                  <a:schemeClr val="tx1"/>
-                </a:solidFill>
-                <a:effectLst/>
-                <a:latin typeface="Courier New" panose="02070309020205020404" pitchFamily="49" charset="0"/>
-                <a:cs typeface="Courier New" panose="02070309020205020404" pitchFamily="49" charset="0"/>
-              </a:rPr>
-              <a:t>may</a:t>
-            </a:r>
-            <a:r>
-              <a:rPr kumimoji="0" lang="fr-FR" altLang="fr-FR" sz="2000" b="0" i="1" u="none" strike="noStrike" cap="none" normalizeH="0" baseline="0" dirty="0" smtClean="0">
-                <a:ln>
-                  <a:noFill/>
-                </a:ln>
-                <a:solidFill>
-                  <a:schemeClr val="tx1"/>
-                </a:solidFill>
-                <a:effectLst/>
-                <a:latin typeface="Courier New" panose="02070309020205020404" pitchFamily="49" charset="0"/>
-                <a:cs typeface="Courier New" panose="02070309020205020404" pitchFamily="49" charset="0"/>
-              </a:rPr>
-              <a:t> </a:t>
-            </a:r>
-            <a:r>
-              <a:rPr kumimoji="0" lang="fr-FR" altLang="fr-FR" sz="2000" b="0" i="1" u="none" strike="noStrike" cap="none" normalizeH="0" baseline="0" dirty="0" err="1" smtClean="0">
-                <a:ln>
-                  <a:noFill/>
-                </a:ln>
-                <a:solidFill>
-                  <a:schemeClr val="tx1"/>
-                </a:solidFill>
-                <a:effectLst/>
-                <a:latin typeface="Courier New" panose="02070309020205020404" pitchFamily="49" charset="0"/>
-                <a:cs typeface="Courier New" panose="02070309020205020404" pitchFamily="49" charset="0"/>
-              </a:rPr>
-              <a:t>be</a:t>
-            </a:r>
-            <a:r>
-              <a:rPr kumimoji="0" lang="fr-FR" altLang="fr-FR" sz="2000" b="0" i="1" u="none" strike="noStrike" cap="none" normalizeH="0" baseline="0" dirty="0" smtClean="0">
-                <a:ln>
-                  <a:noFill/>
-                </a:ln>
-                <a:solidFill>
-                  <a:schemeClr val="tx1"/>
-                </a:solidFill>
-                <a:effectLst/>
-                <a:latin typeface="Courier New" panose="02070309020205020404" pitchFamily="49" charset="0"/>
-                <a:cs typeface="Courier New" panose="02070309020205020404" pitchFamily="49" charset="0"/>
-              </a:rPr>
-              <a:t> </a:t>
-            </a:r>
-            <a:r>
-              <a:rPr kumimoji="0" lang="fr-FR" altLang="fr-FR" sz="2000" b="0" i="1" u="none" strike="noStrike" cap="none" normalizeH="0" baseline="0" dirty="0" err="1" smtClean="0">
-                <a:ln>
-                  <a:noFill/>
-                </a:ln>
-                <a:solidFill>
-                  <a:schemeClr val="tx1"/>
-                </a:solidFill>
-                <a:effectLst/>
-                <a:latin typeface="Courier New" panose="02070309020205020404" pitchFamily="49" charset="0"/>
-                <a:cs typeface="Courier New" panose="02070309020205020404" pitchFamily="49" charset="0"/>
-              </a:rPr>
-              <a:t>hosted</a:t>
-            </a:r>
-            <a:r>
-              <a:rPr kumimoji="0" lang="fr-FR" altLang="fr-FR" sz="2000" b="0" i="1" u="none" strike="noStrike" cap="none" normalizeH="0" baseline="0" dirty="0" smtClean="0">
-                <a:ln>
-                  <a:noFill/>
-                </a:ln>
-                <a:solidFill>
-                  <a:schemeClr val="tx1"/>
-                </a:solidFill>
-                <a:effectLst/>
-                <a:latin typeface="Courier New" panose="02070309020205020404" pitchFamily="49" charset="0"/>
-                <a:cs typeface="Courier New" panose="02070309020205020404" pitchFamily="49" charset="0"/>
-              </a:rPr>
-              <a:t> on the </a:t>
-            </a:r>
-            <a:r>
-              <a:rPr kumimoji="0" lang="fr-FR" altLang="fr-FR" sz="2000" b="0" i="1" u="none" strike="noStrike" cap="none" normalizeH="0" baseline="0" dirty="0" err="1" smtClean="0">
-                <a:ln>
-                  <a:noFill/>
-                </a:ln>
-                <a:solidFill>
-                  <a:schemeClr val="tx1"/>
-                </a:solidFill>
-                <a:effectLst/>
-                <a:latin typeface="Courier New" panose="02070309020205020404" pitchFamily="49" charset="0"/>
-                <a:cs typeface="Courier New" panose="02070309020205020404" pitchFamily="49" charset="0"/>
-              </a:rPr>
-              <a:t>same</a:t>
-            </a:r>
-            <a:r>
-              <a:rPr kumimoji="0" lang="fr-FR" altLang="fr-FR" sz="2000" b="0" i="1" u="none" strike="noStrike" cap="none" normalizeH="0" baseline="0" dirty="0" smtClean="0">
-                <a:ln>
-                  <a:noFill/>
-                </a:ln>
-                <a:solidFill>
-                  <a:schemeClr val="tx1"/>
-                </a:solidFill>
-                <a:effectLst/>
-                <a:latin typeface="Courier New" panose="02070309020205020404" pitchFamily="49" charset="0"/>
-                <a:cs typeface="Courier New" panose="02070309020205020404" pitchFamily="49" charset="0"/>
-              </a:rPr>
-              <a:t> or distinct IP </a:t>
-            </a:r>
-            <a:r>
-              <a:rPr kumimoji="0" lang="fr-FR" altLang="fr-FR" sz="2000" b="0" i="1" u="none" strike="noStrike" cap="none" normalizeH="0" baseline="0" dirty="0" err="1" smtClean="0">
-                <a:ln>
-                  <a:noFill/>
-                </a:ln>
-                <a:solidFill>
-                  <a:schemeClr val="tx1"/>
-                </a:solidFill>
-                <a:effectLst/>
-                <a:latin typeface="Courier New" panose="02070309020205020404" pitchFamily="49" charset="0"/>
-                <a:cs typeface="Courier New" panose="02070309020205020404" pitchFamily="49" charset="0"/>
-              </a:rPr>
-              <a:t>addresses</a:t>
-            </a:r>
-            <a:r>
-              <a:rPr kumimoji="0" lang="fr-FR" altLang="fr-FR" sz="2000" b="0" i="1" u="none" strike="noStrike" cap="none" normalizeH="0" baseline="0" dirty="0" smtClean="0">
-                <a:ln>
-                  <a:noFill/>
-                </a:ln>
-                <a:solidFill>
-                  <a:schemeClr val="tx1"/>
-                </a:solidFill>
-                <a:effectLst/>
-                <a:latin typeface="Courier New" panose="02070309020205020404" pitchFamily="49" charset="0"/>
-                <a:cs typeface="Courier New" panose="02070309020205020404" pitchFamily="49" charset="0"/>
-              </a:rPr>
-              <a:t>."</a:t>
-            </a:r>
-            <a:endParaRPr kumimoji="0" lang="fr-FR" altLang="fr-FR" sz="4400" b="0" i="1" u="none" strike="noStrike" cap="none" normalizeH="0" baseline="0" dirty="0" smtClean="0">
-              <a:ln>
-                <a:noFill/>
-              </a:ln>
-              <a:solidFill>
-                <a:schemeClr val="tx1"/>
-              </a:solidFill>
-              <a:effectLst/>
-              <a:latin typeface="Courier New" panose="02070309020205020404" pitchFamily="49" charset="0"/>
-              <a:cs typeface="Courier New" panose="02070309020205020404" pitchFamily="49" charset="0"/>
-            </a:endParaRPr>
+            <a:endParaRPr lang="en-US" dirty="0" smtClean="0"/>
+          </a:p>
+          <a:p>
+            <a:endParaRPr lang="en-US" b="1" i="1" dirty="0" smtClean="0"/>
+          </a:p>
+          <a:p>
+            <a:endParaRPr lang="en-US" b="1" i="1" dirty="0" smtClean="0"/>
           </a:p>
         </p:txBody>
       </p:sp>
     </p:spTree>
     <p:extLst>
       <p:ext uri="{BB962C8B-B14F-4D97-AF65-F5344CB8AC3E}">
-        <p14:creationId xmlns:p14="http://schemas.microsoft.com/office/powerpoint/2010/main" val="1127209911"/>
+        <p14:creationId xmlns:p14="http://schemas.microsoft.com/office/powerpoint/2010/main" val="325234136"/>
       </p:ext>
     </p:extLst>
   </p:cSld>
@@ -6720,42 +7369,31 @@
             <p:ph type="title"/>
           </p:nvPr>
         </p:nvSpPr>
-        <p:spPr/>
+        <p:spPr>
+          <a:xfrm>
+            <a:off x="457200" y="274638"/>
+            <a:ext cx="8435280" cy="1143000"/>
+          </a:xfrm>
+        </p:spPr>
         <p:txBody>
           <a:bodyPr>
-            <a:normAutofit fontScale="90000"/>
+            <a:noAutofit/>
           </a:bodyPr>
           <a:lstStyle/>
           <a:p>
             <a:r>
-              <a:rPr lang="fr-FR" dirty="0" smtClean="0"/>
-              <a:t>Issue #1: </a:t>
-            </a:r>
-            <a:r>
-              <a:rPr lang="fr-FR" dirty="0" err="1" smtClean="0"/>
-              <a:t>Why</a:t>
-            </a:r>
-            <a:r>
-              <a:rPr lang="fr-FR" dirty="0" smtClean="0"/>
-              <a:t> </a:t>
-            </a:r>
-            <a:r>
-              <a:rPr lang="fr-FR" dirty="0" err="1" smtClean="0"/>
-              <a:t>Defining</a:t>
-            </a:r>
-            <a:r>
-              <a:rPr lang="fr-FR" dirty="0" smtClean="0"/>
-              <a:t> </a:t>
-            </a:r>
-            <a:r>
-              <a:rPr lang="fr-FR" dirty="0" err="1" smtClean="0"/>
-              <a:t>Two</a:t>
-            </a:r>
-            <a:r>
-              <a:rPr lang="fr-FR" dirty="0" smtClean="0"/>
-              <a:t> Options? </a:t>
-            </a:r>
-            <a:endParaRPr lang="fr-FR" dirty="0"/>
+              <a:rPr lang="en-US" dirty="0" smtClean="0"/>
+              <a:t>Issue: DNR </a:t>
+            </a:r>
+            <a:r>
+              <a:rPr lang="en-US" dirty="0" smtClean="0"/>
+              <a:t>Options Should be Isomorphic to DDR </a:t>
+            </a:r>
+            <a:r>
+              <a:rPr lang="en-US" dirty="0" smtClean="0"/>
+              <a:t>Information</a:t>
+            </a:r>
+            <a:endParaRPr lang="en-US" dirty="0"/>
           </a:p>
         </p:txBody>
       </p:sp>
@@ -6769,145 +7407,65 @@
             <p:ph idx="1"/>
           </p:nvPr>
         </p:nvSpPr>
-        <p:spPr/>
+        <p:spPr>
+          <a:xfrm>
+            <a:off x="457200" y="1855365"/>
+            <a:ext cx="8229600" cy="4525963"/>
+          </a:xfrm>
+        </p:spPr>
         <p:txBody>
           <a:bodyPr>
-            <a:normAutofit fontScale="85000" lnSpcReduction="20000"/>
+            <a:normAutofit/>
           </a:bodyPr>
           <a:lstStyle/>
           <a:p>
             <a:r>
               <a:rPr lang="en-US" dirty="0" smtClean="0"/>
-              <a:t>The initial design in 05/20 proposed </a:t>
-            </a:r>
-            <a:r>
-              <a:rPr lang="en-US" b="1" i="1" dirty="0" smtClean="0"/>
-              <a:t>the ADN option only</a:t>
+              <a:t>What </a:t>
             </a:r>
             <a:r>
               <a:rPr lang="en-US" dirty="0" smtClean="0"/>
-              <a:t> whil</a:t>
-            </a:r>
+              <a:t>additional information do we need to  convey in the options? </a:t>
+            </a:r>
+          </a:p>
+          <a:p>
+            <a:pPr lvl="1"/>
             <a:r>
               <a:rPr lang="en-US" dirty="0" smtClean="0"/>
-              <a:t>e the address is conveyed in the legacy Do53 @ List</a:t>
-            </a:r>
-          </a:p>
-          <a:p>
+              <a:t>URI </a:t>
+            </a:r>
+            <a:r>
+              <a:rPr lang="en-US" dirty="0" smtClean="0"/>
+              <a:t>Templates</a:t>
+            </a:r>
+            <a:r>
+              <a:rPr lang="en-US" dirty="0" smtClean="0"/>
+              <a:t>?</a:t>
+            </a:r>
+          </a:p>
+          <a:p>
+            <a:pPr lvl="1"/>
+            <a:r>
+              <a:rPr lang="en-US" dirty="0" smtClean="0"/>
+              <a:t>Other information?</a:t>
+            </a:r>
             <a:endParaRPr lang="en-US" dirty="0" smtClean="0"/>
           </a:p>
           <a:p>
-            <a:r>
-              <a:rPr lang="en-US" dirty="0" smtClean="0"/>
-              <a:t>That design was abandoned because it was suboptimal:</a:t>
-            </a:r>
-            <a:endParaRPr lang="en-US" b="1" i="1" dirty="0" smtClean="0">
-              <a:solidFill>
-                <a:srgbClr val="00B0F0"/>
-              </a:solidFill>
-            </a:endParaRPr>
-          </a:p>
-          <a:p>
-            <a:pPr lvl="1"/>
-            <a:r>
-              <a:rPr lang="en-US" dirty="0" smtClean="0"/>
-              <a:t>It requires </a:t>
-            </a:r>
-            <a:r>
-              <a:rPr lang="en-US" b="1" i="1" dirty="0">
-                <a:solidFill>
-                  <a:srgbClr val="00B0F0"/>
-                </a:solidFill>
-              </a:rPr>
-              <a:t>probing</a:t>
-            </a:r>
-            <a:r>
-              <a:rPr lang="en-US" dirty="0"/>
-              <a:t> </a:t>
-            </a:r>
-            <a:r>
-              <a:rPr lang="en-US" dirty="0" smtClean="0"/>
-              <a:t>if </a:t>
-            </a:r>
-            <a:r>
-              <a:rPr lang="en-US" dirty="0" smtClean="0"/>
-              <a:t>the designated encrypted DNS services are not available on the same IP address(</a:t>
-            </a:r>
-            <a:r>
-              <a:rPr lang="en-US" dirty="0" err="1" smtClean="0"/>
-              <a:t>es</a:t>
-            </a:r>
-            <a:r>
-              <a:rPr lang="en-US" dirty="0" smtClean="0"/>
-              <a:t>)</a:t>
-            </a:r>
-          </a:p>
-          <a:p>
-            <a:pPr lvl="1"/>
-            <a:r>
-              <a:rPr lang="en-US" dirty="0" smtClean="0"/>
-              <a:t>It requires </a:t>
-            </a:r>
-            <a:r>
-              <a:rPr lang="en-US" b="1" i="1" dirty="0" smtClean="0">
-                <a:solidFill>
-                  <a:srgbClr val="00B0F0"/>
-                </a:solidFill>
-              </a:rPr>
-              <a:t>falling back to Do53 </a:t>
-            </a:r>
-            <a:r>
-              <a:rPr lang="en-US" dirty="0" smtClean="0"/>
-              <a:t>to discover the IP addresses and the alternate port number</a:t>
-            </a:r>
-          </a:p>
-          <a:p>
-            <a:pPr lvl="1"/>
-            <a:r>
-              <a:rPr lang="en-US" dirty="0"/>
-              <a:t>It does </a:t>
-            </a:r>
-            <a:r>
-              <a:rPr lang="en-US" b="1" i="1" dirty="0">
-                <a:solidFill>
-                  <a:srgbClr val="00B0F0"/>
-                </a:solidFill>
-              </a:rPr>
-              <a:t>not meet the updated design requirements</a:t>
-            </a:r>
-            <a:r>
-              <a:rPr lang="en-US" dirty="0"/>
-              <a:t>: Alternate port number can’t be </a:t>
-            </a:r>
-            <a:r>
-              <a:rPr lang="en-US" dirty="0" smtClean="0"/>
-              <a:t>discovered</a:t>
-            </a:r>
-          </a:p>
-          <a:p>
-            <a:pPr marL="457200" lvl="1" indent="0">
-              <a:buNone/>
-            </a:pPr>
             <a:endParaRPr lang="en-US" dirty="0" smtClean="0"/>
           </a:p>
           <a:p>
-            <a:pPr marL="457200" lvl="1" indent="0">
-              <a:buNone/>
-            </a:pPr>
             <a:endParaRPr lang="en-US" dirty="0" smtClean="0"/>
           </a:p>
           <a:p>
-            <a:endParaRPr lang="en-US" b="1" i="1" dirty="0" smtClean="0"/>
-          </a:p>
-          <a:p>
-            <a:endParaRPr lang="en-US" b="1" i="1" dirty="0" smtClean="0"/>
+            <a:endParaRPr lang="en-US" dirty="0"/>
           </a:p>
         </p:txBody>
       </p:sp>
     </p:spTree>
     <p:extLst>
       <p:ext uri="{BB962C8B-B14F-4D97-AF65-F5344CB8AC3E}">
-        <p14:creationId xmlns:p14="http://schemas.microsoft.com/office/powerpoint/2010/main" val="2572820624"/>
+        <p14:creationId xmlns:p14="http://schemas.microsoft.com/office/powerpoint/2010/main" val="2340207654"/>
       </p:ext>
     </p:extLst>
   </p:cSld>
@@ -6951,22 +7509,29 @@
             <p:ph type="title"/>
           </p:nvPr>
         </p:nvSpPr>
-        <p:spPr/>
-        <p:txBody>
-          <a:bodyPr/>
+        <p:spPr>
+          <a:xfrm>
+            <a:off x="107504" y="274638"/>
+            <a:ext cx="8784976" cy="1143000"/>
+          </a:xfrm>
+        </p:spPr>
+        <p:txBody>
+          <a:bodyPr>
+            <a:normAutofit/>
+          </a:bodyPr>
           <a:lstStyle/>
           <a:p>
             <a:r>
+              <a:rPr lang="fr-FR" dirty="0" smtClean="0"/>
+              <a:t>Issue: URI </a:t>
+            </a:r>
+            <a:r>
               <a:rPr lang="en-US" dirty="0" smtClean="0"/>
-              <a:t>Issue</a:t>
-            </a:r>
-            <a:r>
-              <a:rPr lang="en-US" dirty="0" smtClean="0"/>
-              <a:t> #2: </a:t>
-            </a:r>
-            <a:r>
-              <a:rPr lang="en-US" dirty="0" smtClean="0"/>
-              <a:t>No @List is Returned</a:t>
+              <a:t>Templates</a:t>
+            </a:r>
+            <a:r>
+              <a:rPr lang="fr-FR" dirty="0" smtClean="0"/>
+              <a:t> in RA/DHCP?</a:t>
             </a:r>
             <a:endParaRPr lang="en-US" dirty="0"/>
           </a:p>
@@ -6982,219 +7547,10 @@
             <p:ph idx="1"/>
           </p:nvPr>
         </p:nvSpPr>
-        <p:spPr/>
-        <p:txBody>
-          <a:bodyPr/>
-          <a:lstStyle/>
-          <a:p>
-            <a:r>
-              <a:rPr lang="en-US" dirty="0" smtClean="0"/>
-              <a:t>If the client receives a Do53 @List and an ADN, should the client use that list to resolve the ADN or should that list be assumed as </a:t>
-            </a:r>
-            <a:r>
-              <a:rPr lang="en-US" dirty="0"/>
-              <a:t>locators </a:t>
-            </a:r>
-            <a:r>
-              <a:rPr lang="en-US" dirty="0" smtClean="0"/>
-              <a:t>to reach encrypted DNS servers? </a:t>
-            </a:r>
-          </a:p>
-        </p:txBody>
-      </p:sp>
-      <p:sp>
-        <p:nvSpPr>
-          <p:cNvPr id="4" name="Rectangle 3"/>
-          <p:cNvSpPr/>
-          <p:nvPr/>
-        </p:nvSpPr>
         <p:spPr>
           <a:xfrm>
-            <a:off x="255929" y="5157192"/>
-            <a:ext cx="8424936" cy="1678047"/>
-          </a:xfrm>
-          <a:prstGeom prst="rect">
-            <a:avLst/>
-          </a:prstGeom>
-          <a:solidFill>
-            <a:srgbClr val="92D050"/>
-          </a:solidFill>
-          <a:ln>
-            <a:solidFill>
-              <a:schemeClr val="bg1"/>
-            </a:solidFill>
-          </a:ln>
-        </p:spPr>
-        <p:style>
-          <a:lnRef idx="2">
-            <a:schemeClr val="accent1">
-              <a:shade val="50000"/>
-            </a:schemeClr>
-          </a:lnRef>
-          <a:fillRef idx="1">
-            <a:schemeClr val="accent1"/>
-          </a:fillRef>
-          <a:effectRef idx="0">
-            <a:schemeClr val="accent1"/>
-          </a:effectRef>
-          <a:fontRef idx="minor">
-            <a:schemeClr val="lt1"/>
-          </a:fontRef>
-        </p:style>
-        <p:txBody>
-          <a:bodyPr rtlCol="0" anchor="ctr"/>
-          <a:lstStyle/>
-          <a:p>
-            <a:r>
-              <a:rPr lang="en-US" sz="2000" b="1" dirty="0" smtClean="0">
-                <a:solidFill>
-                  <a:schemeClr val="tx1"/>
-                </a:solidFill>
-              </a:rPr>
-              <a:t>Suggestion</a:t>
-            </a:r>
-            <a:r>
-              <a:rPr lang="en-US" sz="2000" dirty="0" smtClean="0">
-                <a:solidFill>
-                  <a:schemeClr val="tx1"/>
-                </a:solidFill>
-              </a:rPr>
-              <a:t>:</a:t>
-            </a:r>
-          </a:p>
-          <a:p>
-            <a:pPr marL="285750" indent="-285750">
-              <a:buFont typeface="Arial" panose="020B0604020202020204" pitchFamily="34" charset="0"/>
-              <a:buChar char="•"/>
-            </a:pPr>
-            <a:r>
-              <a:rPr lang="en-US" sz="2000" dirty="0" smtClean="0">
-                <a:solidFill>
-                  <a:schemeClr val="tx1"/>
-                </a:solidFill>
-              </a:rPr>
-              <a:t>Recommend to always return a list of @</a:t>
-            </a:r>
-            <a:r>
-              <a:rPr lang="en-US" sz="2000" dirty="0" err="1" smtClean="0">
-                <a:solidFill>
-                  <a:schemeClr val="tx1"/>
-                </a:solidFill>
-              </a:rPr>
-              <a:t>es</a:t>
-            </a:r>
-            <a:r>
-              <a:rPr lang="en-US" sz="2000" dirty="0" smtClean="0">
-                <a:solidFill>
-                  <a:schemeClr val="tx1"/>
-                </a:solidFill>
-              </a:rPr>
-              <a:t>, unless Do53 and encrypted DNS terminate on the same @</a:t>
-            </a:r>
-            <a:r>
-              <a:rPr lang="en-US" sz="2000" dirty="0" err="1" smtClean="0">
-                <a:solidFill>
-                  <a:schemeClr val="tx1"/>
-                </a:solidFill>
-              </a:rPr>
-              <a:t>es</a:t>
-            </a:r>
-            <a:endParaRPr lang="en-US" sz="2000" dirty="0" smtClean="0">
-              <a:solidFill>
-                <a:schemeClr val="tx1"/>
-              </a:solidFill>
-            </a:endParaRPr>
-          </a:p>
-          <a:p>
-            <a:r>
-              <a:rPr lang="en-US" sz="2000" b="1" dirty="0" smtClean="0">
-                <a:solidFill>
-                  <a:schemeClr val="tx1"/>
-                </a:solidFill>
-              </a:rPr>
-              <a:t>Motivation</a:t>
-            </a:r>
-            <a:r>
-              <a:rPr lang="en-US" sz="2000" dirty="0" smtClean="0">
-                <a:solidFill>
-                  <a:schemeClr val="tx1"/>
-                </a:solidFill>
-              </a:rPr>
-              <a:t>:</a:t>
-            </a:r>
-          </a:p>
-          <a:p>
-            <a:pPr marL="285750" indent="-285750">
-              <a:buFont typeface="Arial" panose="020B0604020202020204" pitchFamily="34" charset="0"/>
-              <a:buChar char="•"/>
-            </a:pPr>
-            <a:r>
-              <a:rPr lang="en-US" sz="2000" dirty="0" smtClean="0">
-                <a:solidFill>
-                  <a:schemeClr val="tx1"/>
-                </a:solidFill>
-              </a:rPr>
-              <a:t>Optimize the message size</a:t>
-            </a:r>
-            <a:endParaRPr lang="en-US" sz="2000" dirty="0">
-              <a:solidFill>
-                <a:schemeClr val="tx1"/>
-              </a:solidFill>
-            </a:endParaRPr>
-          </a:p>
-        </p:txBody>
-      </p:sp>
-    </p:spTree>
-    <p:extLst>
-      <p:ext uri="{BB962C8B-B14F-4D97-AF65-F5344CB8AC3E}">
-        <p14:creationId xmlns:p14="http://schemas.microsoft.com/office/powerpoint/2010/main" val="2374649975"/>
-      </p:ext>
-    </p:extLst>
-  </p:cSld>
-  <p:clrMapOvr>
-    <a:masterClrMapping/>
-  </p:clrMapOvr>
-  <p:timing>
-    <p:tnLst>
-      <p:par>
-        <p:cTn id="1" dur="indefinite" restart="never" nodeType="tmRoot"/>
-      </p:par>
-    </p:tnLst>
-  </p:timing>
-</p:sld>
-</file>
-
-<file path=ppt/slides/slide8.xml><?xml version="1.0" encoding="utf-8"?>
-<p:sld xmlns:a="http://schemas.openxmlformats.org/drawingml/2006/main" xmlns:r="http://schemas.openxmlformats.org/officeDocument/2006/relationships" xmlns:p="http://schemas.openxmlformats.org/presentationml/2006/main">
-  <p:cSld>
-    <p:spTree>
-      <p:nvGrpSpPr>
-        <p:cNvPr id="1" name=""/>
-        <p:cNvGrpSpPr/>
-        <p:nvPr/>
-      </p:nvGrpSpPr>
-      <p:grpSpPr>
-        <a:xfrm>
-          <a:off x="0" y="0"/>
-          <a:ext cx="0" cy="0"/>
-          <a:chOff x="0" y="0"/>
-          <a:chExt cx="0" cy="0"/>
-        </a:xfrm>
-      </p:grpSpPr>
-      <p:sp>
-        <p:nvSpPr>
-          <p:cNvPr id="2" name="Titre 1"/>
-          <p:cNvSpPr>
-            <a:spLocks noGrp="1"/>
-          </p:cNvSpPr>
-          <p:nvPr>
-            <p:ph type="title"/>
-          </p:nvPr>
-        </p:nvSpPr>
-        <p:spPr>
-          <a:xfrm>
-            <a:off x="457200" y="274638"/>
-            <a:ext cx="8435280" cy="1143000"/>
+            <a:off x="59195" y="1196752"/>
+            <a:ext cx="5893671" cy="4680520"/>
           </a:xfrm>
         </p:spPr>
         <p:txBody>
@@ -7204,382 +7560,225 @@
           <a:lstStyle/>
           <a:p>
             <a:r>
-              <a:rPr lang="en-US" dirty="0" smtClean="0"/>
-              <a:t>Issue #3: DNR Options Should be Isomorphic to DDR Information?</a:t>
-            </a:r>
-            <a:endParaRPr lang="en-US" dirty="0"/>
-          </a:p>
-        </p:txBody>
-      </p:sp>
-      <p:sp>
-        <p:nvSpPr>
-          <p:cNvPr id="3" name="Espace réservé du contenu 2"/>
-          <p:cNvSpPr>
-            <a:spLocks noGrp="1"/>
-          </p:cNvSpPr>
-          <p:nvPr>
-            <p:ph idx="1"/>
-          </p:nvPr>
-        </p:nvSpPr>
-        <p:spPr/>
-        <p:txBody>
-          <a:bodyPr>
-            <a:normAutofit lnSpcReduction="10000"/>
-          </a:bodyPr>
-          <a:lstStyle/>
-          <a:p>
-            <a:r>
-              <a:rPr lang="en-US" dirty="0" smtClean="0"/>
-              <a:t>Authenticated DDR mode requires an ADN to be discovered and a Locator where to reach the designated resolver</a:t>
+              <a:rPr lang="en-US" sz="2400" dirty="0" smtClean="0"/>
+              <a:t>Why? </a:t>
             </a:r>
           </a:p>
           <a:p>
             <a:pPr lvl="1"/>
             <a:r>
-              <a:rPr lang="en-US" dirty="0" smtClean="0"/>
-              <a:t>Designated servers may not run on the same IP@ and non-default port numbers may be used</a:t>
-            </a:r>
-          </a:p>
-          <a:p>
-            <a:endParaRPr lang="en-US" dirty="0" smtClean="0"/>
-          </a:p>
-          <a:p>
-            <a:r>
-              <a:rPr lang="en-US" dirty="0" smtClean="0"/>
-              <a:t>What additional information do we need to  convey in the options? </a:t>
+              <a:rPr lang="en-US" sz="1800" dirty="0" smtClean="0"/>
+              <a:t>Provide a customized DNS configuration within </a:t>
+            </a:r>
+            <a:r>
+              <a:rPr lang="en-US" sz="1800" dirty="0" smtClean="0"/>
+              <a:t/>
+            </a:r>
+            <a:br>
+              <a:rPr lang="en-US" sz="1800" dirty="0" smtClean="0"/>
+            </a:br>
+            <a:r>
+              <a:rPr lang="en-US" sz="1800" dirty="0" smtClean="0"/>
+              <a:t>a </a:t>
+            </a:r>
+            <a:r>
+              <a:rPr lang="en-US" sz="1800" dirty="0" smtClean="0"/>
+              <a:t>local network</a:t>
+            </a:r>
+          </a:p>
+          <a:p>
+            <a:r>
+              <a:rPr lang="en-US" sz="2400" dirty="0" smtClean="0"/>
+              <a:t>There are trade-offs </a:t>
             </a:r>
           </a:p>
           <a:p>
             <a:pPr lvl="1"/>
             <a:r>
-              <a:rPr lang="en-US" dirty="0" smtClean="0"/>
-              <a:t>URI Templates?</a:t>
-            </a:r>
-          </a:p>
-          <a:p>
-            <a:endParaRPr lang="en-US" dirty="0" smtClean="0"/>
-          </a:p>
-          <a:p>
-            <a:endParaRPr lang="en-US" dirty="0" smtClean="0"/>
-          </a:p>
-          <a:p>
-            <a:endParaRPr lang="en-US" dirty="0"/>
-          </a:p>
-        </p:txBody>
-      </p:sp>
-    </p:spTree>
-    <p:extLst>
-      <p:ext uri="{BB962C8B-B14F-4D97-AF65-F5344CB8AC3E}">
-        <p14:creationId xmlns:p14="http://schemas.microsoft.com/office/powerpoint/2010/main" val="2340207654"/>
-      </p:ext>
-    </p:extLst>
-  </p:cSld>
-  <p:clrMapOvr>
-    <a:masterClrMapping/>
-  </p:clrMapOvr>
-  <p:timing>
-    <p:tnLst>
-      <p:par>
-        <p:cTn id="1" dur="indefinite" restart="never" nodeType="tmRoot"/>
-      </p:par>
-    </p:tnLst>
-  </p:timing>
-</p:sld>
-</file>
-
-<file path=ppt/slides/slide9.xml><?xml version="1.0" encoding="utf-8"?>
-<p:sld xmlns:a="http://schemas.openxmlformats.org/drawingml/2006/main" xmlns:r="http://schemas.openxmlformats.org/officeDocument/2006/relationships" xmlns:p="http://schemas.openxmlformats.org/presentationml/2006/main">
-  <p:cSld>
-    <p:spTree>
-      <p:nvGrpSpPr>
-        <p:cNvPr id="1" name=""/>
-        <p:cNvGrpSpPr/>
-        <p:nvPr/>
-      </p:nvGrpSpPr>
-      <p:grpSpPr>
-        <a:xfrm>
-          <a:off x="0" y="0"/>
-          <a:ext cx="0" cy="0"/>
-          <a:chOff x="0" y="0"/>
-          <a:chExt cx="0" cy="0"/>
-        </a:xfrm>
-      </p:grpSpPr>
-      <p:sp>
-        <p:nvSpPr>
-          <p:cNvPr id="2" name="Titre 1"/>
-          <p:cNvSpPr>
-            <a:spLocks noGrp="1"/>
-          </p:cNvSpPr>
-          <p:nvPr>
-            <p:ph type="title"/>
-          </p:nvPr>
-        </p:nvSpPr>
-        <p:spPr>
-          <a:xfrm>
-            <a:off x="107504" y="274638"/>
-            <a:ext cx="8784976" cy="1143000"/>
-          </a:xfrm>
-        </p:spPr>
-        <p:txBody>
-          <a:bodyPr>
-            <a:normAutofit/>
-          </a:bodyPr>
-          <a:lstStyle/>
-          <a:p>
-            <a:r>
-              <a:rPr lang="fr-FR" dirty="0" smtClean="0"/>
-              <a:t>Issue #4: </a:t>
-            </a:r>
-            <a:r>
-              <a:rPr lang="fr-FR" dirty="0" smtClean="0"/>
-              <a:t>URI </a:t>
-            </a:r>
-            <a:r>
-              <a:rPr lang="en-US" dirty="0" smtClean="0"/>
-              <a:t>Templates</a:t>
-            </a:r>
-            <a:r>
-              <a:rPr lang="fr-FR" dirty="0" smtClean="0"/>
-              <a:t> in RA/DHCP?</a:t>
-            </a:r>
-            <a:endParaRPr lang="en-US" dirty="0"/>
-          </a:p>
-        </p:txBody>
-      </p:sp>
-      <p:sp>
-        <p:nvSpPr>
-          <p:cNvPr id="3" name="Espace réservé du contenu 2"/>
-          <p:cNvSpPr>
-            <a:spLocks noGrp="1"/>
-          </p:cNvSpPr>
-          <p:nvPr>
-            <p:ph idx="1"/>
-          </p:nvPr>
-        </p:nvSpPr>
-        <p:spPr>
-          <a:xfrm>
-            <a:off x="59195" y="1124744"/>
-            <a:ext cx="5500807" cy="4680520"/>
-          </a:xfrm>
-        </p:spPr>
-        <p:txBody>
-          <a:bodyPr>
-            <a:noAutofit/>
-          </a:bodyPr>
-          <a:lstStyle/>
-          <a:p>
-            <a:r>
               <a:rPr lang="en-US" sz="2000" dirty="0" smtClean="0"/>
-              <a:t>Why? </a:t>
+              <a:t>Some issues</a:t>
+            </a:r>
+          </a:p>
+          <a:p>
+            <a:pPr lvl="2"/>
+            <a:r>
+              <a:rPr lang="en-US" sz="1600" dirty="0" smtClean="0"/>
+              <a:t>May </a:t>
+            </a:r>
+            <a:r>
+              <a:rPr lang="en-US" sz="1600" b="1" i="1" dirty="0" smtClean="0">
+                <a:solidFill>
+                  <a:srgbClr val="00B0F0"/>
+                </a:solidFill>
+              </a:rPr>
+              <a:t>increase the size </a:t>
+            </a:r>
+            <a:r>
+              <a:rPr lang="en-US" sz="1600" dirty="0" smtClean="0"/>
+              <a:t>of RA/DHCP messages</a:t>
             </a:r>
           </a:p>
           <a:p>
             <a:pPr lvl="1"/>
             <a:r>
+              <a:rPr lang="en-US" sz="2000" dirty="0" smtClean="0"/>
+              <a:t>Some advantages</a:t>
+            </a:r>
+          </a:p>
+          <a:p>
+            <a:pPr lvl="2"/>
+            <a:r>
               <a:rPr lang="en-US" sz="1600" dirty="0" smtClean="0"/>
-              <a:t>Provide a customized DNS configuration within a local network</a:t>
-            </a:r>
-          </a:p>
-          <a:p>
-            <a:r>
-              <a:rPr lang="en-US" sz="2000" dirty="0" smtClean="0"/>
-              <a:t>There are trade-offs </a:t>
-            </a:r>
-          </a:p>
-          <a:p>
-            <a:pPr lvl="1"/>
-            <a:r>
-              <a:rPr lang="en-US" sz="1800" dirty="0" smtClean="0"/>
-              <a:t>Some issues</a:t>
+              <a:t>Clients </a:t>
+            </a:r>
+            <a:r>
+              <a:rPr lang="en-US" sz="1600" dirty="0" smtClean="0"/>
+              <a:t>can </a:t>
+            </a:r>
+            <a:r>
+              <a:rPr lang="en-US" sz="1600" b="1" i="1" dirty="0" smtClean="0">
+                <a:solidFill>
+                  <a:srgbClr val="00B0F0"/>
+                </a:solidFill>
+              </a:rPr>
+              <a:t>immediately use</a:t>
+            </a:r>
+            <a:r>
+              <a:rPr lang="en-US" sz="1600" dirty="0" smtClean="0">
+                <a:solidFill>
+                  <a:srgbClr val="00B0F0"/>
+                </a:solidFill>
+              </a:rPr>
+              <a:t> </a:t>
+            </a:r>
+            <a:r>
+              <a:rPr lang="en-US" sz="1600" dirty="0" smtClean="0"/>
+              <a:t>the service(s); no </a:t>
+            </a:r>
+            <a:r>
+              <a:rPr lang="en-US" sz="1600" dirty="0" smtClean="0"/>
+              <a:t/>
+            </a:r>
+            <a:br>
+              <a:rPr lang="en-US" sz="1600" dirty="0" smtClean="0"/>
+            </a:br>
+            <a:r>
+              <a:rPr lang="en-US" sz="1600" dirty="0" smtClean="0"/>
+              <a:t>need </a:t>
+            </a:r>
+            <a:r>
+              <a:rPr lang="en-US" sz="1600" dirty="0" smtClean="0"/>
+              <a:t>for </a:t>
+            </a:r>
+            <a:r>
+              <a:rPr lang="en-US" sz="1600" dirty="0" smtClean="0"/>
+              <a:t>extra </a:t>
+            </a:r>
+            <a:r>
+              <a:rPr lang="en-US" sz="1600" dirty="0" smtClean="0"/>
+              <a:t>queries to retrieve the URIs</a:t>
             </a:r>
           </a:p>
           <a:p>
             <a:pPr lvl="2"/>
             <a:r>
-              <a:rPr lang="en-US" sz="1400" dirty="0" smtClean="0"/>
-              <a:t>May </a:t>
-            </a:r>
-            <a:r>
-              <a:rPr lang="en-US" sz="1400" b="1" i="1" dirty="0" smtClean="0">
+              <a:rPr lang="en-US" sz="1600" dirty="0" smtClean="0"/>
+              <a:t>Does </a:t>
+            </a:r>
+            <a:r>
+              <a:rPr lang="en-US" sz="1600" b="1" i="1" dirty="0" smtClean="0">
                 <a:solidFill>
                   <a:srgbClr val="00B0F0"/>
                 </a:solidFill>
               </a:rPr>
-              <a:t>increase the size </a:t>
-            </a:r>
-            <a:r>
-              <a:rPr lang="en-US" sz="1400" dirty="0" smtClean="0"/>
-              <a:t>of RA/DHCP messages</a:t>
-            </a:r>
-          </a:p>
-          <a:p>
-            <a:pPr lvl="1"/>
-            <a:r>
-              <a:rPr lang="en-US" sz="1800" dirty="0" smtClean="0"/>
-              <a:t>Some advantages</a:t>
+              <a:t>not interfere </a:t>
+            </a:r>
+            <a:r>
+              <a:rPr lang="en-US" sz="1600" dirty="0" smtClean="0"/>
+              <a:t>with DNS exchanges to </a:t>
+            </a:r>
+            <a:r>
+              <a:rPr lang="en-US" sz="1600" dirty="0" smtClean="0"/>
+              <a:t/>
+            </a:r>
+            <a:br>
+              <a:rPr lang="en-US" sz="1600" dirty="0" smtClean="0"/>
+            </a:br>
+            <a:r>
+              <a:rPr lang="en-US" sz="1600" dirty="0" smtClean="0"/>
+              <a:t>“</a:t>
+            </a:r>
+            <a:r>
+              <a:rPr lang="en-US" sz="1600" dirty="0" smtClean="0"/>
+              <a:t>customize” </a:t>
+            </a:r>
+            <a:r>
+              <a:rPr lang="en-US" sz="1600" dirty="0" smtClean="0"/>
+              <a:t>the </a:t>
+            </a:r>
+            <a:r>
+              <a:rPr lang="en-US" sz="1600" dirty="0" smtClean="0"/>
+              <a:t>available services </a:t>
             </a:r>
           </a:p>
           <a:p>
             <a:pPr lvl="2"/>
             <a:r>
-              <a:rPr lang="en-US" sz="1400" dirty="0"/>
-              <a:t>Fills a void as there is </a:t>
-            </a:r>
-            <a:r>
-              <a:rPr lang="en-US" sz="1400" b="1" i="1" dirty="0">
+              <a:rPr lang="en-US" sz="1600" dirty="0"/>
+              <a:t>SVCB DNS does not mandate DNSSEC and </a:t>
+            </a:r>
+            <a:r>
+              <a:rPr lang="en-US" sz="1600" dirty="0" smtClean="0"/>
+              <a:t>the</a:t>
+            </a:r>
+            <a:br>
+              <a:rPr lang="en-US" sz="1600" dirty="0" smtClean="0"/>
+            </a:br>
+            <a:r>
+              <a:rPr lang="en-US" sz="1600" dirty="0" smtClean="0"/>
+              <a:t>Do53 </a:t>
+            </a:r>
+            <a:r>
+              <a:rPr lang="en-US" sz="1600" dirty="0"/>
+              <a:t>response can be modified by an attacker </a:t>
+            </a:r>
+          </a:p>
+          <a:p>
+            <a:pPr lvl="2"/>
+            <a:r>
+              <a:rPr lang="en-US" sz="1600" dirty="0" smtClean="0"/>
+              <a:t>RA/DHCP is </a:t>
+            </a:r>
+            <a:r>
+              <a:rPr lang="en-US" sz="1600" dirty="0"/>
+              <a:t>not </a:t>
+            </a:r>
+            <a:r>
+              <a:rPr lang="en-US" sz="1600" dirty="0" smtClean="0"/>
+              <a:t>subject to </a:t>
+            </a:r>
+            <a:r>
+              <a:rPr lang="en-US" sz="1600" b="1" i="1" dirty="0">
                 <a:solidFill>
                   <a:srgbClr val="00B0F0"/>
                 </a:solidFill>
               </a:rPr>
-              <a:t>no standard</a:t>
-            </a:r>
-            <a:r>
-              <a:rPr lang="en-US" sz="1400" dirty="0">
+              <a:t>external </a:t>
+            </a:r>
+            <a:r>
+              <a:rPr lang="en-US" sz="1600" b="1" i="1" dirty="0" smtClean="0">
                 <a:solidFill>
                   <a:srgbClr val="00B0F0"/>
                 </a:solidFill>
               </a:rPr>
-              <a:t> </a:t>
-            </a:r>
-            <a:r>
-              <a:rPr lang="en-US" sz="1400" dirty="0"/>
-              <a:t>means to retrieve the </a:t>
-            </a:r>
-            <a:r>
-              <a:rPr lang="en-US" sz="1400" dirty="0" smtClean="0"/>
-              <a:t/>
-            </a:r>
-            <a:br>
-              <a:rPr lang="en-US" sz="1400" dirty="0" smtClean="0"/>
-            </a:br>
-            <a:r>
-              <a:rPr lang="en-US" sz="1400" dirty="0" smtClean="0"/>
-              <a:t>URI </a:t>
-            </a:r>
-            <a:r>
-              <a:rPr lang="en-US" sz="1400" dirty="0"/>
-              <a:t>information from the DoH server</a:t>
-            </a:r>
-          </a:p>
-          <a:p>
-            <a:pPr lvl="2"/>
-            <a:r>
-              <a:rPr lang="en-US" sz="1400" dirty="0" smtClean="0"/>
-              <a:t>Clients can </a:t>
-            </a:r>
-            <a:r>
-              <a:rPr lang="en-US" sz="1400" b="1" i="1" dirty="0" smtClean="0">
-                <a:solidFill>
-                  <a:srgbClr val="00B0F0"/>
-                </a:solidFill>
-              </a:rPr>
-              <a:t>immediately use</a:t>
-            </a:r>
-            <a:r>
-              <a:rPr lang="en-US" sz="1400" dirty="0" smtClean="0">
-                <a:solidFill>
-                  <a:srgbClr val="00B0F0"/>
-                </a:solidFill>
-              </a:rPr>
-              <a:t> </a:t>
-            </a:r>
-            <a:r>
-              <a:rPr lang="en-US" sz="1400" dirty="0" smtClean="0"/>
-              <a:t>the service(s); no need for </a:t>
-            </a:r>
-            <a:br>
-              <a:rPr lang="en-US" sz="1400" dirty="0" smtClean="0"/>
-            </a:br>
-            <a:r>
-              <a:rPr lang="en-US" sz="1400" dirty="0" smtClean="0"/>
-              <a:t>extra queries to retrieve the URIs</a:t>
-            </a:r>
-          </a:p>
-          <a:p>
-            <a:pPr lvl="2"/>
-            <a:r>
-              <a:rPr lang="en-US" sz="1400" dirty="0" smtClean="0"/>
-              <a:t>Avoids Do53 lookups</a:t>
-            </a:r>
-          </a:p>
-          <a:p>
-            <a:pPr lvl="2"/>
-            <a:r>
-              <a:rPr lang="en-US" sz="1400" dirty="0" smtClean="0"/>
-              <a:t>Does </a:t>
-            </a:r>
-            <a:r>
-              <a:rPr lang="en-US" sz="1400" b="1" i="1" dirty="0" smtClean="0">
-                <a:solidFill>
-                  <a:srgbClr val="00B0F0"/>
-                </a:solidFill>
-              </a:rPr>
-              <a:t>not interfere </a:t>
-            </a:r>
-            <a:r>
-              <a:rPr lang="en-US" sz="1400" dirty="0" smtClean="0"/>
-              <a:t>with DNS exchanges to “customize” </a:t>
-            </a:r>
-            <a:br>
-              <a:rPr lang="en-US" sz="1400" dirty="0" smtClean="0"/>
-            </a:br>
-            <a:r>
-              <a:rPr lang="en-US" sz="1400" dirty="0" smtClean="0"/>
-              <a:t>the available services </a:t>
-            </a:r>
-          </a:p>
-          <a:p>
-            <a:pPr lvl="2"/>
-            <a:r>
-              <a:rPr lang="en-US" sz="1400" dirty="0"/>
-              <a:t>It is not </a:t>
-            </a:r>
-            <a:r>
-              <a:rPr lang="en-US" sz="1400" dirty="0" smtClean="0"/>
-              <a:t>subject to </a:t>
-            </a:r>
-            <a:r>
-              <a:rPr lang="en-US" sz="1400" b="1" i="1" dirty="0">
-                <a:solidFill>
-                  <a:srgbClr val="00B0F0"/>
-                </a:solidFill>
-              </a:rPr>
-              <a:t>external </a:t>
-            </a:r>
-            <a:r>
-              <a:rPr lang="en-US" sz="1400" b="1" i="1" dirty="0" smtClean="0">
-                <a:solidFill>
-                  <a:srgbClr val="00B0F0"/>
-                </a:solidFill>
-              </a:rPr>
               <a:t>attacks</a:t>
             </a:r>
-          </a:p>
-          <a:p>
-            <a:pPr lvl="2"/>
-            <a:r>
-              <a:rPr lang="en-US" sz="1400" dirty="0"/>
-              <a:t>Avoids the client to fallback to SUDN (</a:t>
-            </a:r>
-            <a:r>
-              <a:rPr lang="en-US" sz="1400" dirty="0" smtClean="0"/>
-              <a:t>opportunistic encryption</a:t>
-            </a:r>
-            <a:r>
-              <a:rPr lang="en-US" sz="1400" dirty="0"/>
-              <a:t>)</a:t>
-            </a:r>
-            <a:endParaRPr lang="en-US" sz="1400" b="1" i="1" dirty="0">
-              <a:solidFill>
-                <a:srgbClr val="00B0F0"/>
-              </a:solidFill>
-            </a:endParaRPr>
           </a:p>
           <a:p>
             <a:pPr marL="0" indent="0">
               <a:buNone/>
             </a:pPr>
-            <a:endParaRPr lang="en-US" sz="2000" dirty="0" smtClean="0"/>
+            <a:endParaRPr lang="en-US" sz="2400" dirty="0" smtClean="0"/>
           </a:p>
         </p:txBody>
       </p:sp>
@@ -7668,7 +7867,15 @@
                   <a:schemeClr val="tx1"/>
                 </a:solidFill>
               </a:rPr>
-              <a:t>These options, when available, take precedence over DEER</a:t>
+              <a:t>These options, when available, take precedence over </a:t>
+            </a:r>
+            <a:r>
+              <a:rPr lang="en-US" sz="2000" dirty="0" smtClean="0">
+                <a:solidFill>
+                  <a:schemeClr val="tx1"/>
+                </a:solidFill>
+              </a:rPr>
+              <a:t>DDR</a:t>
             </a:r>
             <a:endParaRPr lang="en-US" sz="2000" dirty="0">
               <a:solidFill>
@@ -8676,6 +8883,383 @@
     <p:extLst>
       <p:ext uri="{BB962C8B-B14F-4D97-AF65-F5344CB8AC3E}">
         <p14:creationId xmlns:p14="http://schemas.microsoft.com/office/powerpoint/2010/main" val="2147161383"/>
+      </p:ext>
+    </p:extLst>
+  </p:cSld>
+  <p:clrMapOvr>
+    <a:masterClrMapping/>
+  </p:clrMapOvr>
+  <p:timing>
+    <p:tnLst>
+      <p:par>
+        <p:cTn id="1" dur="indefinite" restart="never" nodeType="tmRoot"/>
+      </p:par>
+    </p:tnLst>
+  </p:timing>
+</p:sld>
+</file>
+
+<file path=ppt/slides/slide8.xml><?xml version="1.0" encoding="utf-8"?>
+<p:sld xmlns:a="http://schemas.openxmlformats.org/drawingml/2006/main" xmlns:r="http://schemas.openxmlformats.org/officeDocument/2006/relationships" xmlns:p="http://schemas.openxmlformats.org/presentationml/2006/main">
+  <p:cSld>
+    <p:spTree>
+      <p:nvGrpSpPr>
+        <p:cNvPr id="1" name=""/>
+        <p:cNvGrpSpPr/>
+        <p:nvPr/>
+      </p:nvGrpSpPr>
+      <p:grpSpPr>
+        <a:xfrm>
+          <a:off x="0" y="0"/>
+          <a:ext cx="0" cy="0"/>
+          <a:chOff x="0" y="0"/>
+          <a:chExt cx="0" cy="0"/>
+        </a:xfrm>
+      </p:grpSpPr>
+      <p:sp>
+        <p:nvSpPr>
+          <p:cNvPr id="2" name="Titre 1"/>
+          <p:cNvSpPr>
+            <a:spLocks noGrp="1"/>
+          </p:cNvSpPr>
+          <p:nvPr>
+            <p:ph type="title"/>
+          </p:nvPr>
+        </p:nvSpPr>
+        <p:spPr/>
+        <p:txBody>
+          <a:bodyPr/>
+          <a:lstStyle/>
+          <a:p>
+            <a:r>
+              <a:rPr lang="en-US" dirty="0" smtClean="0"/>
+              <a:t>Issue: </a:t>
+            </a:r>
+            <a:r>
+              <a:rPr lang="en-US" dirty="0" smtClean="0"/>
+              <a:t>No @List is Returned</a:t>
+            </a:r>
+            <a:endParaRPr lang="en-US" dirty="0"/>
+          </a:p>
+        </p:txBody>
+      </p:sp>
+      <p:sp>
+        <p:nvSpPr>
+          <p:cNvPr id="3" name="Espace réservé du contenu 2"/>
+          <p:cNvSpPr>
+            <a:spLocks noGrp="1"/>
+          </p:cNvSpPr>
+          <p:nvPr>
+            <p:ph idx="1"/>
+          </p:nvPr>
+        </p:nvSpPr>
+        <p:spPr/>
+        <p:txBody>
+          <a:bodyPr/>
+          <a:lstStyle/>
+          <a:p>
+            <a:r>
+              <a:rPr lang="en-US" dirty="0" smtClean="0"/>
+              <a:t>If the client receives a Do53 @List and an ADN, should the client use that list to resolve the ADN or should that list be assumed as </a:t>
+            </a:r>
+            <a:r>
+              <a:rPr lang="en-US" dirty="0"/>
+              <a:t>locators </a:t>
+            </a:r>
+            <a:r>
+              <a:rPr lang="en-US" dirty="0" smtClean="0"/>
+              <a:t>to reach encrypted DNS servers? </a:t>
+            </a:r>
+          </a:p>
+        </p:txBody>
+      </p:sp>
+      <p:sp>
+        <p:nvSpPr>
+          <p:cNvPr id="4" name="Rectangle 3"/>
+          <p:cNvSpPr/>
+          <p:nvPr/>
+        </p:nvSpPr>
+        <p:spPr>
+          <a:xfrm>
+            <a:off x="255929" y="5157192"/>
+            <a:ext cx="8424936" cy="1678047"/>
+          </a:xfrm>
+          <a:prstGeom prst="rect">
+            <a:avLst/>
+          </a:prstGeom>
+          <a:solidFill>
+            <a:srgbClr val="92D050"/>
+          </a:solidFill>
+          <a:ln>
+            <a:solidFill>
+              <a:schemeClr val="bg1"/>
+            </a:solidFill>
+          </a:ln>
+        </p:spPr>
+        <p:style>
+          <a:lnRef idx="2">
+            <a:schemeClr val="accent1">
+              <a:shade val="50000"/>
+            </a:schemeClr>
+          </a:lnRef>
+          <a:fillRef idx="1">
+            <a:schemeClr val="accent1"/>
+          </a:fillRef>
+          <a:effectRef idx="0">
+            <a:schemeClr val="accent1"/>
+          </a:effectRef>
+          <a:fontRef idx="minor">
+            <a:schemeClr val="lt1"/>
+          </a:fontRef>
+        </p:style>
+        <p:txBody>
+          <a:bodyPr rtlCol="0" anchor="ctr"/>
+          <a:lstStyle/>
+          <a:p>
+            <a:r>
+              <a:rPr lang="en-US" sz="2000" b="1" dirty="0" smtClean="0">
+                <a:solidFill>
+                  <a:schemeClr val="tx1"/>
+                </a:solidFill>
+              </a:rPr>
+              <a:t>Suggestion</a:t>
+            </a:r>
+            <a:r>
+              <a:rPr lang="en-US" sz="2000" dirty="0" smtClean="0">
+                <a:solidFill>
+                  <a:schemeClr val="tx1"/>
+                </a:solidFill>
+              </a:rPr>
+              <a:t>:</a:t>
+            </a:r>
+          </a:p>
+          <a:p>
+            <a:pPr marL="285750" indent="-285750">
+              <a:buFont typeface="Arial" panose="020B0604020202020204" pitchFamily="34" charset="0"/>
+              <a:buChar char="•"/>
+            </a:pPr>
+            <a:r>
+              <a:rPr lang="en-US" sz="2000" dirty="0" smtClean="0">
+                <a:solidFill>
+                  <a:schemeClr val="tx1"/>
+                </a:solidFill>
+              </a:rPr>
+              <a:t>Recommend to always return a list of @</a:t>
+            </a:r>
+            <a:r>
+              <a:rPr lang="en-US" sz="2000" dirty="0" err="1" smtClean="0">
+                <a:solidFill>
+                  <a:schemeClr val="tx1"/>
+                </a:solidFill>
+              </a:rPr>
+              <a:t>es</a:t>
+            </a:r>
+            <a:r>
+              <a:rPr lang="en-US" sz="2000" dirty="0" smtClean="0">
+                <a:solidFill>
+                  <a:schemeClr val="tx1"/>
+                </a:solidFill>
+              </a:rPr>
+              <a:t>, unless Do53 and encrypted DNS terminate on the same @</a:t>
+            </a:r>
+            <a:r>
+              <a:rPr lang="en-US" sz="2000" dirty="0" err="1" smtClean="0">
+                <a:solidFill>
+                  <a:schemeClr val="tx1"/>
+                </a:solidFill>
+              </a:rPr>
+              <a:t>es</a:t>
+            </a:r>
+            <a:endParaRPr lang="en-US" sz="2000" dirty="0" smtClean="0">
+              <a:solidFill>
+                <a:schemeClr val="tx1"/>
+              </a:solidFill>
+            </a:endParaRPr>
+          </a:p>
+          <a:p>
+            <a:r>
+              <a:rPr lang="en-US" sz="2000" b="1" dirty="0" smtClean="0">
+                <a:solidFill>
+                  <a:schemeClr val="tx1"/>
+                </a:solidFill>
+              </a:rPr>
+              <a:t>Motivation</a:t>
+            </a:r>
+            <a:r>
+              <a:rPr lang="en-US" sz="2000" dirty="0" smtClean="0">
+                <a:solidFill>
+                  <a:schemeClr val="tx1"/>
+                </a:solidFill>
+              </a:rPr>
+              <a:t>:</a:t>
+            </a:r>
+          </a:p>
+          <a:p>
+            <a:pPr marL="285750" indent="-285750">
+              <a:buFont typeface="Arial" panose="020B0604020202020204" pitchFamily="34" charset="0"/>
+              <a:buChar char="•"/>
+            </a:pPr>
+            <a:r>
+              <a:rPr lang="en-US" sz="2000" dirty="0" smtClean="0">
+                <a:solidFill>
+                  <a:schemeClr val="tx1"/>
+                </a:solidFill>
+              </a:rPr>
+              <a:t>Optimize the message size</a:t>
+            </a:r>
+            <a:endParaRPr lang="en-US" sz="2000" dirty="0">
+              <a:solidFill>
+                <a:schemeClr val="tx1"/>
+              </a:solidFill>
+            </a:endParaRPr>
+          </a:p>
+        </p:txBody>
+      </p:sp>
+    </p:spTree>
+    <p:extLst>
+      <p:ext uri="{BB962C8B-B14F-4D97-AF65-F5344CB8AC3E}">
+        <p14:creationId xmlns:p14="http://schemas.microsoft.com/office/powerpoint/2010/main" val="2374649975"/>
+      </p:ext>
+    </p:extLst>
+  </p:cSld>
+  <p:clrMapOvr>
+    <a:masterClrMapping/>
+  </p:clrMapOvr>
+  <p:timing>
+    <p:tnLst>
+      <p:par>
+        <p:cTn id="1" dur="indefinite" restart="never" nodeType="tmRoot"/>
+      </p:par>
+    </p:tnLst>
+  </p:timing>
+</p:sld>
+</file>
+
+<file path=ppt/slides/slide9.xml><?xml version="1.0" encoding="utf-8"?>
+<p:sld xmlns:a="http://schemas.openxmlformats.org/drawingml/2006/main" xmlns:r="http://schemas.openxmlformats.org/officeDocument/2006/relationships" xmlns:p="http://schemas.openxmlformats.org/presentationml/2006/main">
+  <p:cSld>
+    <p:spTree>
+      <p:nvGrpSpPr>
+        <p:cNvPr id="1" name=""/>
+        <p:cNvGrpSpPr/>
+        <p:nvPr/>
+      </p:nvGrpSpPr>
+      <p:grpSpPr>
+        <a:xfrm>
+          <a:off x="0" y="0"/>
+          <a:ext cx="0" cy="0"/>
+          <a:chOff x="0" y="0"/>
+          <a:chExt cx="0" cy="0"/>
+        </a:xfrm>
+      </p:grpSpPr>
+      <p:sp>
+        <p:nvSpPr>
+          <p:cNvPr id="2" name="Titre 1"/>
+          <p:cNvSpPr>
+            <a:spLocks noGrp="1"/>
+          </p:cNvSpPr>
+          <p:nvPr>
+            <p:ph type="title"/>
+          </p:nvPr>
+        </p:nvSpPr>
+        <p:spPr/>
+        <p:txBody>
+          <a:bodyPr/>
+          <a:lstStyle/>
+          <a:p>
+            <a:r>
+              <a:rPr lang="en-US" dirty="0" smtClean="0"/>
+              <a:t>Next</a:t>
+            </a:r>
+            <a:r>
+              <a:rPr lang="fr-FR" dirty="0" smtClean="0"/>
+              <a:t> </a:t>
+            </a:r>
+            <a:r>
+              <a:rPr lang="en-US" dirty="0" smtClean="0"/>
+              <a:t>Steps</a:t>
+            </a:r>
+            <a:endParaRPr lang="en-US" dirty="0"/>
+          </a:p>
+        </p:txBody>
+      </p:sp>
+      <p:sp>
+        <p:nvSpPr>
+          <p:cNvPr id="3" name="Espace réservé du contenu 2"/>
+          <p:cNvSpPr>
+            <a:spLocks noGrp="1"/>
+          </p:cNvSpPr>
+          <p:nvPr>
+            <p:ph idx="1"/>
+          </p:nvPr>
+        </p:nvSpPr>
+        <p:spPr/>
+        <p:txBody>
+          <a:bodyPr/>
+          <a:lstStyle/>
+          <a:p>
+            <a:r>
+              <a:rPr lang="en-US" dirty="0" smtClean="0"/>
+              <a:t>Implement the outcome of the discussion</a:t>
+            </a:r>
+          </a:p>
+          <a:p>
+            <a:endParaRPr lang="en-US" dirty="0" smtClean="0"/>
+          </a:p>
+          <a:p>
+            <a:r>
+              <a:rPr lang="en-US" dirty="0" smtClean="0"/>
+              <a:t>Edits and clarification to take into account </a:t>
+            </a:r>
+            <a:r>
+              <a:rPr lang="en-US" dirty="0" smtClean="0"/>
+              <a:t>Michael and Yan’s </a:t>
+            </a:r>
+            <a:r>
+              <a:rPr lang="en-US" dirty="0" smtClean="0"/>
+              <a:t>comments</a:t>
+            </a:r>
+          </a:p>
+          <a:p>
+            <a:pPr lvl="1"/>
+            <a:r>
+              <a:rPr lang="en-US" dirty="0">
+                <a:hlinkClick r:id="rId2"/>
+              </a:rPr>
+              <a:t>https://</a:t>
+            </a:r>
+            <a:r>
+              <a:rPr lang="en-US" dirty="0" smtClean="0">
+                <a:hlinkClick r:id="rId2"/>
+              </a:rPr>
+              <a:t>github.com/ietf-wg-add/draft-ietf-add-dnr/issues</a:t>
+            </a:r>
+            <a:r>
+              <a:rPr lang="en-US" dirty="0" smtClean="0">
+                <a:hlinkClick r:id="rId2"/>
+              </a:rPr>
+              <a:t>/</a:t>
+            </a:r>
+            <a:endParaRPr lang="en-US" dirty="0" smtClean="0"/>
+          </a:p>
+          <a:p>
+            <a:endParaRPr lang="en-US" dirty="0" smtClean="0"/>
+          </a:p>
+          <a:p>
+            <a:r>
+              <a:rPr lang="en-US" dirty="0" smtClean="0"/>
+              <a:t>Please review and share comments</a:t>
+            </a:r>
+          </a:p>
+          <a:p>
+            <a:endParaRPr lang="en-US" dirty="0"/>
+          </a:p>
+        </p:txBody>
+      </p:sp>
+    </p:spTree>
+    <p:extLst>
+      <p:ext uri="{BB962C8B-B14F-4D97-AF65-F5344CB8AC3E}">
+        <p14:creationId xmlns:p14="http://schemas.microsoft.com/office/powerpoint/2010/main" val="230875129"/>
       </p:ext>
     </p:extLst>
   </p:cSld>

--- a/ietf110/draft-ietf-add-dnr.pptx
+++ b/ietf110/draft-ietf-add-dnr.pptx
@@ -5082,46 +5082,26 @@
           <a:p>
             <a:r>
               <a:rPr lang="en-US" dirty="0" smtClean="0"/>
-              <a:t>Return </a:t>
+              <a:t>Return the </a:t>
+            </a:r>
+            <a:r>
+              <a:rPr lang="en-US" b="1" i="1" dirty="0" smtClean="0">
+                <a:solidFill>
+                  <a:srgbClr val="00B0F0"/>
+                </a:solidFill>
+              </a:rPr>
+              <a:t>minimal information</a:t>
             </a:r>
             <a:r>
               <a:rPr lang="en-US" dirty="0" smtClean="0"/>
-              <a:t>the </a:t>
-            </a:r>
-            <a:r>
-              <a:rPr lang="en-US" b="1" i="1" dirty="0" smtClean="0">
-                <a:solidFill>
-                  <a:srgbClr val="00B0F0"/>
-                </a:solidFill>
-              </a:rPr>
-              <a:t>minimal information</a:t>
-            </a:r>
+              <a:t> to establish an authenticated connection with a DNS resolver</a:t>
+            </a:r>
+            <a:endParaRPr lang="en-US" sz="2400" dirty="0" smtClean="0"/>
+          </a:p>
+          <a:p>
             <a:r>
               <a:rPr lang="en-US" dirty="0" smtClean="0"/>
-              <a:t> to establish </a:t>
-            </a:r>
-            <a:r>
-              <a:rPr lang="en-US" dirty="0" smtClean="0"/>
-              <a:t>an authenticated </a:t>
-            </a:r>
-            <a:r>
-              <a:rPr lang="en-US" dirty="0" smtClean="0"/>
-              <a:t>connection </a:t>
-            </a:r>
-            <a:r>
-              <a:rPr lang="en-US" dirty="0" smtClean="0"/>
-              <a:t>with a DNS resolver</a:t>
-            </a:r>
-            <a:endParaRPr lang="en-US" sz="2400" dirty="0" smtClean="0"/>
-          </a:p>
-          <a:p>
-            <a:r>
-              <a:rPr lang="en-US" dirty="0" smtClean="0"/>
-              <a:t>Two options are </a:t>
-            </a:r>
-            <a:r>
-              <a:rPr lang="en-US" dirty="0" smtClean="0"/>
-              <a:t>defined</a:t>
+              <a:t>Two options are defined</a:t>
             </a:r>
             <a:endParaRPr lang="en-US" sz="3600" dirty="0" smtClean="0"/>
           </a:p>
@@ -7300,13 +7280,8 @@
             </a:r>
             <a:r>
               <a:rPr lang="en-US" dirty="0" smtClean="0"/>
-              <a:t>to discover the IP addresses and the alternate port </a:t>
-            </a:r>
-            <a:r>
-              <a:rPr lang="en-US" dirty="0" smtClean="0"/>
-              <a:t>number</a:t>
-            </a:r>
-            <a:endParaRPr lang="en-US" dirty="0" smtClean="0"/>
+              <a:t>to discover the IP addresses and the alternate port number</a:t>
+            </a:r>
           </a:p>
           <a:p>
             <a:pPr marL="457200" lvl="1" indent="0">
@@ -7383,15 +7358,11 @@
           <a:p>
             <a:r>
               <a:rPr lang="en-US" dirty="0" smtClean="0"/>
-              <a:t>Issue: DNR </a:t>
+              <a:t>Issue: </a:t>
             </a:r>
             <a:r>
               <a:rPr lang="en-US" dirty="0" smtClean="0"/>
-              <a:t>Options Should be Isomorphic to DDR </a:t>
-            </a:r>
-            <a:r>
-              <a:rPr lang="en-US" dirty="0" smtClean="0"/>
-              <a:t>Information</a:t>
+              <a:t>Harmonize Information with DDR</a:t>
             </a:r>
             <a:endParaRPr lang="en-US" dirty="0"/>
           </a:p>
@@ -7421,26 +7392,14 @@
           <a:p>
             <a:r>
               <a:rPr lang="en-US" dirty="0" smtClean="0"/>
-              <a:t>What </a:t>
-            </a:r>
+              <a:t>What additional information do we need to  convey in the options? </a:t>
+            </a:r>
+          </a:p>
+          <a:p>
+            <a:pPr lvl="1"/>
             <a:r>
               <a:rPr lang="en-US" dirty="0" smtClean="0"/>
-              <a:t>additional information do we need to  convey in the options? </a:t>
-            </a:r>
-          </a:p>
-          <a:p>
-            <a:pPr lvl="1"/>
-            <a:r>
-              <a:rPr lang="en-US" dirty="0" smtClean="0"/>
-              <a:t>URI </a:t>
-            </a:r>
-            <a:r>
-              <a:rPr lang="en-US" dirty="0" smtClean="0"/>
-              <a:t>Templates</a:t>
-            </a:r>
-            <a:r>
-              <a:rPr lang="en-US" dirty="0" smtClean="0"/>
-              <a:t>?</a:t>
+              <a:t>URI Templates?</a:t>
             </a:r>
           </a:p>
           <a:p>
@@ -7449,7 +7408,6 @@
               <a:rPr lang="en-US" dirty="0" smtClean="0"/>
               <a:t>Other information?</a:t>
             </a:r>
-            <a:endParaRPr lang="en-US" dirty="0" smtClean="0"/>
           </a:p>
           <a:p>
             <a:endParaRPr lang="en-US" dirty="0" smtClean="0"/>
@@ -7570,20 +7528,12 @@
               <a:rPr lang="en-US" sz="1800" dirty="0" smtClean="0"/>
               <a:t>Provide a customized DNS configuration within </a:t>
             </a:r>
-            <a:r>
-              <a:rPr lang="en-US" sz="1800" dirty="0" smtClean="0"/>
-              <a:t/>
-            </a:r>
             <a:br>
               <a:rPr lang="en-US" sz="1800" dirty="0" smtClean="0"/>
             </a:br>
             <a:r>
               <a:rPr lang="en-US" sz="1800" dirty="0" smtClean="0"/>
-              <a:t>a </a:t>
-            </a:r>
-            <a:r>
-              <a:rPr lang="en-US" sz="1800" dirty="0" smtClean="0"/>
-              <a:t>local network</a:t>
+              <a:t>a local network</a:t>
             </a:r>
           </a:p>
           <a:p>
@@ -7629,11 +7579,7 @@
             <a:pPr lvl="2"/>
             <a:r>
               <a:rPr lang="en-US" sz="1600" dirty="0" smtClean="0"/>
-              <a:t>Clients </a:t>
-            </a:r>
-            <a:r>
-              <a:rPr lang="en-US" sz="1600" dirty="0" smtClean="0"/>
-              <a:t>can </a:t>
+              <a:t>Clients can </a:t>
             </a:r>
             <a:r>
               <a:rPr lang="en-US" sz="1600" b="1" i="1" dirty="0" smtClean="0">
@@ -7654,29 +7600,13 @@
             <a:r>
               <a:rPr lang="en-US" sz="1600" dirty="0" smtClean="0"/>
               <a:t>the service(s); no </a:t>
-            </a:r>
-            <a:r>
-              <a:rPr lang="en-US" sz="1600" dirty="0" smtClean="0"/>
-              <a:t/>
             </a:r>
             <a:br>
               <a:rPr lang="en-US" sz="1600" dirty="0" smtClean="0"/>
             </a:br>
             <a:r>
               <a:rPr lang="en-US" sz="1600" dirty="0" smtClean="0"/>
-              <a:t>need </a:t>
-            </a:r>
-            <a:r>
-              <a:rPr lang="en-US" sz="1600" dirty="0" smtClean="0"/>
-              <a:t>for </a:t>
-            </a:r>
-            <a:r>
-              <a:rPr lang="en-US" sz="1600" dirty="0" smtClean="0"/>
-              <a:t>extra </a:t>
-            </a:r>
-            <a:r>
-              <a:rPr lang="en-US" sz="1600" dirty="0" smtClean="0"/>
-              <a:t>queries to retrieve the URIs</a:t>
+              <a:t>need for extra queries to retrieve the URIs</a:t>
             </a:r>
           </a:p>
           <a:p>
@@ -7696,29 +7626,13 @@
             <a:r>
               <a:rPr lang="en-US" sz="1600" dirty="0" smtClean="0"/>
               <a:t>with DNS exchanges to </a:t>
-            </a:r>
-            <a:r>
-              <a:rPr lang="en-US" sz="1600" dirty="0" smtClean="0"/>
-              <a:t/>
             </a:r>
             <a:br>
               <a:rPr lang="en-US" sz="1600" dirty="0" smtClean="0"/>
             </a:br>
             <a:r>
               <a:rPr lang="en-US" sz="1600" dirty="0" smtClean="0"/>
-              <a:t>“</a:t>
-            </a:r>
-            <a:r>
-              <a:rPr lang="en-US" sz="1600" dirty="0" smtClean="0"/>
-              <a:t>customize” </a:t>
-            </a:r>
-            <a:r>
-              <a:rPr lang="en-US" sz="1600" dirty="0" smtClean="0"/>
-              <a:t>the </a:t>
-            </a:r>
-            <a:r>
-              <a:rPr lang="en-US" sz="1600" dirty="0" smtClean="0"/>
-              <a:t>available services </a:t>
+              <a:t>“customize” the available services </a:t>
             </a:r>
           </a:p>
           <a:p>
@@ -7867,15 +7781,7 @@
                   <a:schemeClr val="tx1"/>
                 </a:solidFill>
               </a:rPr>
-              <a:t>These options, when available, take precedence over </a:t>
-            </a:r>
-            <a:r>
-              <a:rPr lang="en-US" sz="2000" dirty="0" smtClean="0">
-                <a:solidFill>
-                  <a:schemeClr val="tx1"/>
-                </a:solidFill>
-              </a:rPr>
-              <a:t>DDR</a:t>
+              <a:t>These options, when available, take precedence over DDR</a:t>
             </a:r>
             <a:endParaRPr lang="en-US" sz="2000" dirty="0">
               <a:solidFill>
@@ -8933,11 +8839,7 @@
           <a:p>
             <a:r>
               <a:rPr lang="en-US" dirty="0" smtClean="0"/>
-              <a:t>Issue: </a:t>
-            </a:r>
-            <a:r>
-              <a:rPr lang="en-US" dirty="0" smtClean="0"/>
-              <a:t>No @List is Returned</a:t>
+              <a:t>Issue: No @List is Returned</a:t>
             </a:r>
             <a:endParaRPr lang="en-US" dirty="0"/>
           </a:p>
@@ -9044,7 +8946,15 @@
                   <a:schemeClr val="tx1"/>
                 </a:solidFill>
               </a:rPr>
-              <a:t>Recommend to always return a list of @</a:t>
+              <a:t>Recommend to always return a list of </a:t>
+            </a:r>
+            <a:r>
+              <a:rPr lang="en-US" sz="2000" dirty="0" smtClean="0">
+                <a:solidFill>
+                  <a:schemeClr val="tx1"/>
+                </a:solidFill>
+              </a:rPr>
+              <a:t>encrypted DNS @</a:t>
             </a:r>
             <a:r>
               <a:rPr lang="en-US" sz="2000" dirty="0" err="1" smtClean="0">
@@ -9209,15 +9119,7 @@
           <a:p>
             <a:r>
               <a:rPr lang="en-US" dirty="0" smtClean="0"/>
-              <a:t>Edits and clarification to take into account </a:t>
-            </a:r>
-            <a:r>
-              <a:rPr lang="en-US" dirty="0" smtClean="0"/>
-              <a:t>Michael and Yan’s </a:t>
-            </a:r>
-            <a:r>
-              <a:rPr lang="en-US" dirty="0" smtClean="0"/>
-              <a:t>comments</a:t>
+              <a:t>Edits and clarification to take into account Michael and Yan’s comments</a:t>
             </a:r>
           </a:p>
           <a:p>
@@ -9232,13 +9134,7 @@
               <a:rPr lang="en-US" dirty="0" smtClean="0">
                 <a:hlinkClick r:id="rId2"/>
               </a:rPr>
-              <a:t>github.com/ietf-wg-add/draft-ietf-add-dnr/issues</a:t>
-            </a:r>
-            <a:r>
-              <a:rPr lang="en-US" dirty="0" smtClean="0">
-                <a:hlinkClick r:id="rId2"/>
-              </a:rPr>
-              <a:t>/</a:t>
+              <a:t>github.com/ietf-wg-add/draft-ietf-add-dnr/issues/</a:t>
             </a:r>
             <a:endParaRPr lang="en-US" dirty="0" smtClean="0"/>
           </a:p>
